--- a/lohse ACRM 2017 workshop.pptx
+++ b/lohse ACRM 2017 workshop.pptx
@@ -225,7 +225,7 @@
           <a:p>
             <a:fld id="{884C76E6-7EF3-400B-BE3B-453705C25BC3}" type="datetimeFigureOut">
               <a:rPr lang="en-US" smtClean="0"/>
-              <a:t>4/26/2017</a:t>
+              <a:t>10/23/2017</a:t>
             </a:fld>
             <a:endParaRPr lang="en-US"/>
           </a:p>
@@ -624,7 +624,7 @@
           <a:p>
             <a:fld id="{4A466088-243E-44D6-A408-1775B5BA8DD6}" type="datetime1">
               <a:rPr lang="en-US" smtClean="0"/>
-              <a:t>4/26/2017</a:t>
+              <a:t>10/23/2017</a:t>
             </a:fld>
             <a:endParaRPr lang="en-US"/>
           </a:p>
@@ -794,7 +794,7 @@
           <a:p>
             <a:fld id="{DA0AA6BE-50D6-4BA0-AD77-277B2FCBD3AE}" type="datetime1">
               <a:rPr lang="en-US" smtClean="0"/>
-              <a:t>4/26/2017</a:t>
+              <a:t>10/23/2017</a:t>
             </a:fld>
             <a:endParaRPr lang="en-US"/>
           </a:p>
@@ -974,7 +974,7 @@
           <a:p>
             <a:fld id="{2F53AEE6-7037-44AB-84C6-92157B5622B7}" type="datetime1">
               <a:rPr lang="en-US" smtClean="0"/>
-              <a:t>4/26/2017</a:t>
+              <a:t>10/23/2017</a:t>
             </a:fld>
             <a:endParaRPr lang="en-US"/>
           </a:p>
@@ -1144,7 +1144,7 @@
           <a:p>
             <a:fld id="{C12F8C26-0747-4C32-B8F2-78CDB4AF9A68}" type="datetime1">
               <a:rPr lang="en-US" smtClean="0"/>
-              <a:t>4/26/2017</a:t>
+              <a:t>10/23/2017</a:t>
             </a:fld>
             <a:endParaRPr lang="en-US"/>
           </a:p>
@@ -1397,7 +1397,7 @@
           <a:p>
             <a:fld id="{4BC38E00-18B7-4F88-8122-C6E5CE5D966F}" type="datetime1">
               <a:rPr lang="en-US" smtClean="0"/>
-              <a:t>4/26/2017</a:t>
+              <a:t>10/23/2017</a:t>
             </a:fld>
             <a:endParaRPr lang="en-US"/>
           </a:p>
@@ -1629,7 +1629,7 @@
           <a:p>
             <a:fld id="{A5E101D0-F977-4BAD-9E53-681A58BE0FC6}" type="datetime1">
               <a:rPr lang="en-US" smtClean="0"/>
-              <a:t>4/26/2017</a:t>
+              <a:t>10/23/2017</a:t>
             </a:fld>
             <a:endParaRPr lang="en-US"/>
           </a:p>
@@ -1996,7 +1996,7 @@
           <a:p>
             <a:fld id="{25FC29B6-2F2F-44FC-A417-BAE191C1072F}" type="datetime1">
               <a:rPr lang="en-US" smtClean="0"/>
-              <a:t>4/26/2017</a:t>
+              <a:t>10/23/2017</a:t>
             </a:fld>
             <a:endParaRPr lang="en-US"/>
           </a:p>
@@ -2114,7 +2114,7 @@
           <a:p>
             <a:fld id="{A2EEFC4B-AA0C-4282-9B71-4BFFED71C00D}" type="datetime1">
               <a:rPr lang="en-US" smtClean="0"/>
-              <a:t>4/26/2017</a:t>
+              <a:t>10/23/2017</a:t>
             </a:fld>
             <a:endParaRPr lang="en-US"/>
           </a:p>
@@ -2209,7 +2209,7 @@
           <a:p>
             <a:fld id="{F55316B0-5752-4BA0-8DB9-51B1D3027AE5}" type="datetime1">
               <a:rPr lang="en-US" smtClean="0"/>
-              <a:t>4/26/2017</a:t>
+              <a:t>10/23/2017</a:t>
             </a:fld>
             <a:endParaRPr lang="en-US"/>
           </a:p>
@@ -2486,7 +2486,7 @@
           <a:p>
             <a:fld id="{ACE72FBB-8519-4FAA-BD37-EA5EB0253600}" type="datetime1">
               <a:rPr lang="en-US" smtClean="0"/>
-              <a:t>4/26/2017</a:t>
+              <a:t>10/23/2017</a:t>
             </a:fld>
             <a:endParaRPr lang="en-US"/>
           </a:p>
@@ -2739,7 +2739,7 @@
           <a:p>
             <a:fld id="{48FB54DE-4695-452B-AA3A-606BA6BD93FB}" type="datetime1">
               <a:rPr lang="en-US" smtClean="0"/>
-              <a:t>4/26/2017</a:t>
+              <a:t>10/23/2017</a:t>
             </a:fld>
             <a:endParaRPr lang="en-US"/>
           </a:p>
@@ -2952,7 +2952,7 @@
           <a:p>
             <a:fld id="{77D4EBB2-E6B3-4741-8C58-9501D65C1B0D}" type="datetime1">
               <a:rPr lang="en-US" smtClean="0"/>
-              <a:t>4/26/2017</a:t>
+              <a:t>10/23/2017</a:t>
             </a:fld>
             <a:endParaRPr lang="en-US"/>
           </a:p>
@@ -3413,7 +3413,7 @@
         </p:spPr>
         <p:txBody>
           <a:bodyPr>
-            <a:normAutofit/>
+            <a:normAutofit fontScale="92500" lnSpcReduction="20000"/>
           </a:bodyPr>
           <a:lstStyle/>
           <a:p>
@@ -3446,8 +3446,40 @@
                   </a:schemeClr>
                 </a:solidFill>
               </a:rPr>
-              <a:t>Department of Physical Therapy and Athletic Training</a:t>
-            </a:r>
+              <a:t>Department of Physical Therapy and Athletic </a:t>
+            </a:r>
+            <a:r>
+              <a:rPr lang="en-US" sz="2000" dirty="0" smtClean="0">
+                <a:solidFill>
+                  <a:schemeClr val="tx1">
+                    <a:lumMod val="50000"/>
+                    <a:lumOff val="50000"/>
+                  </a:schemeClr>
+                </a:solidFill>
+              </a:rPr>
+              <a:t>Training</a:t>
+            </a:r>
+          </a:p>
+          <a:p>
+            <a:r>
+              <a:rPr lang="en-US" sz="2000" dirty="0" smtClean="0">
+                <a:solidFill>
+                  <a:schemeClr val="tx1">
+                    <a:lumMod val="50000"/>
+                    <a:lumOff val="50000"/>
+                  </a:schemeClr>
+                </a:solidFill>
+              </a:rPr>
+              <a:t>University of Utah</a:t>
+            </a:r>
+            <a:endParaRPr lang="en-US" sz="2000" dirty="0" smtClean="0">
+              <a:solidFill>
+                <a:schemeClr val="tx1">
+                  <a:lumMod val="50000"/>
+                  <a:lumOff val="50000"/>
+                </a:schemeClr>
+              </a:solidFill>
+            </a:endParaRPr>
           </a:p>
         </p:txBody>
       </p:sp>
@@ -5395,8 +5427,8 @@
           </a:p>
         </p:txBody>
       </p:sp>
-      <mc:AlternateContent xmlns:mc="http://schemas.openxmlformats.org/markup-compatibility/2006">
-        <mc:Choice xmlns:a14="http://schemas.microsoft.com/office/drawing/2010/main" Requires="a14">
+      <mc:AlternateContent xmlns:mc="http://schemas.openxmlformats.org/markup-compatibility/2006" xmlns:a14="http://schemas.microsoft.com/office/drawing/2010/main">
+        <mc:Choice Requires="a14">
           <p:sp>
             <p:nvSpPr>
               <p:cNvPr id="4" name="TextBox 3"/>
@@ -5710,7 +5742,7 @@
             </p:txBody>
           </p:sp>
         </mc:Choice>
-        <mc:Fallback>
+        <mc:Fallback xmlns="">
           <p:sp>
             <p:nvSpPr>
               <p:cNvPr id="4" name="TextBox 3"/>
@@ -7135,8 +7167,8 @@
           </a:p>
         </p:txBody>
       </p:sp>
-      <mc:AlternateContent xmlns:mc="http://schemas.openxmlformats.org/markup-compatibility/2006">
-        <mc:Choice xmlns:a14="http://schemas.microsoft.com/office/drawing/2010/main" Requires="a14">
+      <mc:AlternateContent xmlns:mc="http://schemas.openxmlformats.org/markup-compatibility/2006" xmlns:a14="http://schemas.microsoft.com/office/drawing/2010/main">
+        <mc:Choice Requires="a14">
           <p:sp>
             <p:nvSpPr>
               <p:cNvPr id="28" name="TextBox 27"/>
@@ -7283,7 +7315,7 @@
             </p:txBody>
           </p:sp>
         </mc:Choice>
-        <mc:Fallback>
+        <mc:Fallback xmlns="">
           <p:sp>
             <p:nvSpPr>
               <p:cNvPr id="28" name="TextBox 27"/>
@@ -7352,8 +7384,8 @@
           </a:p>
         </p:txBody>
       </p:sp>
-      <mc:AlternateContent xmlns:mc="http://schemas.openxmlformats.org/markup-compatibility/2006">
-        <mc:Choice xmlns:a14="http://schemas.microsoft.com/office/drawing/2010/main" Requires="a14">
+      <mc:AlternateContent xmlns:mc="http://schemas.openxmlformats.org/markup-compatibility/2006" xmlns:a14="http://schemas.microsoft.com/office/drawing/2010/main">
+        <mc:Choice Requires="a14">
           <p:sp>
             <p:nvSpPr>
               <p:cNvPr id="30" name="TextBox 29"/>
@@ -7500,7 +7532,7 @@
             </p:txBody>
           </p:sp>
         </mc:Choice>
-        <mc:Fallback>
+        <mc:Fallback xmlns="">
           <p:sp>
             <p:nvSpPr>
               <p:cNvPr id="30" name="TextBox 29"/>
@@ -9295,8 +9327,8 @@
           </a:p>
         </p:txBody>
       </p:sp>
-      <mc:AlternateContent xmlns:mc="http://schemas.openxmlformats.org/markup-compatibility/2006">
-        <mc:Choice xmlns:a14="http://schemas.microsoft.com/office/drawing/2010/main" Requires="a14">
+      <mc:AlternateContent xmlns:mc="http://schemas.openxmlformats.org/markup-compatibility/2006" xmlns:a14="http://schemas.microsoft.com/office/drawing/2010/main">
+        <mc:Choice Requires="a14">
           <p:sp>
             <p:nvSpPr>
               <p:cNvPr id="60" name="TextBox 59"/>
@@ -9512,7 +9544,7 @@
             </p:txBody>
           </p:sp>
         </mc:Choice>
-        <mc:Fallback>
+        <mc:Fallback xmlns="">
           <p:sp>
             <p:nvSpPr>
               <p:cNvPr id="60" name="TextBox 59"/>
@@ -9581,8 +9613,8 @@
           </a:p>
         </p:txBody>
       </p:sp>
-      <mc:AlternateContent xmlns:mc="http://schemas.openxmlformats.org/markup-compatibility/2006">
-        <mc:Choice xmlns:a14="http://schemas.microsoft.com/office/drawing/2010/main" Requires="a14">
+      <mc:AlternateContent xmlns:mc="http://schemas.openxmlformats.org/markup-compatibility/2006" xmlns:a14="http://schemas.microsoft.com/office/drawing/2010/main">
+        <mc:Choice Requires="a14">
           <p:sp>
             <p:nvSpPr>
               <p:cNvPr id="62" name="TextBox 61"/>
@@ -9798,7 +9830,7 @@
             </p:txBody>
           </p:sp>
         </mc:Choice>
-        <mc:Fallback>
+        <mc:Fallback xmlns="">
           <p:sp>
             <p:nvSpPr>
               <p:cNvPr id="62" name="TextBox 61"/>
@@ -11984,8 +12016,8 @@
           </a:fontRef>
         </p:style>
       </p:cxnSp>
-      <mc:AlternateContent xmlns:mc="http://schemas.openxmlformats.org/markup-compatibility/2006">
-        <mc:Choice xmlns:a14="http://schemas.microsoft.com/office/drawing/2010/main" Requires="a14">
+      <mc:AlternateContent xmlns:mc="http://schemas.openxmlformats.org/markup-compatibility/2006" xmlns:a14="http://schemas.microsoft.com/office/drawing/2010/main">
+        <mc:Choice Requires="a14">
           <p:sp>
             <p:nvSpPr>
               <p:cNvPr id="33" name="TextBox 32"/>
@@ -12120,7 +12152,7 @@
             </p:txBody>
           </p:sp>
         </mc:Choice>
-        <mc:Fallback>
+        <mc:Fallback xmlns="">
           <p:sp>
             <p:nvSpPr>
               <p:cNvPr id="33" name="TextBox 32"/>
@@ -12183,18 +12215,14 @@
           <a:p>
             <a:r>
               <a:rPr lang="en-US" u="sng" dirty="0" smtClean="0"/>
-              <a:t>Level 1 (Participant Level</a:t>
-            </a:r>
-            <a:r>
-              <a:rPr lang="en-US" u="sng" dirty="0" smtClean="0"/>
-              <a:t>):</a:t>
+              <a:t>Level 1 (Participant Level):</a:t>
             </a:r>
             <a:endParaRPr lang="en-US" u="sng" dirty="0"/>
           </a:p>
         </p:txBody>
       </p:sp>
-      <mc:AlternateContent xmlns:mc="http://schemas.openxmlformats.org/markup-compatibility/2006">
-        <mc:Choice xmlns:a14="http://schemas.microsoft.com/office/drawing/2010/main" Requires="a14">
+      <mc:AlternateContent xmlns:mc="http://schemas.openxmlformats.org/markup-compatibility/2006" xmlns:a14="http://schemas.microsoft.com/office/drawing/2010/main">
+        <mc:Choice Requires="a14">
           <p:sp>
             <p:nvSpPr>
               <p:cNvPr id="35" name="TextBox 34"/>
@@ -12341,7 +12369,7 @@
             </p:txBody>
           </p:sp>
         </mc:Choice>
-        <mc:Fallback>
+        <mc:Fallback xmlns="">
           <p:sp>
             <p:nvSpPr>
               <p:cNvPr id="35" name="TextBox 34"/>
@@ -12404,26 +12432,14 @@
           <a:p>
             <a:r>
               <a:rPr lang="en-US" u="sng" dirty="0" smtClean="0"/>
-              <a:t>Level </a:t>
-            </a:r>
-            <a:r>
-              <a:rPr lang="en-US" u="sng" dirty="0" smtClean="0"/>
-              <a:t>2 (</a:t>
-            </a:r>
-            <a:r>
-              <a:rPr lang="en-US" u="sng" dirty="0" smtClean="0"/>
-              <a:t>Group Level</a:t>
-            </a:r>
-            <a:r>
-              <a:rPr lang="en-US" u="sng" dirty="0" smtClean="0"/>
-              <a:t>):</a:t>
+              <a:t>Level 2 (Group Level):</a:t>
             </a:r>
             <a:endParaRPr lang="en-US" u="sng" dirty="0"/>
           </a:p>
         </p:txBody>
       </p:sp>
-      <mc:AlternateContent xmlns:mc="http://schemas.openxmlformats.org/markup-compatibility/2006">
-        <mc:Choice xmlns:a14="http://schemas.microsoft.com/office/drawing/2010/main" Requires="a14">
+      <mc:AlternateContent xmlns:mc="http://schemas.openxmlformats.org/markup-compatibility/2006" xmlns:a14="http://schemas.microsoft.com/office/drawing/2010/main">
+        <mc:Choice Requires="a14">
           <p:sp>
             <p:nvSpPr>
               <p:cNvPr id="37" name="TextBox 36"/>
@@ -12593,7 +12609,7 @@
             </p:txBody>
           </p:sp>
         </mc:Choice>
-        <mc:Fallback>
+        <mc:Fallback xmlns="">
           <p:sp>
             <p:nvSpPr>
               <p:cNvPr id="37" name="TextBox 36"/>
@@ -12918,8 +12934,8 @@
           </a:fontRef>
         </p:style>
       </p:cxnSp>
-      <mc:AlternateContent xmlns:mc="http://schemas.openxmlformats.org/markup-compatibility/2006">
-        <mc:Choice xmlns:a14="http://schemas.microsoft.com/office/drawing/2010/main" Requires="a14">
+      <mc:AlternateContent xmlns:mc="http://schemas.openxmlformats.org/markup-compatibility/2006" xmlns:a14="http://schemas.microsoft.com/office/drawing/2010/main">
+        <mc:Choice Requires="a14">
           <p:sp>
             <p:nvSpPr>
               <p:cNvPr id="16" name="TextBox 15"/>
@@ -13130,7 +13146,7 @@
             </p:txBody>
           </p:sp>
         </mc:Choice>
-        <mc:Fallback>
+        <mc:Fallback xmlns="">
           <p:sp>
             <p:nvSpPr>
               <p:cNvPr id="16" name="TextBox 15"/>
@@ -13169,8 +13185,8 @@
           </p:sp>
         </mc:Fallback>
       </mc:AlternateContent>
-      <mc:AlternateContent xmlns:mc="http://schemas.openxmlformats.org/markup-compatibility/2006">
-        <mc:Choice xmlns:a14="http://schemas.microsoft.com/office/drawing/2010/main" Requires="a14">
+      <mc:AlternateContent xmlns:mc="http://schemas.openxmlformats.org/markup-compatibility/2006" xmlns:a14="http://schemas.microsoft.com/office/drawing/2010/main">
+        <mc:Choice Requires="a14">
           <p:sp>
             <p:nvSpPr>
               <p:cNvPr id="18" name="TextBox 17"/>
@@ -13317,7 +13333,7 @@
             </p:txBody>
           </p:sp>
         </mc:Choice>
-        <mc:Fallback>
+        <mc:Fallback xmlns="">
           <p:sp>
             <p:nvSpPr>
               <p:cNvPr id="18" name="TextBox 17"/>
@@ -13356,8 +13372,8 @@
           </p:sp>
         </mc:Fallback>
       </mc:AlternateContent>
-      <mc:AlternateContent xmlns:mc="http://schemas.openxmlformats.org/markup-compatibility/2006">
-        <mc:Choice xmlns:a14="http://schemas.microsoft.com/office/drawing/2010/main" Requires="a14">
+      <mc:AlternateContent xmlns:mc="http://schemas.openxmlformats.org/markup-compatibility/2006" xmlns:a14="http://schemas.microsoft.com/office/drawing/2010/main">
+        <mc:Choice Requires="a14">
           <p:sp>
             <p:nvSpPr>
               <p:cNvPr id="20" name="TextBox 19"/>
@@ -13504,7 +13520,7 @@
             </p:txBody>
           </p:sp>
         </mc:Choice>
-        <mc:Fallback>
+        <mc:Fallback xmlns="">
           <p:sp>
             <p:nvSpPr>
               <p:cNvPr id="20" name="TextBox 19"/>
@@ -13567,11 +13583,7 @@
           <a:p>
             <a:r>
               <a:rPr lang="en-US" u="sng" dirty="0" smtClean="0"/>
-              <a:t>Level 1 (Participant Level</a:t>
-            </a:r>
-            <a:r>
-              <a:rPr lang="en-US" u="sng" dirty="0" smtClean="0"/>
-              <a:t>):</a:t>
+              <a:t>Level 1 (Participant Level):</a:t>
             </a:r>
             <a:endParaRPr lang="en-US" u="sng" dirty="0"/>
           </a:p>
@@ -13601,26 +13613,14 @@
           <a:p>
             <a:r>
               <a:rPr lang="en-US" u="sng" dirty="0" smtClean="0"/>
-              <a:t>Level </a:t>
-            </a:r>
-            <a:r>
-              <a:rPr lang="en-US" u="sng" dirty="0" smtClean="0"/>
-              <a:t>2 (</a:t>
-            </a:r>
-            <a:r>
-              <a:rPr lang="en-US" u="sng" dirty="0" smtClean="0"/>
-              <a:t>Group Level</a:t>
-            </a:r>
-            <a:r>
-              <a:rPr lang="en-US" u="sng" dirty="0" smtClean="0"/>
-              <a:t>):</a:t>
+              <a:t>Level 2 (Group Level):</a:t>
             </a:r>
             <a:endParaRPr lang="en-US" u="sng" dirty="0"/>
           </a:p>
         </p:txBody>
       </p:sp>
-      <mc:AlternateContent xmlns:mc="http://schemas.openxmlformats.org/markup-compatibility/2006">
-        <mc:Choice xmlns:a14="http://schemas.microsoft.com/office/drawing/2010/main" Requires="a14">
+      <mc:AlternateContent xmlns:mc="http://schemas.openxmlformats.org/markup-compatibility/2006" xmlns:a14="http://schemas.microsoft.com/office/drawing/2010/main">
+        <mc:Choice Requires="a14">
           <p:sp>
             <p:nvSpPr>
               <p:cNvPr id="25" name="TextBox 24"/>
@@ -13790,7 +13790,7 @@
             </p:txBody>
           </p:sp>
         </mc:Choice>
-        <mc:Fallback>
+        <mc:Fallback xmlns="">
           <p:sp>
             <p:nvSpPr>
               <p:cNvPr id="25" name="TextBox 24"/>

--- a/lohse ACRM 2017 workshop.pptx
+++ b/lohse ACRM 2017 workshop.pptx
@@ -5,7 +5,7 @@
     <p:sldMasterId id="2147483648" r:id="rId1"/>
   </p:sldMasterIdLst>
   <p:notesMasterIdLst>
-    <p:notesMasterId r:id="rId31"/>
+    <p:notesMasterId r:id="rId45"/>
   </p:notesMasterIdLst>
   <p:sldIdLst>
     <p:sldId id="256" r:id="rId2"/>
@@ -19,24 +19,38 @@
     <p:sldId id="302" r:id="rId10"/>
     <p:sldId id="319" r:id="rId11"/>
     <p:sldId id="320" r:id="rId12"/>
-    <p:sldId id="305" r:id="rId13"/>
-    <p:sldId id="306" r:id="rId14"/>
-    <p:sldId id="307" r:id="rId15"/>
-    <p:sldId id="308" r:id="rId16"/>
-    <p:sldId id="311" r:id="rId17"/>
-    <p:sldId id="309" r:id="rId18"/>
-    <p:sldId id="310" r:id="rId19"/>
-    <p:sldId id="322" r:id="rId20"/>
-    <p:sldId id="321" r:id="rId21"/>
-    <p:sldId id="323" r:id="rId22"/>
-    <p:sldId id="312" r:id="rId23"/>
-    <p:sldId id="313" r:id="rId24"/>
-    <p:sldId id="314" r:id="rId25"/>
-    <p:sldId id="315" r:id="rId26"/>
-    <p:sldId id="316" r:id="rId27"/>
-    <p:sldId id="317" r:id="rId28"/>
-    <p:sldId id="318" r:id="rId29"/>
-    <p:sldId id="296" r:id="rId30"/>
+    <p:sldId id="324" r:id="rId13"/>
+    <p:sldId id="305" r:id="rId14"/>
+    <p:sldId id="306" r:id="rId15"/>
+    <p:sldId id="307" r:id="rId16"/>
+    <p:sldId id="308" r:id="rId17"/>
+    <p:sldId id="311" r:id="rId18"/>
+    <p:sldId id="309" r:id="rId19"/>
+    <p:sldId id="310" r:id="rId20"/>
+    <p:sldId id="322" r:id="rId21"/>
+    <p:sldId id="321" r:id="rId22"/>
+    <p:sldId id="323" r:id="rId23"/>
+    <p:sldId id="312" r:id="rId24"/>
+    <p:sldId id="313" r:id="rId25"/>
+    <p:sldId id="314" r:id="rId26"/>
+    <p:sldId id="315" r:id="rId27"/>
+    <p:sldId id="316" r:id="rId28"/>
+    <p:sldId id="325" r:id="rId29"/>
+    <p:sldId id="317" r:id="rId30"/>
+    <p:sldId id="326" r:id="rId31"/>
+    <p:sldId id="327" r:id="rId32"/>
+    <p:sldId id="328" r:id="rId33"/>
+    <p:sldId id="329" r:id="rId34"/>
+    <p:sldId id="330" r:id="rId35"/>
+    <p:sldId id="331" r:id="rId36"/>
+    <p:sldId id="332" r:id="rId37"/>
+    <p:sldId id="333" r:id="rId38"/>
+    <p:sldId id="334" r:id="rId39"/>
+    <p:sldId id="335" r:id="rId40"/>
+    <p:sldId id="336" r:id="rId41"/>
+    <p:sldId id="337" r:id="rId42"/>
+    <p:sldId id="338" r:id="rId43"/>
+    <p:sldId id="296" r:id="rId44"/>
   </p:sldIdLst>
   <p:sldSz cx="12192000" cy="6858000"/>
   <p:notesSz cx="6858000" cy="9144000"/>
@@ -225,7 +239,7 @@
           <a:p>
             <a:fld id="{884C76E6-7EF3-400B-BE3B-453705C25BC3}" type="datetimeFigureOut">
               <a:rPr lang="en-US" smtClean="0"/>
-              <a:t>10/23/2017</a:t>
+              <a:t>10/24/2017</a:t>
             </a:fld>
             <a:endParaRPr lang="en-US"/>
           </a:p>
@@ -624,7 +638,7 @@
           <a:p>
             <a:fld id="{4A466088-243E-44D6-A408-1775B5BA8DD6}" type="datetime1">
               <a:rPr lang="en-US" smtClean="0"/>
-              <a:t>10/23/2017</a:t>
+              <a:t>10/24/2017</a:t>
             </a:fld>
             <a:endParaRPr lang="en-US"/>
           </a:p>
@@ -794,7 +808,7 @@
           <a:p>
             <a:fld id="{DA0AA6BE-50D6-4BA0-AD77-277B2FCBD3AE}" type="datetime1">
               <a:rPr lang="en-US" smtClean="0"/>
-              <a:t>10/23/2017</a:t>
+              <a:t>10/24/2017</a:t>
             </a:fld>
             <a:endParaRPr lang="en-US"/>
           </a:p>
@@ -974,7 +988,7 @@
           <a:p>
             <a:fld id="{2F53AEE6-7037-44AB-84C6-92157B5622B7}" type="datetime1">
               <a:rPr lang="en-US" smtClean="0"/>
-              <a:t>10/23/2017</a:t>
+              <a:t>10/24/2017</a:t>
             </a:fld>
             <a:endParaRPr lang="en-US"/>
           </a:p>
@@ -1144,7 +1158,7 @@
           <a:p>
             <a:fld id="{C12F8C26-0747-4C32-B8F2-78CDB4AF9A68}" type="datetime1">
               <a:rPr lang="en-US" smtClean="0"/>
-              <a:t>10/23/2017</a:t>
+              <a:t>10/24/2017</a:t>
             </a:fld>
             <a:endParaRPr lang="en-US"/>
           </a:p>
@@ -1397,7 +1411,7 @@
           <a:p>
             <a:fld id="{4BC38E00-18B7-4F88-8122-C6E5CE5D966F}" type="datetime1">
               <a:rPr lang="en-US" smtClean="0"/>
-              <a:t>10/23/2017</a:t>
+              <a:t>10/24/2017</a:t>
             </a:fld>
             <a:endParaRPr lang="en-US"/>
           </a:p>
@@ -1629,7 +1643,7 @@
           <a:p>
             <a:fld id="{A5E101D0-F977-4BAD-9E53-681A58BE0FC6}" type="datetime1">
               <a:rPr lang="en-US" smtClean="0"/>
-              <a:t>10/23/2017</a:t>
+              <a:t>10/24/2017</a:t>
             </a:fld>
             <a:endParaRPr lang="en-US"/>
           </a:p>
@@ -1996,7 +2010,7 @@
           <a:p>
             <a:fld id="{25FC29B6-2F2F-44FC-A417-BAE191C1072F}" type="datetime1">
               <a:rPr lang="en-US" smtClean="0"/>
-              <a:t>10/23/2017</a:t>
+              <a:t>10/24/2017</a:t>
             </a:fld>
             <a:endParaRPr lang="en-US"/>
           </a:p>
@@ -2114,7 +2128,7 @@
           <a:p>
             <a:fld id="{A2EEFC4B-AA0C-4282-9B71-4BFFED71C00D}" type="datetime1">
               <a:rPr lang="en-US" smtClean="0"/>
-              <a:t>10/23/2017</a:t>
+              <a:t>10/24/2017</a:t>
             </a:fld>
             <a:endParaRPr lang="en-US"/>
           </a:p>
@@ -2209,7 +2223,7 @@
           <a:p>
             <a:fld id="{F55316B0-5752-4BA0-8DB9-51B1D3027AE5}" type="datetime1">
               <a:rPr lang="en-US" smtClean="0"/>
-              <a:t>10/23/2017</a:t>
+              <a:t>10/24/2017</a:t>
             </a:fld>
             <a:endParaRPr lang="en-US"/>
           </a:p>
@@ -2486,7 +2500,7 @@
           <a:p>
             <a:fld id="{ACE72FBB-8519-4FAA-BD37-EA5EB0253600}" type="datetime1">
               <a:rPr lang="en-US" smtClean="0"/>
-              <a:t>10/23/2017</a:t>
+              <a:t>10/24/2017</a:t>
             </a:fld>
             <a:endParaRPr lang="en-US"/>
           </a:p>
@@ -2739,7 +2753,7 @@
           <a:p>
             <a:fld id="{48FB54DE-4695-452B-AA3A-606BA6BD93FB}" type="datetime1">
               <a:rPr lang="en-US" smtClean="0"/>
-              <a:t>10/23/2017</a:t>
+              <a:t>10/24/2017</a:t>
             </a:fld>
             <a:endParaRPr lang="en-US"/>
           </a:p>
@@ -2952,7 +2966,7 @@
           <a:p>
             <a:fld id="{77D4EBB2-E6B3-4741-8C58-9501D65C1B0D}" type="datetime1">
               <a:rPr lang="en-US" smtClean="0"/>
-              <a:t>10/23/2017</a:t>
+              <a:t>10/24/2017</a:t>
             </a:fld>
             <a:endParaRPr lang="en-US"/>
           </a:p>
@@ -3446,18 +3460,7 @@
                   </a:schemeClr>
                 </a:solidFill>
               </a:rPr>
-              <a:t>Department of Physical Therapy and Athletic </a:t>
-            </a:r>
-            <a:r>
-              <a:rPr lang="en-US" sz="2000" dirty="0" smtClean="0">
-                <a:solidFill>
-                  <a:schemeClr val="tx1">
-                    <a:lumMod val="50000"/>
-                    <a:lumOff val="50000"/>
-                  </a:schemeClr>
-                </a:solidFill>
-              </a:rPr>
-              <a:t>Training</a:t>
+              <a:t>Department of Physical Therapy and Athletic Training</a:t>
             </a:r>
           </a:p>
           <a:p>
@@ -3472,14 +3475,6 @@
               </a:rPr>
               <a:t>University of Utah</a:t>
             </a:r>
-            <a:endParaRPr lang="en-US" sz="2000" dirty="0" smtClean="0">
-              <a:solidFill>
-                <a:schemeClr val="tx1">
-                  <a:lumMod val="50000"/>
-                  <a:lumOff val="50000"/>
-                </a:schemeClr>
-              </a:solidFill>
-            </a:endParaRPr>
           </a:p>
         </p:txBody>
       </p:sp>
@@ -3982,22 +3977,117 @@
         </p:nvSpPr>
         <p:spPr/>
         <p:txBody>
+          <a:bodyPr/>
+          <a:lstStyle/>
+          <a:p>
+            <a:r>
+              <a:rPr lang="en-US" dirty="0" smtClean="0"/>
+              <a:t>Roadmap.</a:t>
+            </a:r>
+            <a:endParaRPr lang="en-US" dirty="0"/>
+          </a:p>
+        </p:txBody>
+      </p:sp>
+      <p:sp>
+        <p:nvSpPr>
+          <p:cNvPr id="3" name="Content Placeholder 2"/>
+          <p:cNvSpPr>
+            <a:spLocks noGrp="1"/>
+          </p:cNvSpPr>
+          <p:nvPr>
+            <p:ph idx="1"/>
+          </p:nvPr>
+        </p:nvSpPr>
+        <p:spPr/>
+        <p:txBody>
           <a:bodyPr>
-            <a:normAutofit/>
+            <a:normAutofit fontScale="92500" lnSpcReduction="20000"/>
           </a:bodyPr>
           <a:lstStyle/>
           <a:p>
             <a:r>
-              <a:rPr lang="en-US" sz="6600" dirty="0" smtClean="0"/>
+              <a:rPr lang="en-US" strike="sngStrike" dirty="0" smtClean="0"/>
+              <a:t>Opening R and Troubleshooting.</a:t>
+            </a:r>
+          </a:p>
+          <a:p>
+            <a:r>
+              <a:rPr lang="en-US" strike="sngStrike" dirty="0" smtClean="0"/>
+              <a:t>Data Visualization.</a:t>
+            </a:r>
+          </a:p>
+          <a:p>
+            <a:pPr lvl="1"/>
+            <a:r>
+              <a:rPr lang="en-US" b="1" i="1" strike="sngStrike" dirty="0" smtClean="0"/>
+              <a:t>Break and questions.</a:t>
+            </a:r>
+          </a:p>
+          <a:p>
+            <a:r>
+              <a:rPr lang="en-US" dirty="0" smtClean="0"/>
               <a:t>Model Building</a:t>
             </a:r>
-            <a:endParaRPr lang="en-US" sz="6600" dirty="0"/>
-          </a:p>
-        </p:txBody>
-      </p:sp>
-      <p:sp>
-        <p:nvSpPr>
-          <p:cNvPr id="3" name="Slide Number Placeholder 2"/>
+          </a:p>
+          <a:p>
+            <a:pPr lvl="1"/>
+            <a:r>
+              <a:rPr lang="en-US" dirty="0" smtClean="0"/>
+              <a:t>Fixed-Effects, Random-Effects, and Random-Error.</a:t>
+            </a:r>
+          </a:p>
+          <a:p>
+            <a:r>
+              <a:rPr lang="en-US" dirty="0" smtClean="0"/>
+              <a:t>Model Comparison.</a:t>
+            </a:r>
+          </a:p>
+          <a:p>
+            <a:pPr lvl="1"/>
+            <a:r>
+              <a:rPr lang="en-US" dirty="0" smtClean="0"/>
+              <a:t>Fit statistics: AIC, BIC, and the log-likelihood test.</a:t>
+            </a:r>
+          </a:p>
+          <a:p>
+            <a:pPr lvl="1"/>
+            <a:r>
+              <a:rPr lang="en-US" b="1" i="1" dirty="0" smtClean="0"/>
+              <a:t>Break and questions.</a:t>
+            </a:r>
+          </a:p>
+          <a:p>
+            <a:r>
+              <a:rPr lang="en-US" dirty="0" smtClean="0"/>
+              <a:t>Tips, tricks, and asking the right questions. </a:t>
+            </a:r>
+          </a:p>
+          <a:p>
+            <a:pPr lvl="1"/>
+            <a:r>
+              <a:rPr lang="en-US" dirty="0" smtClean="0"/>
+              <a:t>Phrasing your hypotheses, understanding common terms.</a:t>
+            </a:r>
+          </a:p>
+          <a:p>
+            <a:pPr lvl="1"/>
+            <a:r>
+              <a:rPr lang="en-US" dirty="0" smtClean="0"/>
+              <a:t>Preparing to meet with a statistical consultant.</a:t>
+            </a:r>
+          </a:p>
+          <a:p>
+            <a:r>
+              <a:rPr lang="en-US" dirty="0" smtClean="0"/>
+              <a:t>Conclusions and questions. </a:t>
+            </a:r>
+            <a:endParaRPr lang="en-US" dirty="0"/>
+          </a:p>
+        </p:txBody>
+      </p:sp>
+      <p:sp>
+        <p:nvSpPr>
+          <p:cNvPr id="4" name="Slide Number Placeholder 3"/>
           <p:cNvSpPr>
             <a:spLocks noGrp="1"/>
           </p:cNvSpPr>
@@ -4021,7 +4111,7 @@
     </p:spTree>
     <p:extLst>
       <p:ext uri="{BB962C8B-B14F-4D97-AF65-F5344CB8AC3E}">
-        <p14:creationId xmlns:p14="http://schemas.microsoft.com/office/powerpoint/2010/main" val="230579150"/>
+        <p14:creationId xmlns:p14="http://schemas.microsoft.com/office/powerpoint/2010/main" val="2904278687"/>
       </p:ext>
     </p:extLst>
   </p:cSld>
@@ -4067,14 +4157,16 @@
         </p:nvSpPr>
         <p:spPr/>
         <p:txBody>
-          <a:bodyPr/>
-          <a:lstStyle/>
-          <a:p>
-            <a:r>
-              <a:rPr lang="en-US" dirty="0" smtClean="0"/>
-              <a:t>Understanding linear mixed-effect regression (LMER)</a:t>
-            </a:r>
-            <a:endParaRPr lang="en-US" dirty="0"/>
+          <a:bodyPr>
+            <a:normAutofit/>
+          </a:bodyPr>
+          <a:lstStyle/>
+          <a:p>
+            <a:r>
+              <a:rPr lang="en-US" sz="6600" dirty="0" smtClean="0"/>
+              <a:t>Model Building</a:t>
+            </a:r>
+            <a:endParaRPr lang="en-US" sz="6600" dirty="0"/>
           </a:p>
         </p:txBody>
       </p:sp>
@@ -4096,6 +4188,89 @@
             <a:fld id="{62D33721-DFD7-43E1-85F9-9FD0AD2C3B28}" type="slidenum">
               <a:rPr lang="en-US" smtClean="0"/>
               <a:t>13</a:t>
+            </a:fld>
+            <a:endParaRPr lang="en-US"/>
+          </a:p>
+        </p:txBody>
+      </p:sp>
+    </p:spTree>
+    <p:extLst>
+      <p:ext uri="{BB962C8B-B14F-4D97-AF65-F5344CB8AC3E}">
+        <p14:creationId xmlns:p14="http://schemas.microsoft.com/office/powerpoint/2010/main" val="230579150"/>
+      </p:ext>
+    </p:extLst>
+  </p:cSld>
+  <p:clrMapOvr>
+    <a:masterClrMapping/>
+  </p:clrMapOvr>
+  <p:timing>
+    <p:tnLst>
+      <p:par>
+        <p:cTn id="1" dur="indefinite" restart="never" nodeType="tmRoot"/>
+      </p:par>
+    </p:tnLst>
+  </p:timing>
+</p:sld>
+</file>
+
+<file path=ppt/slides/slide14.xml><?xml version="1.0" encoding="utf-8"?>
+<p:sld xmlns:a="http://schemas.openxmlformats.org/drawingml/2006/main" xmlns:r="http://schemas.openxmlformats.org/officeDocument/2006/relationships" xmlns:p="http://schemas.openxmlformats.org/presentationml/2006/main">
+  <p:cSld>
+    <p:spTree>
+      <p:nvGrpSpPr>
+        <p:cNvPr id="1" name=""/>
+        <p:cNvGrpSpPr/>
+        <p:nvPr/>
+      </p:nvGrpSpPr>
+      <p:grpSpPr>
+        <a:xfrm>
+          <a:off x="0" y="0"/>
+          <a:ext cx="0" cy="0"/>
+          <a:chOff x="0" y="0"/>
+          <a:chExt cx="0" cy="0"/>
+        </a:xfrm>
+      </p:grpSpPr>
+      <p:sp>
+        <p:nvSpPr>
+          <p:cNvPr id="2" name="Title 1"/>
+          <p:cNvSpPr>
+            <a:spLocks noGrp="1"/>
+          </p:cNvSpPr>
+          <p:nvPr>
+            <p:ph type="title"/>
+          </p:nvPr>
+        </p:nvSpPr>
+        <p:spPr/>
+        <p:txBody>
+          <a:bodyPr/>
+          <a:lstStyle/>
+          <a:p>
+            <a:r>
+              <a:rPr lang="en-US" dirty="0" smtClean="0"/>
+              <a:t>Understanding linear mixed-effect regression (LMER)</a:t>
+            </a:r>
+            <a:endParaRPr lang="en-US" dirty="0"/>
+          </a:p>
+        </p:txBody>
+      </p:sp>
+      <p:sp>
+        <p:nvSpPr>
+          <p:cNvPr id="3" name="Slide Number Placeholder 2"/>
+          <p:cNvSpPr>
+            <a:spLocks noGrp="1"/>
+          </p:cNvSpPr>
+          <p:nvPr>
+            <p:ph type="sldNum" sz="quarter" idx="12"/>
+          </p:nvPr>
+        </p:nvSpPr>
+        <p:spPr/>
+        <p:txBody>
+          <a:bodyPr/>
+          <a:lstStyle/>
+          <a:p>
+            <a:fld id="{62D33721-DFD7-43E1-85F9-9FD0AD2C3B28}" type="slidenum">
+              <a:rPr lang="en-US" smtClean="0"/>
+              <a:t>14</a:t>
             </a:fld>
             <a:endParaRPr lang="en-US"/>
           </a:p>
@@ -4377,7 +4552,7 @@
 </p:sld>
 </file>
 
-<file path=ppt/slides/slide14.xml><?xml version="1.0" encoding="utf-8"?>
+<file path=ppt/slides/slide15.xml><?xml version="1.0" encoding="utf-8"?>
 <p:sld xmlns:a="http://schemas.openxmlformats.org/drawingml/2006/main" xmlns:r="http://schemas.openxmlformats.org/officeDocument/2006/relationships" xmlns:p="http://schemas.openxmlformats.org/presentationml/2006/main">
   <p:cSld>
     <p:spTree>
@@ -4811,7 +4986,7 @@
           <a:p>
             <a:fld id="{62D33721-DFD7-43E1-85F9-9FD0AD2C3B28}" type="slidenum">
               <a:rPr lang="en-US" smtClean="0"/>
-              <a:t>14</a:t>
+              <a:t>15</a:t>
             </a:fld>
             <a:endParaRPr lang="en-US"/>
           </a:p>
@@ -4837,7 +5012,7 @@
 </p:sld>
 </file>
 
-<file path=ppt/slides/slide15.xml><?xml version="1.0" encoding="utf-8"?>
+<file path=ppt/slides/slide16.xml><?xml version="1.0" encoding="utf-8"?>
 <p:sld xmlns:a="http://schemas.openxmlformats.org/drawingml/2006/main" xmlns:r="http://schemas.openxmlformats.org/officeDocument/2006/relationships" xmlns:p="http://schemas.openxmlformats.org/presentationml/2006/main">
   <p:cSld>
     <p:spTree>
@@ -5338,7 +5513,7 @@
           <a:p>
             <a:fld id="{62D33721-DFD7-43E1-85F9-9FD0AD2C3B28}" type="slidenum">
               <a:rPr lang="en-US" smtClean="0"/>
-              <a:t>15</a:t>
+              <a:t>16</a:t>
             </a:fld>
             <a:endParaRPr lang="en-US"/>
           </a:p>
@@ -5364,7 +5539,7 @@
 </p:sld>
 </file>
 
-<file path=ppt/slides/slide16.xml><?xml version="1.0" encoding="utf-8"?>
+<file path=ppt/slides/slide17.xml><?xml version="1.0" encoding="utf-8"?>
 <p:sld xmlns:a="http://schemas.openxmlformats.org/drawingml/2006/main" xmlns:r="http://schemas.openxmlformats.org/officeDocument/2006/relationships" xmlns:p="http://schemas.openxmlformats.org/presentationml/2006/main">
   <p:cSld>
     <p:spTree>
@@ -5421,7 +5596,7 @@
           <a:p>
             <a:fld id="{62D33721-DFD7-43E1-85F9-9FD0AD2C3B28}" type="slidenum">
               <a:rPr lang="en-US" smtClean="0"/>
-              <a:t>16</a:t>
+              <a:t>17</a:t>
             </a:fld>
             <a:endParaRPr lang="en-US"/>
           </a:p>
@@ -6156,7 +6331,7 @@
 </p:sld>
 </file>
 
-<file path=ppt/slides/slide17.xml><?xml version="1.0" encoding="utf-8"?>
+<file path=ppt/slides/slide18.xml><?xml version="1.0" encoding="utf-8"?>
 <p:sld xmlns:a="http://schemas.openxmlformats.org/drawingml/2006/main" xmlns:r="http://schemas.openxmlformats.org/officeDocument/2006/relationships" xmlns:p="http://schemas.openxmlformats.org/presentationml/2006/main">
   <p:cSld>
     <p:spTree>
@@ -6213,7 +6388,7 @@
           <a:p>
             <a:fld id="{62D33721-DFD7-43E1-85F9-9FD0AD2C3B28}" type="slidenum">
               <a:rPr lang="en-US" smtClean="0"/>
-              <a:t>17</a:t>
+              <a:t>18</a:t>
             </a:fld>
             <a:endParaRPr lang="en-US"/>
           </a:p>
@@ -7916,7 +8091,7 @@
 </p:sld>
 </file>
 
-<file path=ppt/slides/slide18.xml><?xml version="1.0" encoding="utf-8"?>
+<file path=ppt/slides/slide19.xml><?xml version="1.0" encoding="utf-8"?>
 <p:sld xmlns:a="http://schemas.openxmlformats.org/drawingml/2006/main" xmlns:r="http://schemas.openxmlformats.org/officeDocument/2006/relationships" xmlns:p="http://schemas.openxmlformats.org/presentationml/2006/main">
   <p:cSld>
     <p:spTree>
@@ -7973,7 +8148,7 @@
           <a:p>
             <a:fld id="{62D33721-DFD7-43E1-85F9-9FD0AD2C3B28}" type="slidenum">
               <a:rPr lang="en-US" smtClean="0"/>
-              <a:t>18</a:t>
+              <a:t>19</a:t>
             </a:fld>
             <a:endParaRPr lang="en-US"/>
           </a:p>
@@ -10848,169 +11023,6 @@
 </p:sld>
 </file>
 
-<file path=ppt/slides/slide19.xml><?xml version="1.0" encoding="utf-8"?>
-<p:sld xmlns:a="http://schemas.openxmlformats.org/drawingml/2006/main" xmlns:r="http://schemas.openxmlformats.org/officeDocument/2006/relationships" xmlns:p="http://schemas.openxmlformats.org/presentationml/2006/main">
-  <p:cSld>
-    <p:spTree>
-      <p:nvGrpSpPr>
-        <p:cNvPr id="1" name=""/>
-        <p:cNvGrpSpPr/>
-        <p:nvPr/>
-      </p:nvGrpSpPr>
-      <p:grpSpPr>
-        <a:xfrm>
-          <a:off x="0" y="0"/>
-          <a:ext cx="0" cy="0"/>
-          <a:chOff x="0" y="0"/>
-          <a:chExt cx="0" cy="0"/>
-        </a:xfrm>
-      </p:grpSpPr>
-      <p:sp>
-        <p:nvSpPr>
-          <p:cNvPr id="2" name="Title 1"/>
-          <p:cNvSpPr>
-            <a:spLocks noGrp="1"/>
-          </p:cNvSpPr>
-          <p:nvPr>
-            <p:ph type="title"/>
-          </p:nvPr>
-        </p:nvSpPr>
-        <p:spPr/>
-        <p:txBody>
-          <a:bodyPr/>
-          <a:lstStyle/>
-          <a:p>
-            <a:r>
-              <a:rPr lang="en-US" dirty="0" smtClean="0"/>
-              <a:t>Two default models that we will use a lot.</a:t>
-            </a:r>
-            <a:endParaRPr lang="en-US" dirty="0"/>
-          </a:p>
-        </p:txBody>
-      </p:sp>
-      <p:sp>
-        <p:nvSpPr>
-          <p:cNvPr id="3" name="Content Placeholder 2"/>
-          <p:cNvSpPr>
-            <a:spLocks noGrp="1"/>
-          </p:cNvSpPr>
-          <p:nvPr>
-            <p:ph idx="1"/>
-          </p:nvPr>
-        </p:nvSpPr>
-        <p:spPr/>
-        <p:txBody>
-          <a:bodyPr>
-            <a:normAutofit lnSpcReduction="10000"/>
-          </a:bodyPr>
-          <a:lstStyle/>
-          <a:p>
-            <a:r>
-              <a:rPr lang="en-US" dirty="0" smtClean="0"/>
-              <a:t>The </a:t>
-            </a:r>
-            <a:r>
-              <a:rPr lang="en-US" b="1" i="1" u="sng" dirty="0" smtClean="0"/>
-              <a:t>Random Intercepts </a:t>
-            </a:r>
-            <a:r>
-              <a:rPr lang="en-US" dirty="0" smtClean="0"/>
-              <a:t>model.</a:t>
-            </a:r>
-          </a:p>
-          <a:p>
-            <a:pPr lvl="1"/>
-            <a:r>
-              <a:rPr lang="en-US" dirty="0" smtClean="0"/>
-              <a:t>Estimate a constant (flat line) for each participant.</a:t>
-            </a:r>
-          </a:p>
-          <a:p>
-            <a:endParaRPr lang="en-US" dirty="0"/>
-          </a:p>
-          <a:p>
-            <a:r>
-              <a:rPr lang="en-US" dirty="0" smtClean="0"/>
-              <a:t>The </a:t>
-            </a:r>
-            <a:r>
-              <a:rPr lang="en-US" b="1" i="1" u="sng" dirty="0" smtClean="0"/>
-              <a:t>Random Slopes </a:t>
-            </a:r>
-            <a:r>
-              <a:rPr lang="en-US" dirty="0" smtClean="0"/>
-              <a:t>model.</a:t>
-            </a:r>
-          </a:p>
-          <a:p>
-            <a:pPr lvl="1"/>
-            <a:r>
-              <a:rPr lang="en-US" dirty="0" smtClean="0"/>
-              <a:t>Estimate a trajectory (sloped line) for each participant.</a:t>
-            </a:r>
-          </a:p>
-          <a:p>
-            <a:endParaRPr lang="en-US" dirty="0"/>
-          </a:p>
-          <a:p>
-            <a:r>
-              <a:rPr lang="en-US" dirty="0" smtClean="0"/>
-              <a:t>These are the “starter” models that we will use in most of our model building. </a:t>
-            </a:r>
-          </a:p>
-          <a:p>
-            <a:pPr lvl="1"/>
-            <a:r>
-              <a:rPr lang="en-US" dirty="0" smtClean="0"/>
-              <a:t>Essentially the Random Slopes model is the “model to beat” in evaluating our subsequent fixed-effects.</a:t>
-            </a:r>
-            <a:endParaRPr lang="en-US" dirty="0"/>
-          </a:p>
-        </p:txBody>
-      </p:sp>
-      <p:sp>
-        <p:nvSpPr>
-          <p:cNvPr id="4" name="Slide Number Placeholder 3"/>
-          <p:cNvSpPr>
-            <a:spLocks noGrp="1"/>
-          </p:cNvSpPr>
-          <p:nvPr>
-            <p:ph type="sldNum" sz="quarter" idx="12"/>
-          </p:nvPr>
-        </p:nvSpPr>
-        <p:spPr/>
-        <p:txBody>
-          <a:bodyPr/>
-          <a:lstStyle/>
-          <a:p>
-            <a:fld id="{62D33721-DFD7-43E1-85F9-9FD0AD2C3B28}" type="slidenum">
-              <a:rPr lang="en-US" smtClean="0"/>
-              <a:t>19</a:t>
-            </a:fld>
-            <a:endParaRPr lang="en-US"/>
-          </a:p>
-        </p:txBody>
-      </p:sp>
-    </p:spTree>
-    <p:extLst>
-      <p:ext uri="{BB962C8B-B14F-4D97-AF65-F5344CB8AC3E}">
-        <p14:creationId xmlns:p14="http://schemas.microsoft.com/office/powerpoint/2010/main" val="795060182"/>
-      </p:ext>
-    </p:extLst>
-  </p:cSld>
-  <p:clrMapOvr>
-    <a:masterClrMapping/>
-  </p:clrMapOvr>
-  <p:timing>
-    <p:tnLst>
-      <p:par>
-        <p:cTn id="1" dur="indefinite" restart="never" nodeType="tmRoot"/>
-      </p:par>
-    </p:tnLst>
-  </p:timing>
-</p:sld>
-</file>
-
 <file path=ppt/slides/slide2.xml><?xml version="1.0" encoding="utf-8"?>
 <p:sld xmlns:a="http://schemas.openxmlformats.org/drawingml/2006/main" xmlns:r="http://schemas.openxmlformats.org/officeDocument/2006/relationships" xmlns:p="http://schemas.openxmlformats.org/presentationml/2006/main">
   <p:cSld>
@@ -11527,6 +11539,169 @@
           <a:p>
             <a:r>
               <a:rPr lang="en-US" dirty="0" smtClean="0"/>
+              <a:t>Two default models that we will use a lot.</a:t>
+            </a:r>
+            <a:endParaRPr lang="en-US" dirty="0"/>
+          </a:p>
+        </p:txBody>
+      </p:sp>
+      <p:sp>
+        <p:nvSpPr>
+          <p:cNvPr id="3" name="Content Placeholder 2"/>
+          <p:cNvSpPr>
+            <a:spLocks noGrp="1"/>
+          </p:cNvSpPr>
+          <p:nvPr>
+            <p:ph idx="1"/>
+          </p:nvPr>
+        </p:nvSpPr>
+        <p:spPr/>
+        <p:txBody>
+          <a:bodyPr>
+            <a:normAutofit lnSpcReduction="10000"/>
+          </a:bodyPr>
+          <a:lstStyle/>
+          <a:p>
+            <a:r>
+              <a:rPr lang="en-US" dirty="0" smtClean="0"/>
+              <a:t>The </a:t>
+            </a:r>
+            <a:r>
+              <a:rPr lang="en-US" b="1" i="1" u="sng" dirty="0" smtClean="0"/>
+              <a:t>Random Intercepts </a:t>
+            </a:r>
+            <a:r>
+              <a:rPr lang="en-US" dirty="0" smtClean="0"/>
+              <a:t>model.</a:t>
+            </a:r>
+          </a:p>
+          <a:p>
+            <a:pPr lvl="1"/>
+            <a:r>
+              <a:rPr lang="en-US" dirty="0" smtClean="0"/>
+              <a:t>Estimate a constant (flat line) for each participant.</a:t>
+            </a:r>
+          </a:p>
+          <a:p>
+            <a:endParaRPr lang="en-US" dirty="0"/>
+          </a:p>
+          <a:p>
+            <a:r>
+              <a:rPr lang="en-US" dirty="0" smtClean="0"/>
+              <a:t>The </a:t>
+            </a:r>
+            <a:r>
+              <a:rPr lang="en-US" b="1" i="1" u="sng" dirty="0" smtClean="0"/>
+              <a:t>Random Slopes </a:t>
+            </a:r>
+            <a:r>
+              <a:rPr lang="en-US" dirty="0" smtClean="0"/>
+              <a:t>model.</a:t>
+            </a:r>
+          </a:p>
+          <a:p>
+            <a:pPr lvl="1"/>
+            <a:r>
+              <a:rPr lang="en-US" dirty="0" smtClean="0"/>
+              <a:t>Estimate a trajectory (sloped line) for each participant.</a:t>
+            </a:r>
+          </a:p>
+          <a:p>
+            <a:endParaRPr lang="en-US" dirty="0"/>
+          </a:p>
+          <a:p>
+            <a:r>
+              <a:rPr lang="en-US" dirty="0" smtClean="0"/>
+              <a:t>These are the “starter” models that we will use in most of our model building. </a:t>
+            </a:r>
+          </a:p>
+          <a:p>
+            <a:pPr lvl="1"/>
+            <a:r>
+              <a:rPr lang="en-US" dirty="0" smtClean="0"/>
+              <a:t>Essentially the Random Slopes model is the “model to beat” in evaluating our subsequent fixed-effects.</a:t>
+            </a:r>
+            <a:endParaRPr lang="en-US" dirty="0"/>
+          </a:p>
+        </p:txBody>
+      </p:sp>
+      <p:sp>
+        <p:nvSpPr>
+          <p:cNvPr id="4" name="Slide Number Placeholder 3"/>
+          <p:cNvSpPr>
+            <a:spLocks noGrp="1"/>
+          </p:cNvSpPr>
+          <p:nvPr>
+            <p:ph type="sldNum" sz="quarter" idx="12"/>
+          </p:nvPr>
+        </p:nvSpPr>
+        <p:spPr/>
+        <p:txBody>
+          <a:bodyPr/>
+          <a:lstStyle/>
+          <a:p>
+            <a:fld id="{62D33721-DFD7-43E1-85F9-9FD0AD2C3B28}" type="slidenum">
+              <a:rPr lang="en-US" smtClean="0"/>
+              <a:t>20</a:t>
+            </a:fld>
+            <a:endParaRPr lang="en-US"/>
+          </a:p>
+        </p:txBody>
+      </p:sp>
+    </p:spTree>
+    <p:extLst>
+      <p:ext uri="{BB962C8B-B14F-4D97-AF65-F5344CB8AC3E}">
+        <p14:creationId xmlns:p14="http://schemas.microsoft.com/office/powerpoint/2010/main" val="795060182"/>
+      </p:ext>
+    </p:extLst>
+  </p:cSld>
+  <p:clrMapOvr>
+    <a:masterClrMapping/>
+  </p:clrMapOvr>
+  <p:timing>
+    <p:tnLst>
+      <p:par>
+        <p:cTn id="1" dur="indefinite" restart="never" nodeType="tmRoot"/>
+      </p:par>
+    </p:tnLst>
+  </p:timing>
+</p:sld>
+</file>
+
+<file path=ppt/slides/slide21.xml><?xml version="1.0" encoding="utf-8"?>
+<p:sld xmlns:a="http://schemas.openxmlformats.org/drawingml/2006/main" xmlns:r="http://schemas.openxmlformats.org/officeDocument/2006/relationships" xmlns:p="http://schemas.openxmlformats.org/presentationml/2006/main">
+  <p:cSld>
+    <p:spTree>
+      <p:nvGrpSpPr>
+        <p:cNvPr id="1" name=""/>
+        <p:cNvGrpSpPr/>
+        <p:nvPr/>
+      </p:nvGrpSpPr>
+      <p:grpSpPr>
+        <a:xfrm>
+          <a:off x="0" y="0"/>
+          <a:ext cx="0" cy="0"/>
+          <a:chOff x="0" y="0"/>
+          <a:chExt cx="0" cy="0"/>
+        </a:xfrm>
+      </p:grpSpPr>
+      <p:sp>
+        <p:nvSpPr>
+          <p:cNvPr id="2" name="Title 1"/>
+          <p:cNvSpPr>
+            <a:spLocks noGrp="1"/>
+          </p:cNvSpPr>
+          <p:nvPr>
+            <p:ph type="title"/>
+          </p:nvPr>
+        </p:nvSpPr>
+        <p:spPr/>
+        <p:txBody>
+          <a:bodyPr/>
+          <a:lstStyle/>
+          <a:p>
+            <a:r>
+              <a:rPr lang="en-US" dirty="0" smtClean="0"/>
               <a:t>Random Intercepts Models</a:t>
             </a:r>
             <a:endParaRPr lang="en-US" dirty="0"/>
@@ -11550,7 +11725,7 @@
           <a:p>
             <a:fld id="{62D33721-DFD7-43E1-85F9-9FD0AD2C3B28}" type="slidenum">
               <a:rPr lang="en-US" smtClean="0"/>
-              <a:t>20</a:t>
+              <a:t>21</a:t>
             </a:fld>
             <a:endParaRPr lang="en-US"/>
           </a:p>
@@ -12811,7 +12986,7 @@
 </p:sld>
 </file>
 
-<file path=ppt/slides/slide21.xml><?xml version="1.0" encoding="utf-8"?>
+<file path=ppt/slides/slide22.xml><?xml version="1.0" encoding="utf-8"?>
 <p:sld xmlns:a="http://schemas.openxmlformats.org/drawingml/2006/main" xmlns:r="http://schemas.openxmlformats.org/officeDocument/2006/relationships" xmlns:p="http://schemas.openxmlformats.org/presentationml/2006/main">
   <p:cSld>
     <p:spTree>
@@ -12868,7 +13043,7 @@
           <a:p>
             <a:fld id="{62D33721-DFD7-43E1-85F9-9FD0AD2C3B28}" type="slidenum">
               <a:rPr lang="en-US" smtClean="0"/>
-              <a:t>21</a:t>
+              <a:t>22</a:t>
             </a:fld>
             <a:endParaRPr lang="en-US"/>
           </a:p>
@@ -13947,7 +14122,7 @@
 </p:sld>
 </file>
 
-<file path=ppt/slides/slide22.xml><?xml version="1.0" encoding="utf-8"?>
+<file path=ppt/slides/slide23.xml><?xml version="1.0" encoding="utf-8"?>
 <p:sld xmlns:a="http://schemas.openxmlformats.org/drawingml/2006/main" xmlns:r="http://schemas.openxmlformats.org/officeDocument/2006/relationships" xmlns:p="http://schemas.openxmlformats.org/presentationml/2006/main">
   <p:cSld>
     <p:spTree>
@@ -14006,7 +14181,7 @@
           <a:p>
             <a:fld id="{62D33721-DFD7-43E1-85F9-9FD0AD2C3B28}" type="slidenum">
               <a:rPr lang="en-US" smtClean="0"/>
-              <a:t>22</a:t>
+              <a:t>23</a:t>
             </a:fld>
             <a:endParaRPr lang="en-US"/>
           </a:p>
@@ -14032,7 +14207,7 @@
 </p:sld>
 </file>
 
-<file path=ppt/slides/slide23.xml><?xml version="1.0" encoding="utf-8"?>
+<file path=ppt/slides/slide24.xml><?xml version="1.0" encoding="utf-8"?>
 <p:sld xmlns:a="http://schemas.openxmlformats.org/drawingml/2006/main" xmlns:r="http://schemas.openxmlformats.org/officeDocument/2006/relationships" xmlns:p="http://schemas.openxmlformats.org/presentationml/2006/main">
   <p:cSld>
     <p:spTree>
@@ -14089,7 +14264,7 @@
           <a:p>
             <a:fld id="{62D33721-DFD7-43E1-85F9-9FD0AD2C3B28}" type="slidenum">
               <a:rPr lang="en-US" smtClean="0"/>
-              <a:t>23</a:t>
+              <a:t>24</a:t>
             </a:fld>
             <a:endParaRPr lang="en-US"/>
           </a:p>
@@ -15212,7 +15387,7 @@
 </p:sld>
 </file>
 
-<file path=ppt/slides/slide24.xml><?xml version="1.0" encoding="utf-8"?>
+<file path=ppt/slides/slide25.xml><?xml version="1.0" encoding="utf-8"?>
 <p:sld xmlns:a="http://schemas.openxmlformats.org/drawingml/2006/main" xmlns:r="http://schemas.openxmlformats.org/officeDocument/2006/relationships" xmlns:p="http://schemas.openxmlformats.org/presentationml/2006/main">
   <p:cSld>
     <p:spTree>
@@ -15269,7 +15444,7 @@
           <a:p>
             <a:fld id="{62D33721-DFD7-43E1-85F9-9FD0AD2C3B28}" type="slidenum">
               <a:rPr lang="en-US" smtClean="0"/>
-              <a:t>24</a:t>
+              <a:t>25</a:t>
             </a:fld>
             <a:endParaRPr lang="en-US"/>
           </a:p>
@@ -16431,7 +16606,7 @@
 </p:sld>
 </file>
 
-<file path=ppt/slides/slide25.xml><?xml version="1.0" encoding="utf-8"?>
+<file path=ppt/slides/slide26.xml><?xml version="1.0" encoding="utf-8"?>
 <p:sld xmlns:a="http://schemas.openxmlformats.org/drawingml/2006/main" xmlns:r="http://schemas.openxmlformats.org/officeDocument/2006/relationships" xmlns:p="http://schemas.openxmlformats.org/presentationml/2006/main">
   <p:cSld>
     <p:spTree>
@@ -16488,7 +16663,7 @@
           <a:p>
             <a:fld id="{62D33721-DFD7-43E1-85F9-9FD0AD2C3B28}" type="slidenum">
               <a:rPr lang="en-US" smtClean="0"/>
-              <a:t>25</a:t>
+              <a:t>26</a:t>
             </a:fld>
             <a:endParaRPr lang="en-US"/>
           </a:p>
@@ -16734,7 +16909,7 @@
 </p:sld>
 </file>
 
-<file path=ppt/slides/slide26.xml><?xml version="1.0" encoding="utf-8"?>
+<file path=ppt/slides/slide27.xml><?xml version="1.0" encoding="utf-8"?>
 <p:sld xmlns:a="http://schemas.openxmlformats.org/drawingml/2006/main" xmlns:r="http://schemas.openxmlformats.org/officeDocument/2006/relationships" xmlns:p="http://schemas.openxmlformats.org/presentationml/2006/main">
   <p:cSld>
     <p:spTree>
@@ -16791,7 +16966,7 @@
           <a:p>
             <a:fld id="{62D33721-DFD7-43E1-85F9-9FD0AD2C3B28}" type="slidenum">
               <a:rPr lang="en-US" smtClean="0"/>
-              <a:t>26</a:t>
+              <a:t>27</a:t>
             </a:fld>
             <a:endParaRPr lang="en-US"/>
           </a:p>
@@ -17069,7 +17244,7 @@
 </p:sld>
 </file>
 
-<file path=ppt/slides/slide27.xml><?xml version="1.0" encoding="utf-8"?>
+<file path=ppt/slides/slide28.xml><?xml version="1.0" encoding="utf-8"?>
 <p:sld xmlns:a="http://schemas.openxmlformats.org/drawingml/2006/main" xmlns:r="http://schemas.openxmlformats.org/officeDocument/2006/relationships" xmlns:p="http://schemas.openxmlformats.org/presentationml/2006/main">
   <p:cSld>
     <p:spTree>
@@ -17096,6 +17271,186 @@
             <p:ph type="title"/>
           </p:nvPr>
         </p:nvSpPr>
+        <p:spPr/>
+        <p:txBody>
+          <a:bodyPr/>
+          <a:lstStyle/>
+          <a:p>
+            <a:r>
+              <a:rPr lang="en-US" dirty="0" smtClean="0"/>
+              <a:t>Roadmap.</a:t>
+            </a:r>
+            <a:endParaRPr lang="en-US" dirty="0"/>
+          </a:p>
+        </p:txBody>
+      </p:sp>
+      <p:sp>
+        <p:nvSpPr>
+          <p:cNvPr id="3" name="Content Placeholder 2"/>
+          <p:cNvSpPr>
+            <a:spLocks noGrp="1"/>
+          </p:cNvSpPr>
+          <p:nvPr>
+            <p:ph idx="1"/>
+          </p:nvPr>
+        </p:nvSpPr>
+        <p:spPr/>
+        <p:txBody>
+          <a:bodyPr>
+            <a:normAutofit fontScale="92500" lnSpcReduction="20000"/>
+          </a:bodyPr>
+          <a:lstStyle/>
+          <a:p>
+            <a:r>
+              <a:rPr lang="en-US" strike="sngStrike" dirty="0" smtClean="0"/>
+              <a:t>Opening R and Troubleshooting.</a:t>
+            </a:r>
+          </a:p>
+          <a:p>
+            <a:r>
+              <a:rPr lang="en-US" strike="sngStrike" dirty="0" smtClean="0"/>
+              <a:t>Data Visualization.</a:t>
+            </a:r>
+          </a:p>
+          <a:p>
+            <a:pPr lvl="1"/>
+            <a:r>
+              <a:rPr lang="en-US" b="1" i="1" strike="sngStrike" dirty="0" smtClean="0"/>
+              <a:t>Break and questions.</a:t>
+            </a:r>
+          </a:p>
+          <a:p>
+            <a:r>
+              <a:rPr lang="en-US" strike="sngStrike" dirty="0" smtClean="0"/>
+              <a:t>Model Building</a:t>
+            </a:r>
+          </a:p>
+          <a:p>
+            <a:pPr lvl="1"/>
+            <a:r>
+              <a:rPr lang="en-US" strike="sngStrike" dirty="0" smtClean="0"/>
+              <a:t>Fixed-Effects, Random-Effects, and Random-Error.</a:t>
+            </a:r>
+          </a:p>
+          <a:p>
+            <a:r>
+              <a:rPr lang="en-US" strike="sngStrike" dirty="0" smtClean="0"/>
+              <a:t>Model Comparison.</a:t>
+            </a:r>
+          </a:p>
+          <a:p>
+            <a:pPr lvl="1"/>
+            <a:r>
+              <a:rPr lang="en-US" strike="sngStrike" dirty="0" smtClean="0"/>
+              <a:t>Fit statistics: AIC, BIC, and the log-likelihood test.</a:t>
+            </a:r>
+          </a:p>
+          <a:p>
+            <a:pPr lvl="1"/>
+            <a:r>
+              <a:rPr lang="en-US" b="1" i="1" dirty="0" smtClean="0"/>
+              <a:t>Break and questions.</a:t>
+            </a:r>
+          </a:p>
+          <a:p>
+            <a:r>
+              <a:rPr lang="en-US" dirty="0" smtClean="0"/>
+              <a:t>Tips, tricks, and asking the right questions. </a:t>
+            </a:r>
+          </a:p>
+          <a:p>
+            <a:pPr lvl="1"/>
+            <a:r>
+              <a:rPr lang="en-US" dirty="0" smtClean="0"/>
+              <a:t>Phrasing your hypotheses, understanding common terms.</a:t>
+            </a:r>
+          </a:p>
+          <a:p>
+            <a:pPr lvl="1"/>
+            <a:r>
+              <a:rPr lang="en-US" dirty="0" smtClean="0"/>
+              <a:t>Preparing to meet with a statistical consultant.</a:t>
+            </a:r>
+          </a:p>
+          <a:p>
+            <a:r>
+              <a:rPr lang="en-US" dirty="0" smtClean="0"/>
+              <a:t>Conclusions and questions. </a:t>
+            </a:r>
+            <a:endParaRPr lang="en-US" dirty="0"/>
+          </a:p>
+        </p:txBody>
+      </p:sp>
+      <p:sp>
+        <p:nvSpPr>
+          <p:cNvPr id="4" name="Slide Number Placeholder 3"/>
+          <p:cNvSpPr>
+            <a:spLocks noGrp="1"/>
+          </p:cNvSpPr>
+          <p:nvPr>
+            <p:ph type="sldNum" sz="quarter" idx="12"/>
+          </p:nvPr>
+        </p:nvSpPr>
+        <p:spPr/>
+        <p:txBody>
+          <a:bodyPr/>
+          <a:lstStyle/>
+          <a:p>
+            <a:fld id="{62D33721-DFD7-43E1-85F9-9FD0AD2C3B28}" type="slidenum">
+              <a:rPr lang="en-US" smtClean="0"/>
+              <a:t>28</a:t>
+            </a:fld>
+            <a:endParaRPr lang="en-US"/>
+          </a:p>
+        </p:txBody>
+      </p:sp>
+    </p:spTree>
+    <p:extLst>
+      <p:ext uri="{BB962C8B-B14F-4D97-AF65-F5344CB8AC3E}">
+        <p14:creationId xmlns:p14="http://schemas.microsoft.com/office/powerpoint/2010/main" val="3874662105"/>
+      </p:ext>
+    </p:extLst>
+  </p:cSld>
+  <p:clrMapOvr>
+    <a:masterClrMapping/>
+  </p:clrMapOvr>
+  <p:timing>
+    <p:tnLst>
+      <p:par>
+        <p:cTn id="1" dur="indefinite" restart="never" nodeType="tmRoot"/>
+      </p:par>
+    </p:tnLst>
+  </p:timing>
+</p:sld>
+</file>
+
+<file path=ppt/slides/slide29.xml><?xml version="1.0" encoding="utf-8"?>
+<p:sld xmlns:a="http://schemas.openxmlformats.org/drawingml/2006/main" xmlns:r="http://schemas.openxmlformats.org/officeDocument/2006/relationships" xmlns:p="http://schemas.openxmlformats.org/presentationml/2006/main">
+  <p:cSld>
+    <p:spTree>
+      <p:nvGrpSpPr>
+        <p:cNvPr id="1" name=""/>
+        <p:cNvGrpSpPr/>
+        <p:nvPr/>
+      </p:nvGrpSpPr>
+      <p:grpSpPr>
+        <a:xfrm>
+          <a:off x="0" y="0"/>
+          <a:ext cx="0" cy="0"/>
+          <a:chOff x="0" y="0"/>
+          <a:chExt cx="0" cy="0"/>
+        </a:xfrm>
+      </p:grpSpPr>
+      <p:sp>
+        <p:nvSpPr>
+          <p:cNvPr id="2" name="Title 1"/>
+          <p:cNvSpPr>
+            <a:spLocks noGrp="1"/>
+          </p:cNvSpPr>
+          <p:nvPr>
+            <p:ph type="title"/>
+          </p:nvPr>
+        </p:nvSpPr>
         <p:spPr>
           <a:xfrm>
             <a:off x="838200" y="365125"/>
@@ -17140,7 +17495,7 @@
           <a:p>
             <a:fld id="{62D33721-DFD7-43E1-85F9-9FD0AD2C3B28}" type="slidenum">
               <a:rPr lang="en-US" smtClean="0"/>
-              <a:t>27</a:t>
+              <a:t>29</a:t>
             </a:fld>
             <a:endParaRPr lang="en-US"/>
           </a:p>
@@ -17166,7 +17521,7 @@
 </p:sld>
 </file>
 
-<file path=ppt/slides/slide28.xml><?xml version="1.0" encoding="utf-8"?>
+<file path=ppt/slides/slide3.xml><?xml version="1.0" encoding="utf-8"?>
 <p:sld xmlns:a="http://schemas.openxmlformats.org/drawingml/2006/main" xmlns:r="http://schemas.openxmlformats.org/officeDocument/2006/relationships" xmlns:p="http://schemas.openxmlformats.org/presentationml/2006/main">
   <p:cSld>
     <p:spTree>
@@ -17200,7 +17555,7 @@
           <a:p>
             <a:r>
               <a:rPr lang="en-US" dirty="0" smtClean="0"/>
-              <a:t>TBD</a:t>
+              <a:t>Roadmap.</a:t>
             </a:r>
             <a:endParaRPr lang="en-US" dirty="0"/>
           </a:p>
@@ -17218,10 +17573,88 @@
         </p:nvSpPr>
         <p:spPr/>
         <p:txBody>
-          <a:bodyPr/>
-          <a:lstStyle/>
-          <a:p>
-            <a:endParaRPr lang="en-US"/>
+          <a:bodyPr>
+            <a:normAutofit fontScale="92500" lnSpcReduction="20000"/>
+          </a:bodyPr>
+          <a:lstStyle/>
+          <a:p>
+            <a:r>
+              <a:rPr lang="en-US" dirty="0" smtClean="0"/>
+              <a:t>Opening R and Troubleshooting.</a:t>
+            </a:r>
+          </a:p>
+          <a:p>
+            <a:r>
+              <a:rPr lang="en-US" dirty="0" smtClean="0"/>
+              <a:t>Data Visualization.</a:t>
+            </a:r>
+          </a:p>
+          <a:p>
+            <a:pPr lvl="1"/>
+            <a:r>
+              <a:rPr lang="en-US" b="1" i="1" dirty="0" smtClean="0"/>
+              <a:t>Break and questions.</a:t>
+            </a:r>
+          </a:p>
+          <a:p>
+            <a:r>
+              <a:rPr lang="en-US" dirty="0" smtClean="0"/>
+              <a:t>Model Building</a:t>
+            </a:r>
+          </a:p>
+          <a:p>
+            <a:pPr lvl="1"/>
+            <a:r>
+              <a:rPr lang="en-US" dirty="0" smtClean="0"/>
+              <a:t>Fixed-Effects, Random-Effects, and Random-Error.</a:t>
+            </a:r>
+          </a:p>
+          <a:p>
+            <a:r>
+              <a:rPr lang="en-US" dirty="0" smtClean="0"/>
+              <a:t>Model Comparison.</a:t>
+            </a:r>
+          </a:p>
+          <a:p>
+            <a:pPr lvl="1"/>
+            <a:r>
+              <a:rPr lang="en-US" dirty="0" smtClean="0"/>
+              <a:t>Fit statistics: AIC, BIC, and the log-likelihood test.</a:t>
+            </a:r>
+          </a:p>
+          <a:p>
+            <a:pPr lvl="1"/>
+            <a:r>
+              <a:rPr lang="en-US" b="1" i="1" dirty="0" smtClean="0"/>
+              <a:t>Break and questions.</a:t>
+            </a:r>
+          </a:p>
+          <a:p>
+            <a:r>
+              <a:rPr lang="en-US" dirty="0" smtClean="0"/>
+              <a:t>Tips, tricks, and asking the right questions. </a:t>
+            </a:r>
+          </a:p>
+          <a:p>
+            <a:pPr lvl="1"/>
+            <a:r>
+              <a:rPr lang="en-US" dirty="0" smtClean="0"/>
+              <a:t>Phrasing your hypotheses, understanding common terms.</a:t>
+            </a:r>
+          </a:p>
+          <a:p>
+            <a:pPr lvl="1"/>
+            <a:r>
+              <a:rPr lang="en-US" dirty="0" smtClean="0"/>
+              <a:t>Preparing to meet with a statistical consultant.</a:t>
+            </a:r>
+          </a:p>
+          <a:p>
+            <a:r>
+              <a:rPr lang="en-US" dirty="0" smtClean="0"/>
+              <a:t>Conclusions and questions. </a:t>
+            </a:r>
+            <a:endParaRPr lang="en-US" dirty="0"/>
           </a:p>
         </p:txBody>
       </p:sp>
@@ -17242,7 +17675,7 @@
           <a:p>
             <a:fld id="{62D33721-DFD7-43E1-85F9-9FD0AD2C3B28}" type="slidenum">
               <a:rPr lang="en-US" smtClean="0"/>
-              <a:t>28</a:t>
+              <a:t>3</a:t>
             </a:fld>
             <a:endParaRPr lang="en-US"/>
           </a:p>
@@ -17251,7 +17684,7 @@
     </p:spTree>
     <p:extLst>
       <p:ext uri="{BB962C8B-B14F-4D97-AF65-F5344CB8AC3E}">
-        <p14:creationId xmlns:p14="http://schemas.microsoft.com/office/powerpoint/2010/main" val="3154704361"/>
+        <p14:creationId xmlns:p14="http://schemas.microsoft.com/office/powerpoint/2010/main" val="2129626501"/>
       </p:ext>
     </p:extLst>
   </p:cSld>
@@ -17268,7 +17701,6221 @@
 </p:sld>
 </file>
 
-<file path=ppt/slides/slide29.xml><?xml version="1.0" encoding="utf-8"?>
+<file path=ppt/slides/slide30.xml><?xml version="1.0" encoding="utf-8"?>
+<p:sld xmlns:a="http://schemas.openxmlformats.org/drawingml/2006/main" xmlns:r="http://schemas.openxmlformats.org/officeDocument/2006/relationships" xmlns:p="http://schemas.openxmlformats.org/presentationml/2006/main">
+  <p:cSld>
+    <p:spTree>
+      <p:nvGrpSpPr>
+        <p:cNvPr id="1" name=""/>
+        <p:cNvGrpSpPr/>
+        <p:nvPr/>
+      </p:nvGrpSpPr>
+      <p:grpSpPr>
+        <a:xfrm>
+          <a:off x="0" y="0"/>
+          <a:ext cx="0" cy="0"/>
+          <a:chOff x="0" y="0"/>
+          <a:chExt cx="0" cy="0"/>
+        </a:xfrm>
+      </p:grpSpPr>
+      <p:sp>
+        <p:nvSpPr>
+          <p:cNvPr id="2" name="Title 1"/>
+          <p:cNvSpPr>
+            <a:spLocks noGrp="1"/>
+          </p:cNvSpPr>
+          <p:nvPr>
+            <p:ph type="ctrTitle"/>
+          </p:nvPr>
+        </p:nvSpPr>
+        <p:spPr>
+          <a:xfrm>
+            <a:off x="617837" y="673142"/>
+            <a:ext cx="10960443" cy="2387600"/>
+          </a:xfrm>
+        </p:spPr>
+        <p:txBody>
+          <a:bodyPr>
+            <a:normAutofit/>
+          </a:bodyPr>
+          <a:lstStyle/>
+          <a:p>
+            <a:r>
+              <a:rPr lang="en-US" sz="4800" b="1" dirty="0" smtClean="0"/>
+              <a:t>Tips, tricks, and FAQs </a:t>
+            </a:r>
+            <a:r>
+              <a:rPr lang="en-US" sz="4800" dirty="0" smtClean="0"/>
+              <a:t>for getting started in</a:t>
+            </a:r>
+            <a:r>
+              <a:rPr lang="en-US" sz="4800" b="1" dirty="0" smtClean="0"/>
+              <a:t> longitudinal data analysis.</a:t>
+            </a:r>
+            <a:endParaRPr lang="en-US" sz="4800" b="1" dirty="0"/>
+          </a:p>
+        </p:txBody>
+      </p:sp>
+      <p:sp>
+        <p:nvSpPr>
+          <p:cNvPr id="3" name="Subtitle 2"/>
+          <p:cNvSpPr>
+            <a:spLocks noGrp="1"/>
+          </p:cNvSpPr>
+          <p:nvPr>
+            <p:ph type="subTitle" idx="1"/>
+          </p:nvPr>
+        </p:nvSpPr>
+        <p:spPr>
+          <a:xfrm>
+            <a:off x="223028" y="3343149"/>
+            <a:ext cx="6067922" cy="1287744"/>
+          </a:xfrm>
+        </p:spPr>
+        <p:txBody>
+          <a:bodyPr>
+            <a:noAutofit/>
+          </a:bodyPr>
+          <a:lstStyle/>
+          <a:p>
+            <a:r>
+              <a:rPr lang="en-US" sz="1800" dirty="0" smtClean="0"/>
+              <a:t>Keith Lohse, PhD</a:t>
+            </a:r>
+            <a:endParaRPr lang="en-US" sz="1800" baseline="30000" dirty="0" smtClean="0"/>
+          </a:p>
+          <a:p>
+            <a:r>
+              <a:rPr lang="en-US" sz="1800" dirty="0" smtClean="0">
+                <a:solidFill>
+                  <a:schemeClr val="bg1">
+                    <a:lumMod val="50000"/>
+                  </a:schemeClr>
+                </a:solidFill>
+              </a:rPr>
+              <a:t>Department of Health, Kinesiology, &amp; Recreation</a:t>
+            </a:r>
+          </a:p>
+          <a:p>
+            <a:r>
+              <a:rPr lang="en-US" sz="1800" dirty="0" smtClean="0">
+                <a:solidFill>
+                  <a:schemeClr val="bg1">
+                    <a:lumMod val="50000"/>
+                  </a:schemeClr>
+                </a:solidFill>
+              </a:rPr>
+              <a:t>Department of Physical Therapy and Athletic Training</a:t>
+            </a:r>
+          </a:p>
+          <a:p>
+            <a:r>
+              <a:rPr lang="en-US" sz="1800" dirty="0" smtClean="0">
+                <a:solidFill>
+                  <a:schemeClr val="bg1">
+                    <a:lumMod val="50000"/>
+                  </a:schemeClr>
+                </a:solidFill>
+              </a:rPr>
+              <a:t>University of Utah</a:t>
+            </a:r>
+          </a:p>
+          <a:p>
+            <a:r>
+              <a:rPr lang="en-US" sz="1800" dirty="0" smtClean="0">
+                <a:solidFill>
+                  <a:schemeClr val="bg1">
+                    <a:lumMod val="50000"/>
+                  </a:schemeClr>
+                </a:solidFill>
+              </a:rPr>
+              <a:t>rehabinformatics@gmail.com</a:t>
+            </a:r>
+          </a:p>
+        </p:txBody>
+      </p:sp>
+      <p:pic>
+        <p:nvPicPr>
+          <p:cNvPr id="9" name="Picture 2" descr="http://www.tolithuania.com/wp-content/uploads/2014/05/CC.jpg"/>
+          <p:cNvPicPr>
+            <a:picLocks noChangeAspect="1" noChangeArrowheads="1"/>
+          </p:cNvPicPr>
+          <p:nvPr/>
+        </p:nvPicPr>
+        <p:blipFill>
+          <a:blip r:embed="rId2" cstate="print">
+            <a:extLst>
+              <a:ext uri="{28A0092B-C50C-407E-A947-70E740481C1C}">
+                <a14:useLocalDpi xmlns:a14="http://schemas.microsoft.com/office/drawing/2010/main" val="0"/>
+              </a:ext>
+            </a:extLst>
+          </a:blip>
+          <a:srcRect/>
+          <a:stretch>
+            <a:fillRect/>
+          </a:stretch>
+        </p:blipFill>
+        <p:spPr bwMode="auto">
+          <a:xfrm>
+            <a:off x="0" y="0"/>
+            <a:ext cx="914400" cy="390735"/>
+          </a:xfrm>
+          <a:prstGeom prst="rect">
+            <a:avLst/>
+          </a:prstGeom>
+          <a:noFill/>
+          <a:extLst>
+            <a:ext uri="{909E8E84-426E-40DD-AFC4-6F175D3DCCD1}">
+              <a14:hiddenFill xmlns:a14="http://schemas.microsoft.com/office/drawing/2010/main">
+                <a:solidFill>
+                  <a:srgbClr val="FFFFFF"/>
+                </a:solidFill>
+              </a14:hiddenFill>
+            </a:ext>
+          </a:extLst>
+        </p:spPr>
+      </p:pic>
+      <p:sp>
+        <p:nvSpPr>
+          <p:cNvPr id="5" name="Slide Number Placeholder 4"/>
+          <p:cNvSpPr>
+            <a:spLocks noGrp="1"/>
+          </p:cNvSpPr>
+          <p:nvPr>
+            <p:ph type="sldNum" sz="quarter" idx="12"/>
+          </p:nvPr>
+        </p:nvSpPr>
+        <p:spPr/>
+        <p:txBody>
+          <a:bodyPr/>
+          <a:lstStyle/>
+          <a:p>
+            <a:fld id="{62D33721-DFD7-43E1-85F9-9FD0AD2C3B28}" type="slidenum">
+              <a:rPr lang="en-US" smtClean="0"/>
+              <a:t>30</a:t>
+            </a:fld>
+            <a:endParaRPr lang="en-US"/>
+          </a:p>
+        </p:txBody>
+      </p:sp>
+      <p:pic>
+        <p:nvPicPr>
+          <p:cNvPr id="6" name="Picture 2" descr="ACRM"/>
+          <p:cNvPicPr>
+            <a:picLocks noChangeAspect="1" noChangeArrowheads="1"/>
+          </p:cNvPicPr>
+          <p:nvPr/>
+        </p:nvPicPr>
+        <p:blipFill>
+          <a:blip r:embed="rId3">
+            <a:extLst>
+              <a:ext uri="{28A0092B-C50C-407E-A947-70E740481C1C}">
+                <a14:useLocalDpi xmlns:a14="http://schemas.microsoft.com/office/drawing/2010/main" val="0"/>
+              </a:ext>
+            </a:extLst>
+          </a:blip>
+          <a:srcRect/>
+          <a:stretch>
+            <a:fillRect/>
+          </a:stretch>
+        </p:blipFill>
+        <p:spPr bwMode="auto">
+          <a:xfrm>
+            <a:off x="8385175" y="301666"/>
+            <a:ext cx="3524250" cy="742951"/>
+          </a:xfrm>
+          <a:prstGeom prst="rect">
+            <a:avLst/>
+          </a:prstGeom>
+          <a:noFill/>
+          <a:extLst>
+            <a:ext uri="{909E8E84-426E-40DD-AFC4-6F175D3DCCD1}">
+              <a14:hiddenFill xmlns:a14="http://schemas.microsoft.com/office/drawing/2010/main">
+                <a:solidFill>
+                  <a:srgbClr val="FFFFFF"/>
+                </a:solidFill>
+              </a14:hiddenFill>
+            </a:ext>
+          </a:extLst>
+        </p:spPr>
+      </p:pic>
+      <p:pic>
+        <p:nvPicPr>
+          <p:cNvPr id="10" name="Picture 9"/>
+          <p:cNvPicPr>
+            <a:picLocks noChangeAspect="1"/>
+          </p:cNvPicPr>
+          <p:nvPr/>
+        </p:nvPicPr>
+        <p:blipFill rotWithShape="1">
+          <a:blip r:embed="rId4"/>
+          <a:srcRect t="2756" r="6029"/>
+          <a:stretch/>
+        </p:blipFill>
+        <p:spPr>
+          <a:xfrm>
+            <a:off x="139692" y="5542427"/>
+            <a:ext cx="2743200" cy="1126004"/>
+          </a:xfrm>
+          <a:prstGeom prst="rect">
+            <a:avLst/>
+          </a:prstGeom>
+        </p:spPr>
+      </p:pic>
+      <p:pic>
+        <p:nvPicPr>
+          <p:cNvPr id="11" name="Picture 10"/>
+          <p:cNvPicPr>
+            <a:picLocks noChangeAspect="1"/>
+          </p:cNvPicPr>
+          <p:nvPr/>
+        </p:nvPicPr>
+        <p:blipFill>
+          <a:blip r:embed="rId5">
+            <a:extLst>
+              <a:ext uri="{28A0092B-C50C-407E-A947-70E740481C1C}">
+                <a14:useLocalDpi xmlns:a14="http://schemas.microsoft.com/office/drawing/2010/main" val="0"/>
+              </a:ext>
+            </a:extLst>
+          </a:blip>
+          <a:stretch>
+            <a:fillRect/>
+          </a:stretch>
+        </p:blipFill>
+        <p:spPr>
+          <a:xfrm>
+            <a:off x="3428232" y="5648035"/>
+            <a:ext cx="2743200" cy="923360"/>
+          </a:xfrm>
+          <a:prstGeom prst="rect">
+            <a:avLst/>
+          </a:prstGeom>
+        </p:spPr>
+      </p:pic>
+      <p:sp>
+        <p:nvSpPr>
+          <p:cNvPr id="12" name="Subtitle 2"/>
+          <p:cNvSpPr txBox="1">
+            <a:spLocks/>
+          </p:cNvSpPr>
+          <p:nvPr/>
+        </p:nvSpPr>
+        <p:spPr>
+          <a:xfrm>
+            <a:off x="5889906" y="3343148"/>
+            <a:ext cx="6067922" cy="1931379"/>
+          </a:xfrm>
+          <a:prstGeom prst="rect">
+            <a:avLst/>
+          </a:prstGeom>
+        </p:spPr>
+        <p:txBody>
+          <a:bodyPr vert="horz" lIns="91440" tIns="45720" rIns="91440" bIns="45720" rtlCol="0">
+            <a:normAutofit fontScale="92500" lnSpcReduction="10000"/>
+          </a:bodyPr>
+          <a:lstStyle>
+            <a:lvl1pPr marL="0" indent="0" algn="ctr" defTabSz="914400" rtl="0" eaLnBrk="1" latinLnBrk="0" hangingPunct="1">
+              <a:lnSpc>
+                <a:spcPct val="90000"/>
+              </a:lnSpc>
+              <a:spcBef>
+                <a:spcPts val="1000"/>
+              </a:spcBef>
+              <a:buFont typeface="Arial" panose="020B0604020202020204" pitchFamily="34" charset="0"/>
+              <a:buNone/>
+              <a:defRPr sz="2400" kern="1200">
+                <a:solidFill>
+                  <a:schemeClr val="tx1"/>
+                </a:solidFill>
+                <a:latin typeface="+mn-lt"/>
+                <a:ea typeface="+mn-ea"/>
+                <a:cs typeface="+mn-cs"/>
+              </a:defRPr>
+            </a:lvl1pPr>
+            <a:lvl2pPr marL="457200" indent="0" algn="ctr" defTabSz="914400" rtl="0" eaLnBrk="1" latinLnBrk="0" hangingPunct="1">
+              <a:lnSpc>
+                <a:spcPct val="90000"/>
+              </a:lnSpc>
+              <a:spcBef>
+                <a:spcPts val="500"/>
+              </a:spcBef>
+              <a:buFont typeface="Arial" panose="020B0604020202020204" pitchFamily="34" charset="0"/>
+              <a:buNone/>
+              <a:defRPr sz="2000" kern="1200">
+                <a:solidFill>
+                  <a:schemeClr val="tx1"/>
+                </a:solidFill>
+                <a:latin typeface="+mn-lt"/>
+                <a:ea typeface="+mn-ea"/>
+                <a:cs typeface="+mn-cs"/>
+              </a:defRPr>
+            </a:lvl2pPr>
+            <a:lvl3pPr marL="914400" indent="0" algn="ctr" defTabSz="914400" rtl="0" eaLnBrk="1" latinLnBrk="0" hangingPunct="1">
+              <a:lnSpc>
+                <a:spcPct val="90000"/>
+              </a:lnSpc>
+              <a:spcBef>
+                <a:spcPts val="500"/>
+              </a:spcBef>
+              <a:buFont typeface="Arial" panose="020B0604020202020204" pitchFamily="34" charset="0"/>
+              <a:buNone/>
+              <a:defRPr sz="1800" kern="1200">
+                <a:solidFill>
+                  <a:schemeClr val="tx1"/>
+                </a:solidFill>
+                <a:latin typeface="+mn-lt"/>
+                <a:ea typeface="+mn-ea"/>
+                <a:cs typeface="+mn-cs"/>
+              </a:defRPr>
+            </a:lvl3pPr>
+            <a:lvl4pPr marL="1371600" indent="0" algn="ctr" defTabSz="914400" rtl="0" eaLnBrk="1" latinLnBrk="0" hangingPunct="1">
+              <a:lnSpc>
+                <a:spcPct val="90000"/>
+              </a:lnSpc>
+              <a:spcBef>
+                <a:spcPts val="500"/>
+              </a:spcBef>
+              <a:buFont typeface="Arial" panose="020B0604020202020204" pitchFamily="34" charset="0"/>
+              <a:buNone/>
+              <a:defRPr sz="1600" kern="1200">
+                <a:solidFill>
+                  <a:schemeClr val="tx1"/>
+                </a:solidFill>
+                <a:latin typeface="+mn-lt"/>
+                <a:ea typeface="+mn-ea"/>
+                <a:cs typeface="+mn-cs"/>
+              </a:defRPr>
+            </a:lvl4pPr>
+            <a:lvl5pPr marL="1828800" indent="0" algn="ctr" defTabSz="914400" rtl="0" eaLnBrk="1" latinLnBrk="0" hangingPunct="1">
+              <a:lnSpc>
+                <a:spcPct val="90000"/>
+              </a:lnSpc>
+              <a:spcBef>
+                <a:spcPts val="500"/>
+              </a:spcBef>
+              <a:buFont typeface="Arial" panose="020B0604020202020204" pitchFamily="34" charset="0"/>
+              <a:buNone/>
+              <a:defRPr sz="1600" kern="1200">
+                <a:solidFill>
+                  <a:schemeClr val="tx1"/>
+                </a:solidFill>
+                <a:latin typeface="+mn-lt"/>
+                <a:ea typeface="+mn-ea"/>
+                <a:cs typeface="+mn-cs"/>
+              </a:defRPr>
+            </a:lvl5pPr>
+            <a:lvl6pPr marL="2286000" indent="0" algn="ctr" defTabSz="914400" rtl="0" eaLnBrk="1" latinLnBrk="0" hangingPunct="1">
+              <a:lnSpc>
+                <a:spcPct val="90000"/>
+              </a:lnSpc>
+              <a:spcBef>
+                <a:spcPts val="500"/>
+              </a:spcBef>
+              <a:buFont typeface="Arial" panose="020B0604020202020204" pitchFamily="34" charset="0"/>
+              <a:buNone/>
+              <a:defRPr sz="1600" kern="1200">
+                <a:solidFill>
+                  <a:schemeClr val="tx1"/>
+                </a:solidFill>
+                <a:latin typeface="+mn-lt"/>
+                <a:ea typeface="+mn-ea"/>
+                <a:cs typeface="+mn-cs"/>
+              </a:defRPr>
+            </a:lvl6pPr>
+            <a:lvl7pPr marL="2743200" indent="0" algn="ctr" defTabSz="914400" rtl="0" eaLnBrk="1" latinLnBrk="0" hangingPunct="1">
+              <a:lnSpc>
+                <a:spcPct val="90000"/>
+              </a:lnSpc>
+              <a:spcBef>
+                <a:spcPts val="500"/>
+              </a:spcBef>
+              <a:buFont typeface="Arial" panose="020B0604020202020204" pitchFamily="34" charset="0"/>
+              <a:buNone/>
+              <a:defRPr sz="1600" kern="1200">
+                <a:solidFill>
+                  <a:schemeClr val="tx1"/>
+                </a:solidFill>
+                <a:latin typeface="+mn-lt"/>
+                <a:ea typeface="+mn-ea"/>
+                <a:cs typeface="+mn-cs"/>
+              </a:defRPr>
+            </a:lvl7pPr>
+            <a:lvl8pPr marL="3200400" indent="0" algn="ctr" defTabSz="914400" rtl="0" eaLnBrk="1" latinLnBrk="0" hangingPunct="1">
+              <a:lnSpc>
+                <a:spcPct val="90000"/>
+              </a:lnSpc>
+              <a:spcBef>
+                <a:spcPts val="500"/>
+              </a:spcBef>
+              <a:buFont typeface="Arial" panose="020B0604020202020204" pitchFamily="34" charset="0"/>
+              <a:buNone/>
+              <a:defRPr sz="1600" kern="1200">
+                <a:solidFill>
+                  <a:schemeClr val="tx1"/>
+                </a:solidFill>
+                <a:latin typeface="+mn-lt"/>
+                <a:ea typeface="+mn-ea"/>
+                <a:cs typeface="+mn-cs"/>
+              </a:defRPr>
+            </a:lvl8pPr>
+            <a:lvl9pPr marL="3657600" indent="0" algn="ctr" defTabSz="914400" rtl="0" eaLnBrk="1" latinLnBrk="0" hangingPunct="1">
+              <a:lnSpc>
+                <a:spcPct val="90000"/>
+              </a:lnSpc>
+              <a:spcBef>
+                <a:spcPts val="500"/>
+              </a:spcBef>
+              <a:buFont typeface="Arial" panose="020B0604020202020204" pitchFamily="34" charset="0"/>
+              <a:buNone/>
+              <a:defRPr sz="1600" kern="1200">
+                <a:solidFill>
+                  <a:schemeClr val="tx1"/>
+                </a:solidFill>
+                <a:latin typeface="+mn-lt"/>
+                <a:ea typeface="+mn-ea"/>
+                <a:cs typeface="+mn-cs"/>
+              </a:defRPr>
+            </a:lvl9pPr>
+          </a:lstStyle>
+          <a:p>
+            <a:r>
+              <a:rPr lang="en-US" sz="1900" dirty="0"/>
+              <a:t>Allan J. Kozlowski, PhD</a:t>
+            </a:r>
+          </a:p>
+          <a:p>
+            <a:r>
+              <a:rPr lang="en-US" sz="1900" dirty="0">
+                <a:solidFill>
+                  <a:schemeClr val="bg1">
+                    <a:lumMod val="50000"/>
+                  </a:schemeClr>
+                </a:solidFill>
+              </a:rPr>
+              <a:t>Director of Outcomes Research, Mary Free Bed Rehabilitation Hospital</a:t>
+            </a:r>
+          </a:p>
+          <a:p>
+            <a:r>
+              <a:rPr lang="en-US" sz="1900" dirty="0" smtClean="0">
+                <a:solidFill>
+                  <a:schemeClr val="bg1">
+                    <a:lumMod val="50000"/>
+                  </a:schemeClr>
+                </a:solidFill>
+              </a:rPr>
+              <a:t>Department </a:t>
+            </a:r>
+            <a:r>
+              <a:rPr lang="en-US" sz="1900" dirty="0">
+                <a:solidFill>
+                  <a:schemeClr val="bg1">
+                    <a:lumMod val="50000"/>
+                  </a:schemeClr>
+                </a:solidFill>
+              </a:rPr>
+              <a:t>of Epidemiology and Biostatistics, Michigan State University College of Human Medicine</a:t>
+            </a:r>
+          </a:p>
+          <a:p>
+            <a:r>
+              <a:rPr lang="en-US" sz="1900" dirty="0" smtClean="0">
+                <a:solidFill>
+                  <a:schemeClr val="bg1">
+                    <a:lumMod val="50000"/>
+                  </a:schemeClr>
+                </a:solidFill>
+              </a:rPr>
+              <a:t>allan.kozlowski@maryfreebed.com</a:t>
+            </a:r>
+          </a:p>
+        </p:txBody>
+      </p:sp>
+      <p:pic>
+        <p:nvPicPr>
+          <p:cNvPr id="13" name="Picture 12"/>
+          <p:cNvPicPr>
+            <a:picLocks noChangeAspect="1"/>
+          </p:cNvPicPr>
+          <p:nvPr/>
+        </p:nvPicPr>
+        <p:blipFill>
+          <a:blip r:embed="rId6"/>
+          <a:stretch>
+            <a:fillRect/>
+          </a:stretch>
+        </p:blipFill>
+        <p:spPr>
+          <a:xfrm>
+            <a:off x="9319498" y="5689693"/>
+            <a:ext cx="2743200" cy="837395"/>
+          </a:xfrm>
+          <a:prstGeom prst="rect">
+            <a:avLst/>
+          </a:prstGeom>
+        </p:spPr>
+      </p:pic>
+      <p:pic>
+        <p:nvPicPr>
+          <p:cNvPr id="14" name="Picture 13"/>
+          <p:cNvPicPr>
+            <a:picLocks noChangeAspect="1"/>
+          </p:cNvPicPr>
+          <p:nvPr/>
+        </p:nvPicPr>
+        <p:blipFill>
+          <a:blip r:embed="rId7"/>
+          <a:stretch>
+            <a:fillRect/>
+          </a:stretch>
+        </p:blipFill>
+        <p:spPr>
+          <a:xfrm>
+            <a:off x="6508916" y="5636884"/>
+            <a:ext cx="2651760" cy="948728"/>
+          </a:xfrm>
+          <a:prstGeom prst="rect">
+            <a:avLst/>
+          </a:prstGeom>
+        </p:spPr>
+      </p:pic>
+    </p:spTree>
+    <p:extLst>
+      <p:ext uri="{BB962C8B-B14F-4D97-AF65-F5344CB8AC3E}">
+        <p14:creationId xmlns:p14="http://schemas.microsoft.com/office/powerpoint/2010/main" val="797266018"/>
+      </p:ext>
+    </p:extLst>
+  </p:cSld>
+  <p:clrMapOvr>
+    <a:masterClrMapping/>
+  </p:clrMapOvr>
+  <p:timing>
+    <p:tnLst>
+      <p:par>
+        <p:cTn id="1" dur="indefinite" restart="never" nodeType="tmRoot"/>
+      </p:par>
+    </p:tnLst>
+  </p:timing>
+</p:sld>
+</file>
+
+<file path=ppt/slides/slide31.xml><?xml version="1.0" encoding="utf-8"?>
+<p:sld xmlns:a="http://schemas.openxmlformats.org/drawingml/2006/main" xmlns:r="http://schemas.openxmlformats.org/officeDocument/2006/relationships" xmlns:p="http://schemas.openxmlformats.org/presentationml/2006/main">
+  <p:cSld>
+    <p:spTree>
+      <p:nvGrpSpPr>
+        <p:cNvPr id="1" name=""/>
+        <p:cNvGrpSpPr/>
+        <p:nvPr/>
+      </p:nvGrpSpPr>
+      <p:grpSpPr>
+        <a:xfrm>
+          <a:off x="0" y="0"/>
+          <a:ext cx="0" cy="0"/>
+          <a:chOff x="0" y="0"/>
+          <a:chExt cx="0" cy="0"/>
+        </a:xfrm>
+      </p:grpSpPr>
+      <p:sp>
+        <p:nvSpPr>
+          <p:cNvPr id="2" name="Title 1"/>
+          <p:cNvSpPr>
+            <a:spLocks noGrp="1"/>
+          </p:cNvSpPr>
+          <p:nvPr>
+            <p:ph type="title"/>
+          </p:nvPr>
+        </p:nvSpPr>
+        <p:spPr/>
+        <p:txBody>
+          <a:bodyPr/>
+          <a:lstStyle/>
+          <a:p>
+            <a:r>
+              <a:rPr lang="en-US" dirty="0" smtClean="0"/>
+              <a:t>1. Know your types of variables.</a:t>
+            </a:r>
+            <a:endParaRPr lang="en-US" dirty="0"/>
+          </a:p>
+        </p:txBody>
+      </p:sp>
+      <p:sp>
+        <p:nvSpPr>
+          <p:cNvPr id="3" name="Content Placeholder 2"/>
+          <p:cNvSpPr>
+            <a:spLocks noGrp="1"/>
+          </p:cNvSpPr>
+          <p:nvPr>
+            <p:ph idx="1"/>
+          </p:nvPr>
+        </p:nvSpPr>
+        <p:spPr/>
+        <p:txBody>
+          <a:bodyPr>
+            <a:normAutofit fontScale="92500" lnSpcReduction="20000"/>
+          </a:bodyPr>
+          <a:lstStyle/>
+          <a:p>
+            <a:r>
+              <a:rPr lang="en-US" b="1" i="1" u="sng" dirty="0" smtClean="0"/>
+              <a:t>Static/ “Fixed”</a:t>
+            </a:r>
+            <a:r>
+              <a:rPr lang="en-US" dirty="0" smtClean="0"/>
+              <a:t> variables are variables that keep the same value over the course of the study.</a:t>
+            </a:r>
+          </a:p>
+          <a:p>
+            <a:pPr lvl="1"/>
+            <a:r>
+              <a:rPr lang="en-US" dirty="0" smtClean="0"/>
+              <a:t>For most longitudinal studies, these are variable that vary between people but stay constant within a person (e.g., gender and age at start of study are example static variables). </a:t>
+            </a:r>
+          </a:p>
+          <a:p>
+            <a:pPr lvl="1"/>
+            <a:r>
+              <a:rPr lang="en-US" dirty="0" smtClean="0"/>
+              <a:t>Can be continuous or categorical.</a:t>
+            </a:r>
+          </a:p>
+          <a:p>
+            <a:pPr lvl="1"/>
+            <a:endParaRPr lang="en-US" dirty="0"/>
+          </a:p>
+          <a:p>
+            <a:r>
+              <a:rPr lang="en-US" b="1" i="1" u="sng" dirty="0" smtClean="0"/>
+              <a:t>Dynamic/ “Time Varying”</a:t>
+            </a:r>
+            <a:r>
+              <a:rPr lang="en-US" dirty="0" smtClean="0"/>
+              <a:t> variables are variables that change value over the course of the study.</a:t>
+            </a:r>
+          </a:p>
+          <a:p>
+            <a:pPr lvl="1"/>
+            <a:r>
+              <a:rPr lang="en-US" dirty="0" smtClean="0"/>
+              <a:t>Our principle dynamic independent variable is Time (but this could be seconds, months, or years, depending on the resolution over your data).</a:t>
+            </a:r>
+          </a:p>
+          <a:p>
+            <a:pPr lvl="1"/>
+            <a:r>
+              <a:rPr lang="en-US" dirty="0" smtClean="0"/>
+              <a:t>Most of our dependent variables are also dynamic (i.e., we might have BBS, WMFT, or 10m WT scores at each time point). </a:t>
+            </a:r>
+          </a:p>
+          <a:p>
+            <a:pPr lvl="1"/>
+            <a:r>
+              <a:rPr lang="en-US" dirty="0" smtClean="0"/>
+              <a:t>Can be continuous or categorical.</a:t>
+            </a:r>
+            <a:endParaRPr lang="en-US" dirty="0"/>
+          </a:p>
+        </p:txBody>
+      </p:sp>
+      <p:sp>
+        <p:nvSpPr>
+          <p:cNvPr id="4" name="Slide Number Placeholder 3"/>
+          <p:cNvSpPr>
+            <a:spLocks noGrp="1"/>
+          </p:cNvSpPr>
+          <p:nvPr>
+            <p:ph type="sldNum" sz="quarter" idx="12"/>
+          </p:nvPr>
+        </p:nvSpPr>
+        <p:spPr/>
+        <p:txBody>
+          <a:bodyPr/>
+          <a:lstStyle/>
+          <a:p>
+            <a:fld id="{62D33721-DFD7-43E1-85F9-9FD0AD2C3B28}" type="slidenum">
+              <a:rPr lang="en-US" smtClean="0"/>
+              <a:t>31</a:t>
+            </a:fld>
+            <a:endParaRPr lang="en-US"/>
+          </a:p>
+        </p:txBody>
+      </p:sp>
+    </p:spTree>
+    <p:extLst>
+      <p:ext uri="{BB962C8B-B14F-4D97-AF65-F5344CB8AC3E}">
+        <p14:creationId xmlns:p14="http://schemas.microsoft.com/office/powerpoint/2010/main" val="2376607051"/>
+      </p:ext>
+    </p:extLst>
+  </p:cSld>
+  <p:clrMapOvr>
+    <a:masterClrMapping/>
+  </p:clrMapOvr>
+  <p:timing>
+    <p:tnLst>
+      <p:par>
+        <p:cTn id="1" dur="indefinite" restart="never" nodeType="tmRoot"/>
+      </p:par>
+    </p:tnLst>
+  </p:timing>
+</p:sld>
+</file>
+
+<file path=ppt/slides/slide32.xml><?xml version="1.0" encoding="utf-8"?>
+<p:sld xmlns:a="http://schemas.openxmlformats.org/drawingml/2006/main" xmlns:r="http://schemas.openxmlformats.org/officeDocument/2006/relationships" xmlns:p="http://schemas.openxmlformats.org/presentationml/2006/main">
+  <p:cSld>
+    <p:spTree>
+      <p:nvGrpSpPr>
+        <p:cNvPr id="1" name=""/>
+        <p:cNvGrpSpPr/>
+        <p:nvPr/>
+      </p:nvGrpSpPr>
+      <p:grpSpPr>
+        <a:xfrm>
+          <a:off x="0" y="0"/>
+          <a:ext cx="0" cy="0"/>
+          <a:chOff x="0" y="0"/>
+          <a:chExt cx="0" cy="0"/>
+        </a:xfrm>
+      </p:grpSpPr>
+      <p:sp>
+        <p:nvSpPr>
+          <p:cNvPr id="2" name="Title 1"/>
+          <p:cNvSpPr>
+            <a:spLocks noGrp="1"/>
+          </p:cNvSpPr>
+          <p:nvPr>
+            <p:ph type="title"/>
+          </p:nvPr>
+        </p:nvSpPr>
+        <p:spPr/>
+        <p:txBody>
+          <a:bodyPr/>
+          <a:lstStyle/>
+          <a:p>
+            <a:r>
+              <a:rPr lang="en-US" dirty="0" smtClean="0"/>
+              <a:t>2. How will you model time? </a:t>
+            </a:r>
+            <a:endParaRPr lang="en-US" dirty="0"/>
+          </a:p>
+        </p:txBody>
+      </p:sp>
+      <p:sp>
+        <p:nvSpPr>
+          <p:cNvPr id="3" name="Content Placeholder 2"/>
+          <p:cNvSpPr>
+            <a:spLocks noGrp="1"/>
+          </p:cNvSpPr>
+          <p:nvPr>
+            <p:ph idx="1"/>
+          </p:nvPr>
+        </p:nvSpPr>
+        <p:spPr>
+          <a:xfrm>
+            <a:off x="838200" y="3847883"/>
+            <a:ext cx="10515600" cy="2054979"/>
+          </a:xfrm>
+        </p:spPr>
+        <p:txBody>
+          <a:bodyPr>
+            <a:normAutofit fontScale="92500" lnSpcReduction="20000"/>
+          </a:bodyPr>
+          <a:lstStyle/>
+          <a:p>
+            <a:r>
+              <a:rPr lang="en-US" dirty="0" smtClean="0"/>
+              <a:t>Do most people tend to change linearly or non-linearly?</a:t>
+            </a:r>
+          </a:p>
+          <a:p>
+            <a:pPr lvl="1"/>
+            <a:r>
+              <a:rPr lang="en-US" dirty="0" smtClean="0"/>
+              <a:t>Is there a between-subjects variable associated with different change curves?</a:t>
+            </a:r>
+          </a:p>
+          <a:p>
+            <a:pPr lvl="1"/>
+            <a:r>
+              <a:rPr lang="en-US" dirty="0" smtClean="0"/>
+              <a:t>Exploratory data visualization I really helpful here and can inform subsequent model building.</a:t>
+            </a:r>
+          </a:p>
+          <a:p>
+            <a:r>
+              <a:rPr lang="en-US" dirty="0" smtClean="0"/>
+              <a:t>Remember that the more complicated your hypotheses about time, the more time-points you will need to collect. </a:t>
+            </a:r>
+            <a:endParaRPr lang="en-US" dirty="0"/>
+          </a:p>
+        </p:txBody>
+      </p:sp>
+      <p:sp>
+        <p:nvSpPr>
+          <p:cNvPr id="4" name="Slide Number Placeholder 3"/>
+          <p:cNvSpPr>
+            <a:spLocks noGrp="1"/>
+          </p:cNvSpPr>
+          <p:nvPr>
+            <p:ph type="sldNum" sz="quarter" idx="12"/>
+          </p:nvPr>
+        </p:nvSpPr>
+        <p:spPr/>
+        <p:txBody>
+          <a:bodyPr/>
+          <a:lstStyle/>
+          <a:p>
+            <a:fld id="{62D33721-DFD7-43E1-85F9-9FD0AD2C3B28}" type="slidenum">
+              <a:rPr lang="en-US" smtClean="0"/>
+              <a:t>32</a:t>
+            </a:fld>
+            <a:endParaRPr lang="en-US"/>
+          </a:p>
+        </p:txBody>
+      </p:sp>
+      <p:sp>
+        <p:nvSpPr>
+          <p:cNvPr id="11" name="Oval 10"/>
+          <p:cNvSpPr/>
+          <p:nvPr/>
+        </p:nvSpPr>
+        <p:spPr>
+          <a:xfrm>
+            <a:off x="2263700" y="2765004"/>
+            <a:ext cx="228600" cy="228600"/>
+          </a:xfrm>
+          <a:prstGeom prst="ellipse">
+            <a:avLst/>
+          </a:prstGeom>
+        </p:spPr>
+        <p:style>
+          <a:lnRef idx="2">
+            <a:schemeClr val="dk1">
+              <a:shade val="50000"/>
+            </a:schemeClr>
+          </a:lnRef>
+          <a:fillRef idx="1">
+            <a:schemeClr val="dk1"/>
+          </a:fillRef>
+          <a:effectRef idx="0">
+            <a:schemeClr val="dk1"/>
+          </a:effectRef>
+          <a:fontRef idx="minor">
+            <a:schemeClr val="lt1"/>
+          </a:fontRef>
+        </p:style>
+        <p:txBody>
+          <a:bodyPr rtlCol="0" anchor="ctr"/>
+          <a:lstStyle/>
+          <a:p>
+            <a:pPr algn="ctr"/>
+            <a:endParaRPr lang="en-US"/>
+          </a:p>
+        </p:txBody>
+      </p:sp>
+      <p:sp>
+        <p:nvSpPr>
+          <p:cNvPr id="12" name="Oval 11"/>
+          <p:cNvSpPr/>
+          <p:nvPr/>
+        </p:nvSpPr>
+        <p:spPr>
+          <a:xfrm>
+            <a:off x="2492300" y="2251396"/>
+            <a:ext cx="228600" cy="228600"/>
+          </a:xfrm>
+          <a:prstGeom prst="ellipse">
+            <a:avLst/>
+          </a:prstGeom>
+        </p:spPr>
+        <p:style>
+          <a:lnRef idx="2">
+            <a:schemeClr val="dk1">
+              <a:shade val="50000"/>
+            </a:schemeClr>
+          </a:lnRef>
+          <a:fillRef idx="1">
+            <a:schemeClr val="dk1"/>
+          </a:fillRef>
+          <a:effectRef idx="0">
+            <a:schemeClr val="dk1"/>
+          </a:effectRef>
+          <a:fontRef idx="minor">
+            <a:schemeClr val="lt1"/>
+          </a:fontRef>
+        </p:style>
+        <p:txBody>
+          <a:bodyPr rtlCol="0" anchor="ctr"/>
+          <a:lstStyle/>
+          <a:p>
+            <a:pPr algn="ctr"/>
+            <a:endParaRPr lang="en-US"/>
+          </a:p>
+        </p:txBody>
+      </p:sp>
+      <p:sp>
+        <p:nvSpPr>
+          <p:cNvPr id="13" name="Oval 12"/>
+          <p:cNvSpPr/>
+          <p:nvPr/>
+        </p:nvSpPr>
+        <p:spPr>
+          <a:xfrm>
+            <a:off x="2950426" y="2370386"/>
+            <a:ext cx="228600" cy="228600"/>
+          </a:xfrm>
+          <a:prstGeom prst="ellipse">
+            <a:avLst/>
+          </a:prstGeom>
+        </p:spPr>
+        <p:style>
+          <a:lnRef idx="2">
+            <a:schemeClr val="dk1">
+              <a:shade val="50000"/>
+            </a:schemeClr>
+          </a:lnRef>
+          <a:fillRef idx="1">
+            <a:schemeClr val="dk1"/>
+          </a:fillRef>
+          <a:effectRef idx="0">
+            <a:schemeClr val="dk1"/>
+          </a:effectRef>
+          <a:fontRef idx="minor">
+            <a:schemeClr val="lt1"/>
+          </a:fontRef>
+        </p:style>
+        <p:txBody>
+          <a:bodyPr rtlCol="0" anchor="ctr"/>
+          <a:lstStyle/>
+          <a:p>
+            <a:pPr algn="ctr"/>
+            <a:endParaRPr lang="en-US"/>
+          </a:p>
+        </p:txBody>
+      </p:sp>
+      <p:sp>
+        <p:nvSpPr>
+          <p:cNvPr id="14" name="Oval 13"/>
+          <p:cNvSpPr/>
+          <p:nvPr/>
+        </p:nvSpPr>
+        <p:spPr>
+          <a:xfrm>
+            <a:off x="3253369" y="1919375"/>
+            <a:ext cx="228600" cy="228600"/>
+          </a:xfrm>
+          <a:prstGeom prst="ellipse">
+            <a:avLst/>
+          </a:prstGeom>
+        </p:spPr>
+        <p:style>
+          <a:lnRef idx="2">
+            <a:schemeClr val="dk1">
+              <a:shade val="50000"/>
+            </a:schemeClr>
+          </a:lnRef>
+          <a:fillRef idx="1">
+            <a:schemeClr val="dk1"/>
+          </a:fillRef>
+          <a:effectRef idx="0">
+            <a:schemeClr val="dk1"/>
+          </a:effectRef>
+          <a:fontRef idx="minor">
+            <a:schemeClr val="lt1"/>
+          </a:fontRef>
+        </p:style>
+        <p:txBody>
+          <a:bodyPr rtlCol="0" anchor="ctr"/>
+          <a:lstStyle/>
+          <a:p>
+            <a:pPr algn="ctr"/>
+            <a:endParaRPr lang="en-US"/>
+          </a:p>
+        </p:txBody>
+      </p:sp>
+      <p:cxnSp>
+        <p:nvCxnSpPr>
+          <p:cNvPr id="10" name="Straight Connector 9"/>
+          <p:cNvCxnSpPr/>
+          <p:nvPr/>
+        </p:nvCxnSpPr>
+        <p:spPr>
+          <a:xfrm flipV="1">
+            <a:off x="2152185" y="1819510"/>
+            <a:ext cx="1480788" cy="1092373"/>
+          </a:xfrm>
+          <a:prstGeom prst="line">
+            <a:avLst/>
+          </a:prstGeom>
+          <a:ln w="28575"/>
+        </p:spPr>
+        <p:style>
+          <a:lnRef idx="1">
+            <a:schemeClr val="accent1"/>
+          </a:lnRef>
+          <a:fillRef idx="0">
+            <a:schemeClr val="accent1"/>
+          </a:fillRef>
+          <a:effectRef idx="0">
+            <a:schemeClr val="accent1"/>
+          </a:effectRef>
+          <a:fontRef idx="minor">
+            <a:schemeClr val="tx1"/>
+          </a:fontRef>
+        </p:style>
+      </p:cxnSp>
+      <p:sp>
+        <p:nvSpPr>
+          <p:cNvPr id="17" name="Oval 16"/>
+          <p:cNvSpPr/>
+          <p:nvPr/>
+        </p:nvSpPr>
+        <p:spPr>
+          <a:xfrm>
+            <a:off x="5315877" y="1675528"/>
+            <a:ext cx="228600" cy="228600"/>
+          </a:xfrm>
+          <a:prstGeom prst="ellipse">
+            <a:avLst/>
+          </a:prstGeom>
+        </p:spPr>
+        <p:style>
+          <a:lnRef idx="2">
+            <a:schemeClr val="dk1">
+              <a:shade val="50000"/>
+            </a:schemeClr>
+          </a:lnRef>
+          <a:fillRef idx="1">
+            <a:schemeClr val="dk1"/>
+          </a:fillRef>
+          <a:effectRef idx="0">
+            <a:schemeClr val="dk1"/>
+          </a:effectRef>
+          <a:fontRef idx="minor">
+            <a:schemeClr val="lt1"/>
+          </a:fontRef>
+        </p:style>
+        <p:txBody>
+          <a:bodyPr rtlCol="0" anchor="ctr"/>
+          <a:lstStyle/>
+          <a:p>
+            <a:pPr algn="ctr"/>
+            <a:endParaRPr lang="en-US"/>
+          </a:p>
+        </p:txBody>
+      </p:sp>
+      <p:sp>
+        <p:nvSpPr>
+          <p:cNvPr id="18" name="Oval 17"/>
+          <p:cNvSpPr/>
+          <p:nvPr/>
+        </p:nvSpPr>
+        <p:spPr>
+          <a:xfrm>
+            <a:off x="5405552" y="2091479"/>
+            <a:ext cx="228600" cy="228600"/>
+          </a:xfrm>
+          <a:prstGeom prst="ellipse">
+            <a:avLst/>
+          </a:prstGeom>
+        </p:spPr>
+        <p:style>
+          <a:lnRef idx="2">
+            <a:schemeClr val="dk1">
+              <a:shade val="50000"/>
+            </a:schemeClr>
+          </a:lnRef>
+          <a:fillRef idx="1">
+            <a:schemeClr val="dk1"/>
+          </a:fillRef>
+          <a:effectRef idx="0">
+            <a:schemeClr val="dk1"/>
+          </a:effectRef>
+          <a:fontRef idx="minor">
+            <a:schemeClr val="lt1"/>
+          </a:fontRef>
+        </p:style>
+        <p:txBody>
+          <a:bodyPr rtlCol="0" anchor="ctr"/>
+          <a:lstStyle/>
+          <a:p>
+            <a:pPr algn="ctr"/>
+            <a:endParaRPr lang="en-US"/>
+          </a:p>
+        </p:txBody>
+      </p:sp>
+      <p:sp>
+        <p:nvSpPr>
+          <p:cNvPr id="19" name="Oval 18"/>
+          <p:cNvSpPr/>
+          <p:nvPr/>
+        </p:nvSpPr>
+        <p:spPr>
+          <a:xfrm>
+            <a:off x="5691532" y="2091479"/>
+            <a:ext cx="228600" cy="228600"/>
+          </a:xfrm>
+          <a:prstGeom prst="ellipse">
+            <a:avLst/>
+          </a:prstGeom>
+        </p:spPr>
+        <p:style>
+          <a:lnRef idx="2">
+            <a:schemeClr val="dk1">
+              <a:shade val="50000"/>
+            </a:schemeClr>
+          </a:lnRef>
+          <a:fillRef idx="1">
+            <a:schemeClr val="dk1"/>
+          </a:fillRef>
+          <a:effectRef idx="0">
+            <a:schemeClr val="dk1"/>
+          </a:effectRef>
+          <a:fontRef idx="minor">
+            <a:schemeClr val="lt1"/>
+          </a:fontRef>
+        </p:style>
+        <p:txBody>
+          <a:bodyPr rtlCol="0" anchor="ctr"/>
+          <a:lstStyle/>
+          <a:p>
+            <a:pPr algn="ctr"/>
+            <a:endParaRPr lang="en-US"/>
+          </a:p>
+        </p:txBody>
+      </p:sp>
+      <p:sp>
+        <p:nvSpPr>
+          <p:cNvPr id="20" name="Oval 19"/>
+          <p:cNvSpPr/>
+          <p:nvPr/>
+        </p:nvSpPr>
+        <p:spPr>
+          <a:xfrm>
+            <a:off x="5576066" y="2603723"/>
+            <a:ext cx="228600" cy="228600"/>
+          </a:xfrm>
+          <a:prstGeom prst="ellipse">
+            <a:avLst/>
+          </a:prstGeom>
+        </p:spPr>
+        <p:style>
+          <a:lnRef idx="2">
+            <a:schemeClr val="dk1">
+              <a:shade val="50000"/>
+            </a:schemeClr>
+          </a:lnRef>
+          <a:fillRef idx="1">
+            <a:schemeClr val="dk1"/>
+          </a:fillRef>
+          <a:effectRef idx="0">
+            <a:schemeClr val="dk1"/>
+          </a:effectRef>
+          <a:fontRef idx="minor">
+            <a:schemeClr val="lt1"/>
+          </a:fontRef>
+        </p:style>
+        <p:txBody>
+          <a:bodyPr rtlCol="0" anchor="ctr"/>
+          <a:lstStyle/>
+          <a:p>
+            <a:pPr algn="ctr"/>
+            <a:endParaRPr lang="en-US"/>
+          </a:p>
+        </p:txBody>
+      </p:sp>
+      <p:sp>
+        <p:nvSpPr>
+          <p:cNvPr id="21" name="Oval 20"/>
+          <p:cNvSpPr/>
+          <p:nvPr/>
+        </p:nvSpPr>
+        <p:spPr>
+          <a:xfrm>
+            <a:off x="5939648" y="2454633"/>
+            <a:ext cx="228600" cy="228600"/>
+          </a:xfrm>
+          <a:prstGeom prst="ellipse">
+            <a:avLst/>
+          </a:prstGeom>
+        </p:spPr>
+        <p:style>
+          <a:lnRef idx="2">
+            <a:schemeClr val="dk1">
+              <a:shade val="50000"/>
+            </a:schemeClr>
+          </a:lnRef>
+          <a:fillRef idx="1">
+            <a:schemeClr val="dk1"/>
+          </a:fillRef>
+          <a:effectRef idx="0">
+            <a:schemeClr val="dk1"/>
+          </a:effectRef>
+          <a:fontRef idx="minor">
+            <a:schemeClr val="lt1"/>
+          </a:fontRef>
+        </p:style>
+        <p:txBody>
+          <a:bodyPr rtlCol="0" anchor="ctr"/>
+          <a:lstStyle/>
+          <a:p>
+            <a:pPr algn="ctr"/>
+            <a:endParaRPr lang="en-US"/>
+          </a:p>
+        </p:txBody>
+      </p:sp>
+      <p:sp>
+        <p:nvSpPr>
+          <p:cNvPr id="22" name="Oval 21"/>
+          <p:cNvSpPr/>
+          <p:nvPr/>
+        </p:nvSpPr>
+        <p:spPr>
+          <a:xfrm>
+            <a:off x="6236068" y="2796807"/>
+            <a:ext cx="228600" cy="228600"/>
+          </a:xfrm>
+          <a:prstGeom prst="ellipse">
+            <a:avLst/>
+          </a:prstGeom>
+        </p:spPr>
+        <p:style>
+          <a:lnRef idx="2">
+            <a:schemeClr val="dk1">
+              <a:shade val="50000"/>
+            </a:schemeClr>
+          </a:lnRef>
+          <a:fillRef idx="1">
+            <a:schemeClr val="dk1"/>
+          </a:fillRef>
+          <a:effectRef idx="0">
+            <a:schemeClr val="dk1"/>
+          </a:effectRef>
+          <a:fontRef idx="minor">
+            <a:schemeClr val="lt1"/>
+          </a:fontRef>
+        </p:style>
+        <p:txBody>
+          <a:bodyPr rtlCol="0" anchor="ctr"/>
+          <a:lstStyle/>
+          <a:p>
+            <a:pPr algn="ctr"/>
+            <a:endParaRPr lang="en-US"/>
+          </a:p>
+        </p:txBody>
+      </p:sp>
+      <p:sp>
+        <p:nvSpPr>
+          <p:cNvPr id="23" name="Oval 22"/>
+          <p:cNvSpPr/>
+          <p:nvPr/>
+        </p:nvSpPr>
+        <p:spPr>
+          <a:xfrm>
+            <a:off x="6445403" y="2370386"/>
+            <a:ext cx="228600" cy="228600"/>
+          </a:xfrm>
+          <a:prstGeom prst="ellipse">
+            <a:avLst/>
+          </a:prstGeom>
+        </p:spPr>
+        <p:style>
+          <a:lnRef idx="2">
+            <a:schemeClr val="dk1">
+              <a:shade val="50000"/>
+            </a:schemeClr>
+          </a:lnRef>
+          <a:fillRef idx="1">
+            <a:schemeClr val="dk1"/>
+          </a:fillRef>
+          <a:effectRef idx="0">
+            <a:schemeClr val="dk1"/>
+          </a:effectRef>
+          <a:fontRef idx="minor">
+            <a:schemeClr val="lt1"/>
+          </a:fontRef>
+        </p:style>
+        <p:txBody>
+          <a:bodyPr rtlCol="0" anchor="ctr"/>
+          <a:lstStyle/>
+          <a:p>
+            <a:pPr algn="ctr"/>
+            <a:endParaRPr lang="en-US"/>
+          </a:p>
+        </p:txBody>
+      </p:sp>
+      <p:sp>
+        <p:nvSpPr>
+          <p:cNvPr id="24" name="Oval 23"/>
+          <p:cNvSpPr/>
+          <p:nvPr/>
+        </p:nvSpPr>
+        <p:spPr>
+          <a:xfrm>
+            <a:off x="6662350" y="2696472"/>
+            <a:ext cx="228600" cy="228600"/>
+          </a:xfrm>
+          <a:prstGeom prst="ellipse">
+            <a:avLst/>
+          </a:prstGeom>
+        </p:spPr>
+        <p:style>
+          <a:lnRef idx="2">
+            <a:schemeClr val="dk1">
+              <a:shade val="50000"/>
+            </a:schemeClr>
+          </a:lnRef>
+          <a:fillRef idx="1">
+            <a:schemeClr val="dk1"/>
+          </a:fillRef>
+          <a:effectRef idx="0">
+            <a:schemeClr val="dk1"/>
+          </a:effectRef>
+          <a:fontRef idx="minor">
+            <a:schemeClr val="lt1"/>
+          </a:fontRef>
+        </p:style>
+        <p:txBody>
+          <a:bodyPr rtlCol="0" anchor="ctr"/>
+          <a:lstStyle/>
+          <a:p>
+            <a:pPr algn="ctr"/>
+            <a:endParaRPr lang="en-US"/>
+          </a:p>
+        </p:txBody>
+      </p:sp>
+      <p:sp>
+        <p:nvSpPr>
+          <p:cNvPr id="7" name="Arc 6"/>
+          <p:cNvSpPr/>
+          <p:nvPr/>
+        </p:nvSpPr>
+        <p:spPr>
+          <a:xfrm flipH="1" flipV="1">
+            <a:off x="5519852" y="1235028"/>
+            <a:ext cx="2308303" cy="1527717"/>
+          </a:xfrm>
+          <a:prstGeom prst="arc">
+            <a:avLst>
+              <a:gd name="adj1" fmla="val 16020410"/>
+              <a:gd name="adj2" fmla="val 101610"/>
+            </a:avLst>
+          </a:prstGeom>
+          <a:ln w="28575"/>
+        </p:spPr>
+        <p:style>
+          <a:lnRef idx="1">
+            <a:schemeClr val="accent1"/>
+          </a:lnRef>
+          <a:fillRef idx="0">
+            <a:schemeClr val="accent1"/>
+          </a:fillRef>
+          <a:effectRef idx="0">
+            <a:schemeClr val="accent1"/>
+          </a:effectRef>
+          <a:fontRef idx="minor">
+            <a:schemeClr val="tx1"/>
+          </a:fontRef>
+        </p:style>
+        <p:txBody>
+          <a:bodyPr rtlCol="0" anchor="ctr"/>
+          <a:lstStyle/>
+          <a:p>
+            <a:pPr algn="ctr"/>
+            <a:endParaRPr lang="en-US"/>
+          </a:p>
+        </p:txBody>
+      </p:sp>
+      <p:grpSp>
+        <p:nvGrpSpPr>
+          <p:cNvPr id="33" name="Group 32"/>
+          <p:cNvGrpSpPr/>
+          <p:nvPr/>
+        </p:nvGrpSpPr>
+        <p:grpSpPr>
+          <a:xfrm flipV="1">
+            <a:off x="8336943" y="1643725"/>
+            <a:ext cx="1575073" cy="1349879"/>
+            <a:chOff x="8382000" y="2607407"/>
+            <a:chExt cx="1575073" cy="1349879"/>
+          </a:xfrm>
+        </p:grpSpPr>
+        <p:sp>
+          <p:nvSpPr>
+            <p:cNvPr id="25" name="Oval 24"/>
+            <p:cNvSpPr/>
+            <p:nvPr/>
+          </p:nvSpPr>
+          <p:spPr>
+            <a:xfrm>
+              <a:off x="8382000" y="2607407"/>
+              <a:ext cx="228600" cy="228600"/>
+            </a:xfrm>
+            <a:prstGeom prst="ellipse">
+              <a:avLst/>
+            </a:prstGeom>
+          </p:spPr>
+          <p:style>
+            <a:lnRef idx="2">
+              <a:schemeClr val="dk1">
+                <a:shade val="50000"/>
+              </a:schemeClr>
+            </a:lnRef>
+            <a:fillRef idx="1">
+              <a:schemeClr val="dk1"/>
+            </a:fillRef>
+            <a:effectRef idx="0">
+              <a:schemeClr val="dk1"/>
+            </a:effectRef>
+            <a:fontRef idx="minor">
+              <a:schemeClr val="lt1"/>
+            </a:fontRef>
+          </p:style>
+          <p:txBody>
+            <a:bodyPr rtlCol="0" anchor="ctr"/>
+            <a:lstStyle/>
+            <a:p>
+              <a:pPr algn="ctr"/>
+              <a:endParaRPr lang="en-US"/>
+            </a:p>
+          </p:txBody>
+        </p:sp>
+        <p:sp>
+          <p:nvSpPr>
+            <p:cNvPr id="26" name="Oval 25"/>
+            <p:cNvSpPr/>
+            <p:nvPr/>
+          </p:nvSpPr>
+          <p:spPr>
+            <a:xfrm>
+              <a:off x="8471675" y="3023358"/>
+              <a:ext cx="228600" cy="228600"/>
+            </a:xfrm>
+            <a:prstGeom prst="ellipse">
+              <a:avLst/>
+            </a:prstGeom>
+          </p:spPr>
+          <p:style>
+            <a:lnRef idx="2">
+              <a:schemeClr val="dk1">
+                <a:shade val="50000"/>
+              </a:schemeClr>
+            </a:lnRef>
+            <a:fillRef idx="1">
+              <a:schemeClr val="dk1"/>
+            </a:fillRef>
+            <a:effectRef idx="0">
+              <a:schemeClr val="dk1"/>
+            </a:effectRef>
+            <a:fontRef idx="minor">
+              <a:schemeClr val="lt1"/>
+            </a:fontRef>
+          </p:style>
+          <p:txBody>
+            <a:bodyPr rtlCol="0" anchor="ctr"/>
+            <a:lstStyle/>
+            <a:p>
+              <a:pPr algn="ctr"/>
+              <a:endParaRPr lang="en-US"/>
+            </a:p>
+          </p:txBody>
+        </p:sp>
+        <p:sp>
+          <p:nvSpPr>
+            <p:cNvPr id="27" name="Oval 26"/>
+            <p:cNvSpPr/>
+            <p:nvPr/>
+          </p:nvSpPr>
+          <p:spPr>
+            <a:xfrm>
+              <a:off x="8757655" y="3023358"/>
+              <a:ext cx="228600" cy="228600"/>
+            </a:xfrm>
+            <a:prstGeom prst="ellipse">
+              <a:avLst/>
+            </a:prstGeom>
+          </p:spPr>
+          <p:style>
+            <a:lnRef idx="2">
+              <a:schemeClr val="dk1">
+                <a:shade val="50000"/>
+              </a:schemeClr>
+            </a:lnRef>
+            <a:fillRef idx="1">
+              <a:schemeClr val="dk1"/>
+            </a:fillRef>
+            <a:effectRef idx="0">
+              <a:schemeClr val="dk1"/>
+            </a:effectRef>
+            <a:fontRef idx="minor">
+              <a:schemeClr val="lt1"/>
+            </a:fontRef>
+          </p:style>
+          <p:txBody>
+            <a:bodyPr rtlCol="0" anchor="ctr"/>
+            <a:lstStyle/>
+            <a:p>
+              <a:pPr algn="ctr"/>
+              <a:endParaRPr lang="en-US"/>
+            </a:p>
+          </p:txBody>
+        </p:sp>
+        <p:sp>
+          <p:nvSpPr>
+            <p:cNvPr id="28" name="Oval 27"/>
+            <p:cNvSpPr/>
+            <p:nvPr/>
+          </p:nvSpPr>
+          <p:spPr>
+            <a:xfrm>
+              <a:off x="8642189" y="3535602"/>
+              <a:ext cx="228600" cy="228600"/>
+            </a:xfrm>
+            <a:prstGeom prst="ellipse">
+              <a:avLst/>
+            </a:prstGeom>
+          </p:spPr>
+          <p:style>
+            <a:lnRef idx="2">
+              <a:schemeClr val="dk1">
+                <a:shade val="50000"/>
+              </a:schemeClr>
+            </a:lnRef>
+            <a:fillRef idx="1">
+              <a:schemeClr val="dk1"/>
+            </a:fillRef>
+            <a:effectRef idx="0">
+              <a:schemeClr val="dk1"/>
+            </a:effectRef>
+            <a:fontRef idx="minor">
+              <a:schemeClr val="lt1"/>
+            </a:fontRef>
+          </p:style>
+          <p:txBody>
+            <a:bodyPr rtlCol="0" anchor="ctr"/>
+            <a:lstStyle/>
+            <a:p>
+              <a:pPr algn="ctr"/>
+              <a:endParaRPr lang="en-US"/>
+            </a:p>
+          </p:txBody>
+        </p:sp>
+        <p:sp>
+          <p:nvSpPr>
+            <p:cNvPr id="29" name="Oval 28"/>
+            <p:cNvSpPr/>
+            <p:nvPr/>
+          </p:nvSpPr>
+          <p:spPr>
+            <a:xfrm>
+              <a:off x="9005771" y="3386512"/>
+              <a:ext cx="228600" cy="228600"/>
+            </a:xfrm>
+            <a:prstGeom prst="ellipse">
+              <a:avLst/>
+            </a:prstGeom>
+          </p:spPr>
+          <p:style>
+            <a:lnRef idx="2">
+              <a:schemeClr val="dk1">
+                <a:shade val="50000"/>
+              </a:schemeClr>
+            </a:lnRef>
+            <a:fillRef idx="1">
+              <a:schemeClr val="dk1"/>
+            </a:fillRef>
+            <a:effectRef idx="0">
+              <a:schemeClr val="dk1"/>
+            </a:effectRef>
+            <a:fontRef idx="minor">
+              <a:schemeClr val="lt1"/>
+            </a:fontRef>
+          </p:style>
+          <p:txBody>
+            <a:bodyPr rtlCol="0" anchor="ctr"/>
+            <a:lstStyle/>
+            <a:p>
+              <a:pPr algn="ctr"/>
+              <a:endParaRPr lang="en-US"/>
+            </a:p>
+          </p:txBody>
+        </p:sp>
+        <p:sp>
+          <p:nvSpPr>
+            <p:cNvPr id="30" name="Oval 29"/>
+            <p:cNvSpPr/>
+            <p:nvPr/>
+          </p:nvSpPr>
+          <p:spPr>
+            <a:xfrm>
+              <a:off x="9302191" y="3728686"/>
+              <a:ext cx="228600" cy="228600"/>
+            </a:xfrm>
+            <a:prstGeom prst="ellipse">
+              <a:avLst/>
+            </a:prstGeom>
+          </p:spPr>
+          <p:style>
+            <a:lnRef idx="2">
+              <a:schemeClr val="dk1">
+                <a:shade val="50000"/>
+              </a:schemeClr>
+            </a:lnRef>
+            <a:fillRef idx="1">
+              <a:schemeClr val="dk1"/>
+            </a:fillRef>
+            <a:effectRef idx="0">
+              <a:schemeClr val="dk1"/>
+            </a:effectRef>
+            <a:fontRef idx="minor">
+              <a:schemeClr val="lt1"/>
+            </a:fontRef>
+          </p:style>
+          <p:txBody>
+            <a:bodyPr rtlCol="0" anchor="ctr"/>
+            <a:lstStyle/>
+            <a:p>
+              <a:pPr algn="ctr"/>
+              <a:endParaRPr lang="en-US"/>
+            </a:p>
+          </p:txBody>
+        </p:sp>
+        <p:sp>
+          <p:nvSpPr>
+            <p:cNvPr id="31" name="Oval 30"/>
+            <p:cNvSpPr/>
+            <p:nvPr/>
+          </p:nvSpPr>
+          <p:spPr>
+            <a:xfrm>
+              <a:off x="9511526" y="3302265"/>
+              <a:ext cx="228600" cy="228600"/>
+            </a:xfrm>
+            <a:prstGeom prst="ellipse">
+              <a:avLst/>
+            </a:prstGeom>
+          </p:spPr>
+          <p:style>
+            <a:lnRef idx="2">
+              <a:schemeClr val="dk1">
+                <a:shade val="50000"/>
+              </a:schemeClr>
+            </a:lnRef>
+            <a:fillRef idx="1">
+              <a:schemeClr val="dk1"/>
+            </a:fillRef>
+            <a:effectRef idx="0">
+              <a:schemeClr val="dk1"/>
+            </a:effectRef>
+            <a:fontRef idx="minor">
+              <a:schemeClr val="lt1"/>
+            </a:fontRef>
+          </p:style>
+          <p:txBody>
+            <a:bodyPr rtlCol="0" anchor="ctr"/>
+            <a:lstStyle/>
+            <a:p>
+              <a:pPr algn="ctr"/>
+              <a:endParaRPr lang="en-US"/>
+            </a:p>
+          </p:txBody>
+        </p:sp>
+        <p:sp>
+          <p:nvSpPr>
+            <p:cNvPr id="32" name="Oval 31"/>
+            <p:cNvSpPr/>
+            <p:nvPr/>
+          </p:nvSpPr>
+          <p:spPr>
+            <a:xfrm>
+              <a:off x="9728473" y="3628351"/>
+              <a:ext cx="228600" cy="228600"/>
+            </a:xfrm>
+            <a:prstGeom prst="ellipse">
+              <a:avLst/>
+            </a:prstGeom>
+          </p:spPr>
+          <p:style>
+            <a:lnRef idx="2">
+              <a:schemeClr val="dk1">
+                <a:shade val="50000"/>
+              </a:schemeClr>
+            </a:lnRef>
+            <a:fillRef idx="1">
+              <a:schemeClr val="dk1"/>
+            </a:fillRef>
+            <a:effectRef idx="0">
+              <a:schemeClr val="dk1"/>
+            </a:effectRef>
+            <a:fontRef idx="minor">
+              <a:schemeClr val="lt1"/>
+            </a:fontRef>
+          </p:style>
+          <p:txBody>
+            <a:bodyPr rtlCol="0" anchor="ctr"/>
+            <a:lstStyle/>
+            <a:p>
+              <a:pPr algn="ctr"/>
+              <a:endParaRPr lang="en-US"/>
+            </a:p>
+          </p:txBody>
+        </p:sp>
+      </p:grpSp>
+      <p:sp>
+        <p:nvSpPr>
+          <p:cNvPr id="8" name="Arc 7"/>
+          <p:cNvSpPr/>
+          <p:nvPr/>
+        </p:nvSpPr>
+        <p:spPr>
+          <a:xfrm flipH="1">
+            <a:off x="8474924" y="1919375"/>
+            <a:ext cx="2308303" cy="1527717"/>
+          </a:xfrm>
+          <a:prstGeom prst="arc">
+            <a:avLst>
+              <a:gd name="adj1" fmla="val 16020410"/>
+              <a:gd name="adj2" fmla="val 101610"/>
+            </a:avLst>
+          </a:prstGeom>
+          <a:ln w="28575"/>
+        </p:spPr>
+        <p:style>
+          <a:lnRef idx="1">
+            <a:schemeClr val="accent1"/>
+          </a:lnRef>
+          <a:fillRef idx="0">
+            <a:schemeClr val="accent1"/>
+          </a:fillRef>
+          <a:effectRef idx="0">
+            <a:schemeClr val="accent1"/>
+          </a:effectRef>
+          <a:fontRef idx="minor">
+            <a:schemeClr val="tx1"/>
+          </a:fontRef>
+        </p:style>
+        <p:txBody>
+          <a:bodyPr rtlCol="0" anchor="ctr"/>
+          <a:lstStyle/>
+          <a:p>
+            <a:pPr algn="ctr"/>
+            <a:endParaRPr lang="en-US"/>
+          </a:p>
+        </p:txBody>
+      </p:sp>
+    </p:spTree>
+    <p:extLst>
+      <p:ext uri="{BB962C8B-B14F-4D97-AF65-F5344CB8AC3E}">
+        <p14:creationId xmlns:p14="http://schemas.microsoft.com/office/powerpoint/2010/main" val="390174212"/>
+      </p:ext>
+    </p:extLst>
+  </p:cSld>
+  <p:clrMapOvr>
+    <a:masterClrMapping/>
+  </p:clrMapOvr>
+  <p:timing>
+    <p:tnLst>
+      <p:par>
+        <p:cTn id="1" dur="indefinite" restart="never" nodeType="tmRoot"/>
+      </p:par>
+    </p:tnLst>
+  </p:timing>
+</p:sld>
+</file>
+
+<file path=ppt/slides/slide33.xml><?xml version="1.0" encoding="utf-8"?>
+<p:sld xmlns:a="http://schemas.openxmlformats.org/drawingml/2006/main" xmlns:r="http://schemas.openxmlformats.org/officeDocument/2006/relationships" xmlns:p="http://schemas.openxmlformats.org/presentationml/2006/main">
+  <p:cSld>
+    <p:spTree>
+      <p:nvGrpSpPr>
+        <p:cNvPr id="1" name=""/>
+        <p:cNvGrpSpPr/>
+        <p:nvPr/>
+      </p:nvGrpSpPr>
+      <p:grpSpPr>
+        <a:xfrm>
+          <a:off x="0" y="0"/>
+          <a:ext cx="0" cy="0"/>
+          <a:chOff x="0" y="0"/>
+          <a:chExt cx="0" cy="0"/>
+        </a:xfrm>
+      </p:grpSpPr>
+      <p:sp>
+        <p:nvSpPr>
+          <p:cNvPr id="2" name="Title 1"/>
+          <p:cNvSpPr>
+            <a:spLocks noGrp="1"/>
+          </p:cNvSpPr>
+          <p:nvPr>
+            <p:ph type="title"/>
+          </p:nvPr>
+        </p:nvSpPr>
+        <p:spPr/>
+        <p:txBody>
+          <a:bodyPr/>
+          <a:lstStyle/>
+          <a:p>
+            <a:r>
+              <a:rPr lang="en-US" dirty="0" smtClean="0"/>
+              <a:t>3. What does zero mean in your model?</a:t>
+            </a:r>
+            <a:endParaRPr lang="en-US" dirty="0"/>
+          </a:p>
+        </p:txBody>
+      </p:sp>
+      <p:sp>
+        <p:nvSpPr>
+          <p:cNvPr id="3" name="Content Placeholder 2"/>
+          <p:cNvSpPr>
+            <a:spLocks noGrp="1"/>
+          </p:cNvSpPr>
+          <p:nvPr>
+            <p:ph idx="1"/>
+          </p:nvPr>
+        </p:nvSpPr>
+        <p:spPr/>
+        <p:txBody>
+          <a:bodyPr>
+            <a:normAutofit fontScale="70000" lnSpcReduction="20000"/>
+          </a:bodyPr>
+          <a:lstStyle/>
+          <a:p>
+            <a:pPr marL="0" indent="0">
+              <a:buNone/>
+            </a:pPr>
+            <a:r>
+              <a:rPr lang="en-US" b="1" u="sng" dirty="0" smtClean="0"/>
+              <a:t>Continuous Variables</a:t>
+            </a:r>
+          </a:p>
+          <a:p>
+            <a:r>
+              <a:rPr lang="en-US" dirty="0" smtClean="0"/>
+              <a:t>Do you have an interpretable zero in your independent variables:</a:t>
+            </a:r>
+          </a:p>
+          <a:p>
+            <a:pPr lvl="1"/>
+            <a:r>
+              <a:rPr lang="en-US" dirty="0" smtClean="0"/>
+              <a:t>Age versus Onset days (Age = 0 doesn’t make sense; Onset = 0 might).</a:t>
+            </a:r>
+          </a:p>
+          <a:p>
+            <a:pPr lvl="1"/>
+            <a:endParaRPr lang="en-US" dirty="0"/>
+          </a:p>
+          <a:p>
+            <a:r>
+              <a:rPr lang="en-US" dirty="0" smtClean="0"/>
+              <a:t>Have you mean-centered the variables in your model?</a:t>
+            </a:r>
+          </a:p>
+          <a:p>
+            <a:pPr lvl="1"/>
+            <a:r>
+              <a:rPr lang="en-US" dirty="0" smtClean="0"/>
+              <a:t>If all variables are mean-centered, you can interpret the effects of one variable “on average” across the other variables.</a:t>
+            </a:r>
+          </a:p>
+          <a:p>
+            <a:pPr lvl="1"/>
+            <a:endParaRPr lang="en-US" dirty="0"/>
+          </a:p>
+          <a:p>
+            <a:r>
+              <a:rPr lang="en-US" dirty="0" smtClean="0"/>
+              <a:t>Is there a separate value you want to center your variables on?</a:t>
+            </a:r>
+          </a:p>
+          <a:p>
+            <a:pPr lvl="1"/>
+            <a:r>
+              <a:rPr lang="en-US" dirty="0" smtClean="0"/>
+              <a:t>I.e., look at group differences at the end rather than beginning by making the terminal point the intercept.</a:t>
+            </a:r>
+          </a:p>
+          <a:p>
+            <a:endParaRPr lang="en-US" dirty="0"/>
+          </a:p>
+          <a:p>
+            <a:pPr marL="0" indent="0">
+              <a:buNone/>
+            </a:pPr>
+            <a:r>
+              <a:rPr lang="en-US" b="1" u="sng" dirty="0" smtClean="0"/>
+              <a:t>Categorical variables</a:t>
+            </a:r>
+            <a:r>
+              <a:rPr lang="en-US" dirty="0" smtClean="0"/>
+              <a:t>: </a:t>
+            </a:r>
+          </a:p>
+          <a:p>
+            <a:r>
+              <a:rPr lang="en-US" dirty="0" smtClean="0"/>
+              <a:t>Contrast coded versus dummy coded variables.</a:t>
+            </a:r>
+          </a:p>
+          <a:p>
+            <a:pPr lvl="1"/>
+            <a:r>
+              <a:rPr lang="en-US" dirty="0" smtClean="0"/>
+              <a:t>Contrast codes make zero the average, dummy codes make the reference group zero. </a:t>
+            </a:r>
+            <a:endParaRPr lang="en-US" dirty="0"/>
+          </a:p>
+        </p:txBody>
+      </p:sp>
+      <p:sp>
+        <p:nvSpPr>
+          <p:cNvPr id="4" name="Slide Number Placeholder 3"/>
+          <p:cNvSpPr>
+            <a:spLocks noGrp="1"/>
+          </p:cNvSpPr>
+          <p:nvPr>
+            <p:ph type="sldNum" sz="quarter" idx="12"/>
+          </p:nvPr>
+        </p:nvSpPr>
+        <p:spPr/>
+        <p:txBody>
+          <a:bodyPr/>
+          <a:lstStyle/>
+          <a:p>
+            <a:fld id="{62D33721-DFD7-43E1-85F9-9FD0AD2C3B28}" type="slidenum">
+              <a:rPr lang="en-US" smtClean="0"/>
+              <a:t>33</a:t>
+            </a:fld>
+            <a:endParaRPr lang="en-US"/>
+          </a:p>
+        </p:txBody>
+      </p:sp>
+    </p:spTree>
+    <p:extLst>
+      <p:ext uri="{BB962C8B-B14F-4D97-AF65-F5344CB8AC3E}">
+        <p14:creationId xmlns:p14="http://schemas.microsoft.com/office/powerpoint/2010/main" val="2997460945"/>
+      </p:ext>
+    </p:extLst>
+  </p:cSld>
+  <p:clrMapOvr>
+    <a:masterClrMapping/>
+  </p:clrMapOvr>
+</p:sld>
+</file>
+
+<file path=ppt/slides/slide34.xml><?xml version="1.0" encoding="utf-8"?>
+<p:sld xmlns:a="http://schemas.openxmlformats.org/drawingml/2006/main" xmlns:r="http://schemas.openxmlformats.org/officeDocument/2006/relationships" xmlns:p="http://schemas.openxmlformats.org/presentationml/2006/main">
+  <p:cSld>
+    <p:spTree>
+      <p:nvGrpSpPr>
+        <p:cNvPr id="1" name=""/>
+        <p:cNvGrpSpPr/>
+        <p:nvPr/>
+      </p:nvGrpSpPr>
+      <p:grpSpPr>
+        <a:xfrm>
+          <a:off x="0" y="0"/>
+          <a:ext cx="0" cy="0"/>
+          <a:chOff x="0" y="0"/>
+          <a:chExt cx="0" cy="0"/>
+        </a:xfrm>
+      </p:grpSpPr>
+      <p:sp>
+        <p:nvSpPr>
+          <p:cNvPr id="2" name="Title 1"/>
+          <p:cNvSpPr>
+            <a:spLocks noGrp="1"/>
+          </p:cNvSpPr>
+          <p:nvPr>
+            <p:ph type="title"/>
+          </p:nvPr>
+        </p:nvSpPr>
+        <p:spPr/>
+        <p:txBody>
+          <a:bodyPr/>
+          <a:lstStyle/>
+          <a:p>
+            <a:r>
+              <a:rPr lang="en-US" dirty="0" smtClean="0"/>
+              <a:t>4. Levels of measurement</a:t>
+            </a:r>
+            <a:endParaRPr lang="en-US" dirty="0"/>
+          </a:p>
+        </p:txBody>
+      </p:sp>
+      <p:sp>
+        <p:nvSpPr>
+          <p:cNvPr id="3" name="Content Placeholder 2"/>
+          <p:cNvSpPr>
+            <a:spLocks noGrp="1"/>
+          </p:cNvSpPr>
+          <p:nvPr>
+            <p:ph idx="1"/>
+          </p:nvPr>
+        </p:nvSpPr>
+        <p:spPr/>
+        <p:txBody>
+          <a:bodyPr/>
+          <a:lstStyle/>
+          <a:p>
+            <a:r>
+              <a:rPr lang="en-US" dirty="0" smtClean="0"/>
+              <a:t>Do you really have an interval level variable?</a:t>
+            </a:r>
+          </a:p>
+          <a:p>
+            <a:pPr lvl="1"/>
+            <a:r>
+              <a:rPr lang="en-US" dirty="0" smtClean="0"/>
+              <a:t>The errors that result from treating non-interval data as interval data actually get worse across time (e.g. FIM scores).</a:t>
+            </a:r>
+          </a:p>
+          <a:p>
+            <a:pPr lvl="2"/>
+            <a:r>
+              <a:rPr lang="en-US" dirty="0" smtClean="0"/>
+              <a:t>Especially anytime you break a scale into subscales! </a:t>
+            </a:r>
+          </a:p>
+          <a:p>
+            <a:pPr lvl="1"/>
+            <a:r>
+              <a:rPr lang="en-US" dirty="0" smtClean="0"/>
+              <a:t>Unequal differences in scale warp the shape of the time function.</a:t>
+            </a:r>
+          </a:p>
+          <a:p>
+            <a:pPr lvl="1"/>
+            <a:endParaRPr lang="en-US" dirty="0"/>
+          </a:p>
+          <a:p>
+            <a:r>
+              <a:rPr lang="en-US" dirty="0" smtClean="0"/>
+              <a:t>Look into </a:t>
+            </a:r>
+            <a:r>
+              <a:rPr lang="en-US" dirty="0" err="1" smtClean="0"/>
+              <a:t>Rasch</a:t>
+            </a:r>
+            <a:r>
+              <a:rPr lang="en-US" dirty="0" smtClean="0"/>
+              <a:t> Scaling as an approach to “</a:t>
+            </a:r>
+            <a:r>
+              <a:rPr lang="en-US" dirty="0" err="1" smtClean="0"/>
+              <a:t>intervalizing</a:t>
+            </a:r>
+            <a:r>
+              <a:rPr lang="en-US" dirty="0" smtClean="0"/>
+              <a:t>” ordinal data. </a:t>
+            </a:r>
+          </a:p>
+          <a:p>
+            <a:pPr lvl="1"/>
+            <a:r>
+              <a:rPr lang="en-US" dirty="0" smtClean="0"/>
+              <a:t>Pragmatically, check your residuals and the assumptions of the MLM. </a:t>
+            </a:r>
+          </a:p>
+          <a:p>
+            <a:endParaRPr lang="en-US" dirty="0" smtClean="0"/>
+          </a:p>
+          <a:p>
+            <a:endParaRPr lang="en-US" dirty="0"/>
+          </a:p>
+          <a:p>
+            <a:endParaRPr lang="en-US" dirty="0"/>
+          </a:p>
+        </p:txBody>
+      </p:sp>
+      <p:sp>
+        <p:nvSpPr>
+          <p:cNvPr id="4" name="Slide Number Placeholder 3"/>
+          <p:cNvSpPr>
+            <a:spLocks noGrp="1"/>
+          </p:cNvSpPr>
+          <p:nvPr>
+            <p:ph type="sldNum" sz="quarter" idx="12"/>
+          </p:nvPr>
+        </p:nvSpPr>
+        <p:spPr/>
+        <p:txBody>
+          <a:bodyPr/>
+          <a:lstStyle/>
+          <a:p>
+            <a:fld id="{62D33721-DFD7-43E1-85F9-9FD0AD2C3B28}" type="slidenum">
+              <a:rPr lang="en-US" smtClean="0"/>
+              <a:t>34</a:t>
+            </a:fld>
+            <a:endParaRPr lang="en-US"/>
+          </a:p>
+        </p:txBody>
+      </p:sp>
+    </p:spTree>
+    <p:extLst>
+      <p:ext uri="{BB962C8B-B14F-4D97-AF65-F5344CB8AC3E}">
+        <p14:creationId xmlns:p14="http://schemas.microsoft.com/office/powerpoint/2010/main" val="4113590244"/>
+      </p:ext>
+    </p:extLst>
+  </p:cSld>
+  <p:clrMapOvr>
+    <a:masterClrMapping/>
+  </p:clrMapOvr>
+</p:sld>
+</file>
+
+<file path=ppt/slides/slide35.xml><?xml version="1.0" encoding="utf-8"?>
+<p:sld xmlns:a="http://schemas.openxmlformats.org/drawingml/2006/main" xmlns:r="http://schemas.openxmlformats.org/officeDocument/2006/relationships" xmlns:p="http://schemas.openxmlformats.org/presentationml/2006/main">
+  <p:cSld>
+    <p:spTree>
+      <p:nvGrpSpPr>
+        <p:cNvPr id="1" name=""/>
+        <p:cNvGrpSpPr/>
+        <p:nvPr/>
+      </p:nvGrpSpPr>
+      <p:grpSpPr>
+        <a:xfrm>
+          <a:off x="0" y="0"/>
+          <a:ext cx="0" cy="0"/>
+          <a:chOff x="0" y="0"/>
+          <a:chExt cx="0" cy="0"/>
+        </a:xfrm>
+      </p:grpSpPr>
+      <p:sp>
+        <p:nvSpPr>
+          <p:cNvPr id="2" name="Title 1"/>
+          <p:cNvSpPr>
+            <a:spLocks noGrp="1"/>
+          </p:cNvSpPr>
+          <p:nvPr>
+            <p:ph type="title"/>
+          </p:nvPr>
+        </p:nvSpPr>
+        <p:spPr/>
+        <p:txBody>
+          <a:bodyPr/>
+          <a:lstStyle/>
+          <a:p>
+            <a:r>
+              <a:rPr lang="en-US" dirty="0" smtClean="0"/>
+              <a:t>5. What effects are you interested in?</a:t>
+            </a:r>
+            <a:endParaRPr lang="en-US" dirty="0"/>
+          </a:p>
+        </p:txBody>
+      </p:sp>
+      <p:sp>
+        <p:nvSpPr>
+          <p:cNvPr id="4" name="Slide Number Placeholder 3"/>
+          <p:cNvSpPr>
+            <a:spLocks noGrp="1"/>
+          </p:cNvSpPr>
+          <p:nvPr>
+            <p:ph type="sldNum" sz="quarter" idx="12"/>
+          </p:nvPr>
+        </p:nvSpPr>
+        <p:spPr/>
+        <p:txBody>
+          <a:bodyPr/>
+          <a:lstStyle/>
+          <a:p>
+            <a:fld id="{62D33721-DFD7-43E1-85F9-9FD0AD2C3B28}" type="slidenum">
+              <a:rPr lang="en-US" smtClean="0"/>
+              <a:t>35</a:t>
+            </a:fld>
+            <a:endParaRPr lang="en-US"/>
+          </a:p>
+        </p:txBody>
+      </p:sp>
+      <p:sp>
+        <p:nvSpPr>
+          <p:cNvPr id="5" name="Rounded Rectangle 4"/>
+          <p:cNvSpPr/>
+          <p:nvPr/>
+        </p:nvSpPr>
+        <p:spPr>
+          <a:xfrm>
+            <a:off x="624469" y="2382064"/>
+            <a:ext cx="1561170" cy="506102"/>
+          </a:xfrm>
+          <a:prstGeom prst="roundRect">
+            <a:avLst/>
+          </a:prstGeom>
+        </p:spPr>
+        <p:style>
+          <a:lnRef idx="2">
+            <a:schemeClr val="accent1">
+              <a:shade val="50000"/>
+            </a:schemeClr>
+          </a:lnRef>
+          <a:fillRef idx="1">
+            <a:schemeClr val="accent1"/>
+          </a:fillRef>
+          <a:effectRef idx="0">
+            <a:schemeClr val="accent1"/>
+          </a:effectRef>
+          <a:fontRef idx="minor">
+            <a:schemeClr val="lt1"/>
+          </a:fontRef>
+        </p:style>
+        <p:txBody>
+          <a:bodyPr rtlCol="0" anchor="ctr"/>
+          <a:lstStyle/>
+          <a:p>
+            <a:pPr algn="ctr"/>
+            <a:r>
+              <a:rPr lang="en-US" dirty="0" smtClean="0"/>
+              <a:t>Person Level</a:t>
+            </a:r>
+            <a:endParaRPr lang="en-US" dirty="0"/>
+          </a:p>
+        </p:txBody>
+      </p:sp>
+      <p:sp>
+        <p:nvSpPr>
+          <p:cNvPr id="6" name="Rounded Rectangle 5"/>
+          <p:cNvSpPr/>
+          <p:nvPr/>
+        </p:nvSpPr>
+        <p:spPr>
+          <a:xfrm>
+            <a:off x="624469" y="4534249"/>
+            <a:ext cx="1561170" cy="506102"/>
+          </a:xfrm>
+          <a:prstGeom prst="roundRect">
+            <a:avLst/>
+          </a:prstGeom>
+        </p:spPr>
+        <p:style>
+          <a:lnRef idx="2">
+            <a:schemeClr val="accent1">
+              <a:shade val="50000"/>
+            </a:schemeClr>
+          </a:lnRef>
+          <a:fillRef idx="1">
+            <a:schemeClr val="accent1"/>
+          </a:fillRef>
+          <a:effectRef idx="0">
+            <a:schemeClr val="accent1"/>
+          </a:effectRef>
+          <a:fontRef idx="minor">
+            <a:schemeClr val="lt1"/>
+          </a:fontRef>
+        </p:style>
+        <p:txBody>
+          <a:bodyPr rtlCol="0" anchor="ctr"/>
+          <a:lstStyle/>
+          <a:p>
+            <a:pPr algn="ctr"/>
+            <a:r>
+              <a:rPr lang="en-US" dirty="0" smtClean="0"/>
+              <a:t>Time Level</a:t>
+            </a:r>
+            <a:endParaRPr lang="en-US" dirty="0"/>
+          </a:p>
+        </p:txBody>
+      </p:sp>
+      <p:sp>
+        <p:nvSpPr>
+          <p:cNvPr id="8" name="TextBox 7"/>
+          <p:cNvSpPr txBox="1"/>
+          <p:nvPr/>
+        </p:nvSpPr>
+        <p:spPr>
+          <a:xfrm>
+            <a:off x="1300397" y="2967439"/>
+            <a:ext cx="885242" cy="646331"/>
+          </a:xfrm>
+          <a:prstGeom prst="rect">
+            <a:avLst/>
+          </a:prstGeom>
+          <a:noFill/>
+        </p:spPr>
+        <p:txBody>
+          <a:bodyPr wrap="none" rtlCol="0">
+            <a:spAutoFit/>
+          </a:bodyPr>
+          <a:lstStyle/>
+          <a:p>
+            <a:pPr algn="r"/>
+            <a:r>
+              <a:rPr lang="en-US" dirty="0" smtClean="0"/>
+              <a:t>Gender</a:t>
+            </a:r>
+          </a:p>
+          <a:p>
+            <a:pPr algn="r"/>
+            <a:r>
+              <a:rPr lang="en-US" dirty="0" smtClean="0"/>
+              <a:t>Age</a:t>
+            </a:r>
+            <a:endParaRPr lang="en-US" dirty="0"/>
+          </a:p>
+        </p:txBody>
+      </p:sp>
+      <p:sp>
+        <p:nvSpPr>
+          <p:cNvPr id="9" name="TextBox 8"/>
+          <p:cNvSpPr txBox="1"/>
+          <p:nvPr/>
+        </p:nvSpPr>
+        <p:spPr>
+          <a:xfrm>
+            <a:off x="788333" y="5040351"/>
+            <a:ext cx="1397306" cy="646331"/>
+          </a:xfrm>
+          <a:prstGeom prst="rect">
+            <a:avLst/>
+          </a:prstGeom>
+          <a:noFill/>
+        </p:spPr>
+        <p:txBody>
+          <a:bodyPr wrap="none" rtlCol="0">
+            <a:spAutoFit/>
+          </a:bodyPr>
+          <a:lstStyle/>
+          <a:p>
+            <a:pPr algn="r"/>
+            <a:r>
+              <a:rPr lang="en-US" dirty="0" smtClean="0"/>
+              <a:t>Linear Effect </a:t>
+            </a:r>
+          </a:p>
+          <a:p>
+            <a:pPr algn="r"/>
+            <a:r>
+              <a:rPr lang="en-US" dirty="0" smtClean="0"/>
+              <a:t>of Time</a:t>
+            </a:r>
+          </a:p>
+        </p:txBody>
+      </p:sp>
+      <p:sp>
+        <p:nvSpPr>
+          <p:cNvPr id="10" name="TextBox 9"/>
+          <p:cNvSpPr txBox="1"/>
+          <p:nvPr/>
+        </p:nvSpPr>
+        <p:spPr>
+          <a:xfrm>
+            <a:off x="2712947" y="1851710"/>
+            <a:ext cx="2049920" cy="369332"/>
+          </a:xfrm>
+          <a:prstGeom prst="rect">
+            <a:avLst/>
+          </a:prstGeom>
+          <a:noFill/>
+        </p:spPr>
+        <p:txBody>
+          <a:bodyPr wrap="none" rtlCol="0">
+            <a:spAutoFit/>
+          </a:bodyPr>
+          <a:lstStyle/>
+          <a:p>
+            <a:r>
+              <a:rPr lang="en-US" b="1" u="sng" dirty="0" smtClean="0"/>
+              <a:t>Main Effect of Time</a:t>
+            </a:r>
+            <a:endParaRPr lang="en-US" b="1" u="sng" dirty="0"/>
+          </a:p>
+        </p:txBody>
+      </p:sp>
+      <p:cxnSp>
+        <p:nvCxnSpPr>
+          <p:cNvPr id="12" name="Straight Connector 11"/>
+          <p:cNvCxnSpPr/>
+          <p:nvPr/>
+        </p:nvCxnSpPr>
+        <p:spPr>
+          <a:xfrm flipV="1">
+            <a:off x="2882233" y="3414830"/>
+            <a:ext cx="1672683" cy="833785"/>
+          </a:xfrm>
+          <a:prstGeom prst="line">
+            <a:avLst/>
+          </a:prstGeom>
+          <a:ln w="28575"/>
+        </p:spPr>
+        <p:style>
+          <a:lnRef idx="1">
+            <a:schemeClr val="accent1"/>
+          </a:lnRef>
+          <a:fillRef idx="0">
+            <a:schemeClr val="accent1"/>
+          </a:fillRef>
+          <a:effectRef idx="0">
+            <a:schemeClr val="accent1"/>
+          </a:effectRef>
+          <a:fontRef idx="minor">
+            <a:schemeClr val="tx1"/>
+          </a:fontRef>
+        </p:style>
+      </p:cxnSp>
+      <p:sp>
+        <p:nvSpPr>
+          <p:cNvPr id="13" name="TextBox 12"/>
+          <p:cNvSpPr txBox="1"/>
+          <p:nvPr/>
+        </p:nvSpPr>
+        <p:spPr>
+          <a:xfrm>
+            <a:off x="5071040" y="1826524"/>
+            <a:ext cx="2799164" cy="369332"/>
+          </a:xfrm>
+          <a:prstGeom prst="rect">
+            <a:avLst/>
+          </a:prstGeom>
+          <a:noFill/>
+        </p:spPr>
+        <p:txBody>
+          <a:bodyPr wrap="none" rtlCol="0">
+            <a:spAutoFit/>
+          </a:bodyPr>
+          <a:lstStyle/>
+          <a:p>
+            <a:r>
+              <a:rPr lang="en-US" b="1" u="sng" dirty="0" smtClean="0"/>
+              <a:t>Time by Gender Interaction</a:t>
+            </a:r>
+            <a:endParaRPr lang="en-US" b="1" u="sng" dirty="0"/>
+          </a:p>
+        </p:txBody>
+      </p:sp>
+      <p:cxnSp>
+        <p:nvCxnSpPr>
+          <p:cNvPr id="14" name="Straight Connector 13"/>
+          <p:cNvCxnSpPr/>
+          <p:nvPr/>
+        </p:nvCxnSpPr>
+        <p:spPr>
+          <a:xfrm flipV="1">
+            <a:off x="5655167" y="3414829"/>
+            <a:ext cx="1672683" cy="833785"/>
+          </a:xfrm>
+          <a:prstGeom prst="line">
+            <a:avLst/>
+          </a:prstGeom>
+          <a:ln w="28575"/>
+        </p:spPr>
+        <p:style>
+          <a:lnRef idx="1">
+            <a:schemeClr val="accent1"/>
+          </a:lnRef>
+          <a:fillRef idx="0">
+            <a:schemeClr val="accent1"/>
+          </a:fillRef>
+          <a:effectRef idx="0">
+            <a:schemeClr val="accent1"/>
+          </a:effectRef>
+          <a:fontRef idx="minor">
+            <a:schemeClr val="tx1"/>
+          </a:fontRef>
+        </p:style>
+      </p:cxnSp>
+      <p:cxnSp>
+        <p:nvCxnSpPr>
+          <p:cNvPr id="15" name="Straight Connector 14"/>
+          <p:cNvCxnSpPr/>
+          <p:nvPr/>
+        </p:nvCxnSpPr>
+        <p:spPr>
+          <a:xfrm flipV="1">
+            <a:off x="5655167" y="3831721"/>
+            <a:ext cx="1672683" cy="249625"/>
+          </a:xfrm>
+          <a:prstGeom prst="line">
+            <a:avLst/>
+          </a:prstGeom>
+          <a:ln w="28575"/>
+        </p:spPr>
+        <p:style>
+          <a:lnRef idx="1">
+            <a:schemeClr val="dk1"/>
+          </a:lnRef>
+          <a:fillRef idx="0">
+            <a:schemeClr val="dk1"/>
+          </a:fillRef>
+          <a:effectRef idx="0">
+            <a:schemeClr val="dk1"/>
+          </a:effectRef>
+          <a:fontRef idx="minor">
+            <a:schemeClr val="tx1"/>
+          </a:fontRef>
+        </p:style>
+      </p:cxnSp>
+      <p:sp>
+        <p:nvSpPr>
+          <p:cNvPr id="18" name="TextBox 17"/>
+          <p:cNvSpPr txBox="1"/>
+          <p:nvPr/>
+        </p:nvSpPr>
+        <p:spPr>
+          <a:xfrm>
+            <a:off x="8290025" y="1826524"/>
+            <a:ext cx="2453620" cy="369332"/>
+          </a:xfrm>
+          <a:prstGeom prst="rect">
+            <a:avLst/>
+          </a:prstGeom>
+          <a:noFill/>
+        </p:spPr>
+        <p:txBody>
+          <a:bodyPr wrap="none" rtlCol="0">
+            <a:spAutoFit/>
+          </a:bodyPr>
+          <a:lstStyle/>
+          <a:p>
+            <a:r>
+              <a:rPr lang="en-US" b="1" u="sng" dirty="0" smtClean="0"/>
+              <a:t>Time by Age Interaction</a:t>
+            </a:r>
+            <a:endParaRPr lang="en-US" b="1" u="sng" dirty="0"/>
+          </a:p>
+        </p:txBody>
+      </p:sp>
+      <p:cxnSp>
+        <p:nvCxnSpPr>
+          <p:cNvPr id="19" name="Straight Connector 18"/>
+          <p:cNvCxnSpPr/>
+          <p:nvPr/>
+        </p:nvCxnSpPr>
+        <p:spPr>
+          <a:xfrm flipV="1">
+            <a:off x="8952970" y="3414828"/>
+            <a:ext cx="1371600" cy="833785"/>
+          </a:xfrm>
+          <a:prstGeom prst="line">
+            <a:avLst/>
+          </a:prstGeom>
+          <a:ln w="28575"/>
+        </p:spPr>
+        <p:style>
+          <a:lnRef idx="1">
+            <a:schemeClr val="accent1"/>
+          </a:lnRef>
+          <a:fillRef idx="0">
+            <a:schemeClr val="accent1"/>
+          </a:fillRef>
+          <a:effectRef idx="0">
+            <a:schemeClr val="accent1"/>
+          </a:effectRef>
+          <a:fontRef idx="minor">
+            <a:schemeClr val="tx1"/>
+          </a:fontRef>
+        </p:style>
+      </p:cxnSp>
+      <p:cxnSp>
+        <p:nvCxnSpPr>
+          <p:cNvPr id="20" name="Straight Connector 19"/>
+          <p:cNvCxnSpPr/>
+          <p:nvPr/>
+        </p:nvCxnSpPr>
+        <p:spPr>
+          <a:xfrm flipV="1">
+            <a:off x="8952970" y="3956533"/>
+            <a:ext cx="1554480" cy="292082"/>
+          </a:xfrm>
+          <a:prstGeom prst="line">
+            <a:avLst/>
+          </a:prstGeom>
+          <a:ln w="28575"/>
+        </p:spPr>
+        <p:style>
+          <a:lnRef idx="1">
+            <a:schemeClr val="accent2"/>
+          </a:lnRef>
+          <a:fillRef idx="0">
+            <a:schemeClr val="accent2"/>
+          </a:fillRef>
+          <a:effectRef idx="0">
+            <a:schemeClr val="accent2"/>
+          </a:effectRef>
+          <a:fontRef idx="minor">
+            <a:schemeClr val="tx1"/>
+          </a:fontRef>
+        </p:style>
+      </p:cxnSp>
+      <p:cxnSp>
+        <p:nvCxnSpPr>
+          <p:cNvPr id="23" name="Straight Connector 22"/>
+          <p:cNvCxnSpPr/>
+          <p:nvPr/>
+        </p:nvCxnSpPr>
+        <p:spPr>
+          <a:xfrm flipV="1">
+            <a:off x="8952970" y="3733587"/>
+            <a:ext cx="1463040" cy="515028"/>
+          </a:xfrm>
+          <a:prstGeom prst="line">
+            <a:avLst/>
+          </a:prstGeom>
+          <a:ln w="28575">
+            <a:solidFill>
+              <a:schemeClr val="tx1"/>
+            </a:solidFill>
+          </a:ln>
+        </p:spPr>
+        <p:style>
+          <a:lnRef idx="1">
+            <a:schemeClr val="accent1"/>
+          </a:lnRef>
+          <a:fillRef idx="0">
+            <a:schemeClr val="accent1"/>
+          </a:fillRef>
+          <a:effectRef idx="0">
+            <a:schemeClr val="accent1"/>
+          </a:effectRef>
+          <a:fontRef idx="minor">
+            <a:schemeClr val="tx1"/>
+          </a:fontRef>
+        </p:style>
+      </p:cxnSp>
+      <p:cxnSp>
+        <p:nvCxnSpPr>
+          <p:cNvPr id="26" name="Straight Connector 25"/>
+          <p:cNvCxnSpPr/>
+          <p:nvPr/>
+        </p:nvCxnSpPr>
+        <p:spPr>
+          <a:xfrm flipV="1">
+            <a:off x="8952970" y="2967439"/>
+            <a:ext cx="897942" cy="1295416"/>
+          </a:xfrm>
+          <a:prstGeom prst="line">
+            <a:avLst/>
+          </a:prstGeom>
+          <a:ln w="28575">
+            <a:solidFill>
+              <a:schemeClr val="accent6"/>
+            </a:solidFill>
+          </a:ln>
+        </p:spPr>
+        <p:style>
+          <a:lnRef idx="1">
+            <a:schemeClr val="accent1"/>
+          </a:lnRef>
+          <a:fillRef idx="0">
+            <a:schemeClr val="accent1"/>
+          </a:fillRef>
+          <a:effectRef idx="0">
+            <a:schemeClr val="accent1"/>
+          </a:effectRef>
+          <a:fontRef idx="minor">
+            <a:schemeClr val="tx1"/>
+          </a:fontRef>
+        </p:style>
+      </p:cxnSp>
+      <p:cxnSp>
+        <p:nvCxnSpPr>
+          <p:cNvPr id="32" name="Straight Connector 31"/>
+          <p:cNvCxnSpPr/>
+          <p:nvPr/>
+        </p:nvCxnSpPr>
+        <p:spPr>
+          <a:xfrm flipV="1">
+            <a:off x="8952970" y="3192223"/>
+            <a:ext cx="1190535" cy="1056390"/>
+          </a:xfrm>
+          <a:prstGeom prst="line">
+            <a:avLst/>
+          </a:prstGeom>
+          <a:ln w="28575">
+            <a:solidFill>
+              <a:srgbClr val="7030A0"/>
+            </a:solidFill>
+          </a:ln>
+        </p:spPr>
+        <p:style>
+          <a:lnRef idx="1">
+            <a:schemeClr val="accent1"/>
+          </a:lnRef>
+          <a:fillRef idx="0">
+            <a:schemeClr val="accent1"/>
+          </a:fillRef>
+          <a:effectRef idx="0">
+            <a:schemeClr val="accent1"/>
+          </a:effectRef>
+          <a:fontRef idx="minor">
+            <a:schemeClr val="tx1"/>
+          </a:fontRef>
+        </p:style>
+      </p:cxnSp>
+      <p:sp>
+        <p:nvSpPr>
+          <p:cNvPr id="43" name="TextBox 42"/>
+          <p:cNvSpPr txBox="1"/>
+          <p:nvPr/>
+        </p:nvSpPr>
+        <p:spPr>
+          <a:xfrm>
+            <a:off x="624469" y="5805509"/>
+            <a:ext cx="10119176" cy="646331"/>
+          </a:xfrm>
+          <a:prstGeom prst="rect">
+            <a:avLst/>
+          </a:prstGeom>
+          <a:noFill/>
+        </p:spPr>
+        <p:txBody>
+          <a:bodyPr wrap="square" rtlCol="0">
+            <a:spAutoFit/>
+          </a:bodyPr>
+          <a:lstStyle/>
+          <a:p>
+            <a:pPr marL="285750" indent="-285750">
+              <a:buFont typeface="Arial" panose="020B0604020202020204" pitchFamily="34" charset="0"/>
+              <a:buChar char="•"/>
+            </a:pPr>
+            <a:r>
+              <a:rPr lang="en-US" dirty="0" smtClean="0"/>
+              <a:t>Often, we are interested in interactions between the person-level and the time-level, but we can also test main-effects and interactions within the person-level or within the time-level!</a:t>
+            </a:r>
+            <a:endParaRPr lang="en-US" dirty="0"/>
+          </a:p>
+        </p:txBody>
+      </p:sp>
+    </p:spTree>
+    <p:extLst>
+      <p:ext uri="{BB962C8B-B14F-4D97-AF65-F5344CB8AC3E}">
+        <p14:creationId xmlns:p14="http://schemas.microsoft.com/office/powerpoint/2010/main" val="3878695561"/>
+      </p:ext>
+    </p:extLst>
+  </p:cSld>
+  <p:clrMapOvr>
+    <a:masterClrMapping/>
+  </p:clrMapOvr>
+  <p:timing>
+    <p:tnLst>
+      <p:par>
+        <p:cTn id="1" dur="indefinite" restart="never" nodeType="tmRoot"/>
+      </p:par>
+    </p:tnLst>
+  </p:timing>
+</p:sld>
+</file>
+
+<file path=ppt/slides/slide36.xml><?xml version="1.0" encoding="utf-8"?>
+<p:sld xmlns:a="http://schemas.openxmlformats.org/drawingml/2006/main" xmlns:r="http://schemas.openxmlformats.org/officeDocument/2006/relationships" xmlns:p="http://schemas.openxmlformats.org/presentationml/2006/main">
+  <p:cSld>
+    <p:spTree>
+      <p:nvGrpSpPr>
+        <p:cNvPr id="1" name=""/>
+        <p:cNvGrpSpPr/>
+        <p:nvPr/>
+      </p:nvGrpSpPr>
+      <p:grpSpPr>
+        <a:xfrm>
+          <a:off x="0" y="0"/>
+          <a:ext cx="0" cy="0"/>
+          <a:chOff x="0" y="0"/>
+          <a:chExt cx="0" cy="0"/>
+        </a:xfrm>
+      </p:grpSpPr>
+      <p:sp>
+        <p:nvSpPr>
+          <p:cNvPr id="2" name="Title 1"/>
+          <p:cNvSpPr>
+            <a:spLocks noGrp="1"/>
+          </p:cNvSpPr>
+          <p:nvPr>
+            <p:ph type="title"/>
+          </p:nvPr>
+        </p:nvSpPr>
+        <p:spPr/>
+        <p:txBody>
+          <a:bodyPr/>
+          <a:lstStyle/>
+          <a:p>
+            <a:r>
+              <a:rPr lang="en-US" dirty="0"/>
+              <a:t>6</a:t>
+            </a:r>
+            <a:r>
+              <a:rPr lang="en-US" dirty="0" smtClean="0"/>
+              <a:t>. How do I compare between models?</a:t>
+            </a:r>
+            <a:endParaRPr lang="en-US" dirty="0"/>
+          </a:p>
+        </p:txBody>
+      </p:sp>
+      <p:sp>
+        <p:nvSpPr>
+          <p:cNvPr id="3" name="Content Placeholder 2"/>
+          <p:cNvSpPr>
+            <a:spLocks noGrp="1"/>
+          </p:cNvSpPr>
+          <p:nvPr>
+            <p:ph idx="1"/>
+          </p:nvPr>
+        </p:nvSpPr>
+        <p:spPr/>
+        <p:txBody>
+          <a:bodyPr>
+            <a:normAutofit fontScale="92500" lnSpcReduction="20000"/>
+          </a:bodyPr>
+          <a:lstStyle/>
+          <a:p>
+            <a:r>
+              <a:rPr lang="en-US" dirty="0" smtClean="0"/>
+              <a:t>Models can have different methods of estimation in order to fit their parameters:</a:t>
+            </a:r>
+          </a:p>
+          <a:p>
+            <a:pPr lvl="1"/>
+            <a:r>
+              <a:rPr lang="en-US" dirty="0" smtClean="0"/>
+              <a:t>ML – maximum likelihood estimation.</a:t>
+            </a:r>
+          </a:p>
+          <a:p>
+            <a:pPr lvl="1"/>
+            <a:r>
+              <a:rPr lang="en-US" dirty="0" smtClean="0"/>
+              <a:t>REML – restricted maximum likelihood estimation.</a:t>
+            </a:r>
+          </a:p>
+          <a:p>
+            <a:endParaRPr lang="en-US" dirty="0"/>
+          </a:p>
+          <a:p>
+            <a:r>
+              <a:rPr lang="en-US" dirty="0" smtClean="0"/>
+              <a:t>Often we prefer ML to REML because it allows us to compare nested models using likelihood based methods like the change in deviance or the </a:t>
+            </a:r>
+            <a:r>
+              <a:rPr lang="en-US" dirty="0" err="1" smtClean="0"/>
+              <a:t>Akaike</a:t>
+            </a:r>
+            <a:r>
+              <a:rPr lang="en-US" dirty="0" smtClean="0"/>
+              <a:t> Information Criterion (AIC). </a:t>
+            </a:r>
+          </a:p>
+          <a:p>
+            <a:pPr lvl="1"/>
+            <a:r>
+              <a:rPr lang="en-US" dirty="0" smtClean="0"/>
+              <a:t>Deviance is a measure of the amount of error in a model, so lower deviance means a better model.</a:t>
+            </a:r>
+          </a:p>
+          <a:p>
+            <a:pPr lvl="2"/>
+            <a:r>
+              <a:rPr lang="en-US" dirty="0" smtClean="0"/>
+              <a:t>This can be tested statistically with the Wald Test of the change in deviance. </a:t>
+            </a:r>
+          </a:p>
+          <a:p>
+            <a:pPr lvl="1"/>
+            <a:r>
+              <a:rPr lang="en-US" dirty="0" smtClean="0"/>
+              <a:t>AIC is also a measure of error in a model, so lower AIC means a better model.</a:t>
+            </a:r>
+          </a:p>
+          <a:p>
+            <a:pPr lvl="2"/>
+            <a:r>
+              <a:rPr lang="en-US" dirty="0" smtClean="0"/>
+              <a:t>However, the AIC also introduces a penalty for the number of parameters in a model. This makes the AIC more conservative and helps prevent “over-fitting” of the model.</a:t>
+            </a:r>
+            <a:endParaRPr lang="en-US" dirty="0"/>
+          </a:p>
+        </p:txBody>
+      </p:sp>
+      <p:sp>
+        <p:nvSpPr>
+          <p:cNvPr id="4" name="Slide Number Placeholder 3"/>
+          <p:cNvSpPr>
+            <a:spLocks noGrp="1"/>
+          </p:cNvSpPr>
+          <p:nvPr>
+            <p:ph type="sldNum" sz="quarter" idx="12"/>
+          </p:nvPr>
+        </p:nvSpPr>
+        <p:spPr/>
+        <p:txBody>
+          <a:bodyPr/>
+          <a:lstStyle/>
+          <a:p>
+            <a:fld id="{62D33721-DFD7-43E1-85F9-9FD0AD2C3B28}" type="slidenum">
+              <a:rPr lang="en-US" smtClean="0"/>
+              <a:t>36</a:t>
+            </a:fld>
+            <a:endParaRPr lang="en-US"/>
+          </a:p>
+        </p:txBody>
+      </p:sp>
+    </p:spTree>
+    <p:extLst>
+      <p:ext uri="{BB962C8B-B14F-4D97-AF65-F5344CB8AC3E}">
+        <p14:creationId xmlns:p14="http://schemas.microsoft.com/office/powerpoint/2010/main" val="2582086149"/>
+      </p:ext>
+    </p:extLst>
+  </p:cSld>
+  <p:clrMapOvr>
+    <a:masterClrMapping/>
+  </p:clrMapOvr>
+  <p:timing>
+    <p:tnLst>
+      <p:par>
+        <p:cTn id="1" dur="indefinite" restart="never" nodeType="tmRoot"/>
+      </p:par>
+    </p:tnLst>
+  </p:timing>
+</p:sld>
+</file>
+
+<file path=ppt/slides/slide37.xml><?xml version="1.0" encoding="utf-8"?>
+<p:sld xmlns:a="http://schemas.openxmlformats.org/drawingml/2006/main" xmlns:r="http://schemas.openxmlformats.org/officeDocument/2006/relationships" xmlns:p="http://schemas.openxmlformats.org/presentationml/2006/main">
+  <p:cSld>
+    <p:spTree>
+      <p:nvGrpSpPr>
+        <p:cNvPr id="1" name=""/>
+        <p:cNvGrpSpPr/>
+        <p:nvPr/>
+      </p:nvGrpSpPr>
+      <p:grpSpPr>
+        <a:xfrm>
+          <a:off x="0" y="0"/>
+          <a:ext cx="0" cy="0"/>
+          <a:chOff x="0" y="0"/>
+          <a:chExt cx="0" cy="0"/>
+        </a:xfrm>
+      </p:grpSpPr>
+      <p:sp>
+        <p:nvSpPr>
+          <p:cNvPr id="2" name="Title 1"/>
+          <p:cNvSpPr>
+            <a:spLocks noGrp="1"/>
+          </p:cNvSpPr>
+          <p:nvPr>
+            <p:ph type="title"/>
+          </p:nvPr>
+        </p:nvSpPr>
+        <p:spPr/>
+        <p:txBody>
+          <a:bodyPr/>
+          <a:lstStyle/>
+          <a:p>
+            <a:r>
+              <a:rPr lang="en-US" dirty="0"/>
+              <a:t>7</a:t>
+            </a:r>
+            <a:r>
+              <a:rPr lang="en-US" dirty="0" smtClean="0"/>
+              <a:t>. How do I statistically power a longitudinal study?</a:t>
+            </a:r>
+            <a:endParaRPr lang="en-US" dirty="0"/>
+          </a:p>
+        </p:txBody>
+      </p:sp>
+      <p:sp>
+        <p:nvSpPr>
+          <p:cNvPr id="3" name="Content Placeholder 2"/>
+          <p:cNvSpPr>
+            <a:spLocks noGrp="1"/>
+          </p:cNvSpPr>
+          <p:nvPr>
+            <p:ph idx="1"/>
+          </p:nvPr>
+        </p:nvSpPr>
+        <p:spPr>
+          <a:xfrm>
+            <a:off x="838200" y="1859078"/>
+            <a:ext cx="10515600" cy="4351338"/>
+          </a:xfrm>
+        </p:spPr>
+        <p:txBody>
+          <a:bodyPr>
+            <a:normAutofit fontScale="85000" lnSpcReduction="20000"/>
+          </a:bodyPr>
+          <a:lstStyle/>
+          <a:p>
+            <a:r>
+              <a:rPr lang="en-US" dirty="0" smtClean="0"/>
+              <a:t>Statistical power for multi-level models gets pretty complicated, so it is highly recommended that you talk to a statistical consultant. In preparation for that meeting, you’ll want to be able to phrase your main narrative hypothesis as a statistical hypothesis like the following:</a:t>
+            </a:r>
+          </a:p>
+          <a:p>
+            <a:pPr lvl="1"/>
+            <a:r>
+              <a:rPr lang="en-US" dirty="0" smtClean="0"/>
+              <a:t>“I am interested in the main-effect of time.”</a:t>
+            </a:r>
+          </a:p>
+          <a:p>
+            <a:pPr lvl="2"/>
+            <a:r>
+              <a:rPr lang="en-US" dirty="0" smtClean="0"/>
+              <a:t>You will need to estimate how much you expect participants to change over time, estimate the average standard deviation at each time point, and the average correlation between time points.</a:t>
+            </a:r>
+          </a:p>
+          <a:p>
+            <a:pPr lvl="1"/>
+            <a:r>
+              <a:rPr lang="en-US" dirty="0" smtClean="0"/>
+              <a:t>“I am interested in the interaction of time and group.”</a:t>
+            </a:r>
+          </a:p>
+          <a:p>
+            <a:pPr lvl="2"/>
+            <a:r>
+              <a:rPr lang="en-US" dirty="0" smtClean="0"/>
+              <a:t>You will need to estimate all of the same information as above, but you will need to estimate it for each group.</a:t>
+            </a:r>
+          </a:p>
+          <a:p>
+            <a:pPr lvl="2"/>
+            <a:endParaRPr lang="en-US" dirty="0"/>
+          </a:p>
+          <a:p>
+            <a:r>
+              <a:rPr lang="en-US" dirty="0" smtClean="0"/>
+              <a:t>As a rule of thumb, increasing the number of </a:t>
+            </a:r>
+            <a:r>
+              <a:rPr lang="en-US" b="1" i="1" dirty="0" smtClean="0"/>
+              <a:t>time-points</a:t>
+            </a:r>
+            <a:r>
+              <a:rPr lang="en-US" dirty="0" smtClean="0"/>
+              <a:t> will improve power for effects at the time-level and person by time interactions.</a:t>
+            </a:r>
+          </a:p>
+          <a:p>
+            <a:pPr lvl="1"/>
+            <a:r>
+              <a:rPr lang="en-US" dirty="0" smtClean="0"/>
+              <a:t>Increasing the number of </a:t>
+            </a:r>
+            <a:r>
+              <a:rPr lang="en-US" b="1" i="1" dirty="0" smtClean="0"/>
+              <a:t>participants</a:t>
+            </a:r>
+            <a:r>
+              <a:rPr lang="en-US" dirty="0" smtClean="0"/>
+              <a:t> will improve power for effects at the person-level and person by time interactions.</a:t>
+            </a:r>
+            <a:endParaRPr lang="en-US" dirty="0"/>
+          </a:p>
+        </p:txBody>
+      </p:sp>
+      <p:sp>
+        <p:nvSpPr>
+          <p:cNvPr id="4" name="Slide Number Placeholder 3"/>
+          <p:cNvSpPr>
+            <a:spLocks noGrp="1"/>
+          </p:cNvSpPr>
+          <p:nvPr>
+            <p:ph type="sldNum" sz="quarter" idx="12"/>
+          </p:nvPr>
+        </p:nvSpPr>
+        <p:spPr/>
+        <p:txBody>
+          <a:bodyPr/>
+          <a:lstStyle/>
+          <a:p>
+            <a:fld id="{62D33721-DFD7-43E1-85F9-9FD0AD2C3B28}" type="slidenum">
+              <a:rPr lang="en-US" smtClean="0"/>
+              <a:t>37</a:t>
+            </a:fld>
+            <a:endParaRPr lang="en-US"/>
+          </a:p>
+        </p:txBody>
+      </p:sp>
+    </p:spTree>
+    <p:extLst>
+      <p:ext uri="{BB962C8B-B14F-4D97-AF65-F5344CB8AC3E}">
+        <p14:creationId xmlns:p14="http://schemas.microsoft.com/office/powerpoint/2010/main" val="1018823351"/>
+      </p:ext>
+    </p:extLst>
+  </p:cSld>
+  <p:clrMapOvr>
+    <a:masterClrMapping/>
+  </p:clrMapOvr>
+  <p:timing>
+    <p:tnLst>
+      <p:par>
+        <p:cTn id="1" dur="indefinite" restart="never" nodeType="tmRoot"/>
+      </p:par>
+    </p:tnLst>
+  </p:timing>
+</p:sld>
+</file>
+
+<file path=ppt/slides/slide38.xml><?xml version="1.0" encoding="utf-8"?>
+<p:sld xmlns:a="http://schemas.openxmlformats.org/drawingml/2006/main" xmlns:r="http://schemas.openxmlformats.org/officeDocument/2006/relationships" xmlns:p="http://schemas.openxmlformats.org/presentationml/2006/main">
+  <p:cSld>
+    <p:spTree>
+      <p:nvGrpSpPr>
+        <p:cNvPr id="1" name=""/>
+        <p:cNvGrpSpPr/>
+        <p:nvPr/>
+      </p:nvGrpSpPr>
+      <p:grpSpPr>
+        <a:xfrm>
+          <a:off x="0" y="0"/>
+          <a:ext cx="0" cy="0"/>
+          <a:chOff x="0" y="0"/>
+          <a:chExt cx="0" cy="0"/>
+        </a:xfrm>
+      </p:grpSpPr>
+      <p:sp>
+        <p:nvSpPr>
+          <p:cNvPr id="2" name="Title 1"/>
+          <p:cNvSpPr>
+            <a:spLocks noGrp="1"/>
+          </p:cNvSpPr>
+          <p:nvPr>
+            <p:ph type="title"/>
+          </p:nvPr>
+        </p:nvSpPr>
+        <p:spPr/>
+        <p:txBody>
+          <a:bodyPr/>
+          <a:lstStyle/>
+          <a:p>
+            <a:r>
+              <a:rPr lang="en-US" dirty="0"/>
+              <a:t>8</a:t>
+            </a:r>
+            <a:r>
+              <a:rPr lang="en-US" dirty="0" smtClean="0"/>
+              <a:t>. What if I have multiple levels?</a:t>
+            </a:r>
+            <a:endParaRPr lang="en-US" dirty="0"/>
+          </a:p>
+        </p:txBody>
+      </p:sp>
+      <p:sp>
+        <p:nvSpPr>
+          <p:cNvPr id="3" name="Content Placeholder 2"/>
+          <p:cNvSpPr>
+            <a:spLocks noGrp="1"/>
+          </p:cNvSpPr>
+          <p:nvPr>
+            <p:ph idx="1"/>
+          </p:nvPr>
+        </p:nvSpPr>
+        <p:spPr>
+          <a:xfrm>
+            <a:off x="838200" y="1580303"/>
+            <a:ext cx="10515600" cy="1263263"/>
+          </a:xfrm>
+        </p:spPr>
+        <p:txBody>
+          <a:bodyPr>
+            <a:normAutofit/>
+          </a:bodyPr>
+          <a:lstStyle/>
+          <a:p>
+            <a:r>
+              <a:rPr lang="en-US" dirty="0" smtClean="0"/>
+              <a:t>Multi-level models can do that!</a:t>
+            </a:r>
+          </a:p>
+          <a:p>
+            <a:pPr lvl="1"/>
+            <a:r>
+              <a:rPr lang="en-US" dirty="0" smtClean="0"/>
+              <a:t>Let’s say that you are running large international study…</a:t>
+            </a:r>
+          </a:p>
+          <a:p>
+            <a:pPr lvl="1"/>
+            <a:r>
+              <a:rPr lang="en-US" dirty="0" smtClean="0"/>
+              <a:t>Or combining data from lot’s of different studies in secondary analysis… </a:t>
+            </a:r>
+            <a:endParaRPr lang="en-US" dirty="0"/>
+          </a:p>
+        </p:txBody>
+      </p:sp>
+      <p:sp>
+        <p:nvSpPr>
+          <p:cNvPr id="4" name="Slide Number Placeholder 3"/>
+          <p:cNvSpPr>
+            <a:spLocks noGrp="1"/>
+          </p:cNvSpPr>
+          <p:nvPr>
+            <p:ph type="sldNum" sz="quarter" idx="12"/>
+          </p:nvPr>
+        </p:nvSpPr>
+        <p:spPr/>
+        <p:txBody>
+          <a:bodyPr/>
+          <a:lstStyle/>
+          <a:p>
+            <a:fld id="{62D33721-DFD7-43E1-85F9-9FD0AD2C3B28}" type="slidenum">
+              <a:rPr lang="en-US" smtClean="0"/>
+              <a:t>38</a:t>
+            </a:fld>
+            <a:endParaRPr lang="en-US"/>
+          </a:p>
+        </p:txBody>
+      </p:sp>
+      <p:sp>
+        <p:nvSpPr>
+          <p:cNvPr id="5" name="Rounded Rectangle 4"/>
+          <p:cNvSpPr/>
+          <p:nvPr/>
+        </p:nvSpPr>
+        <p:spPr>
+          <a:xfrm>
+            <a:off x="4337824" y="3300763"/>
+            <a:ext cx="1516566" cy="379142"/>
+          </a:xfrm>
+          <a:prstGeom prst="roundRect">
+            <a:avLst/>
+          </a:prstGeom>
+          <a:ln w="28575"/>
+        </p:spPr>
+        <p:style>
+          <a:lnRef idx="2">
+            <a:schemeClr val="accent1">
+              <a:shade val="50000"/>
+            </a:schemeClr>
+          </a:lnRef>
+          <a:fillRef idx="1">
+            <a:schemeClr val="accent1"/>
+          </a:fillRef>
+          <a:effectRef idx="0">
+            <a:schemeClr val="accent1"/>
+          </a:effectRef>
+          <a:fontRef idx="minor">
+            <a:schemeClr val="lt1"/>
+          </a:fontRef>
+        </p:style>
+        <p:txBody>
+          <a:bodyPr rtlCol="0" anchor="ctr"/>
+          <a:lstStyle/>
+          <a:p>
+            <a:pPr algn="ctr"/>
+            <a:r>
+              <a:rPr lang="en-US" dirty="0" smtClean="0"/>
+              <a:t>London</a:t>
+            </a:r>
+            <a:endParaRPr lang="en-US" dirty="0"/>
+          </a:p>
+        </p:txBody>
+      </p:sp>
+      <p:sp>
+        <p:nvSpPr>
+          <p:cNvPr id="6" name="Rounded Rectangle 5"/>
+          <p:cNvSpPr/>
+          <p:nvPr/>
+        </p:nvSpPr>
+        <p:spPr>
+          <a:xfrm>
+            <a:off x="6385932" y="3300763"/>
+            <a:ext cx="1516566" cy="379142"/>
+          </a:xfrm>
+          <a:prstGeom prst="roundRect">
+            <a:avLst/>
+          </a:prstGeom>
+          <a:ln w="28575"/>
+        </p:spPr>
+        <p:style>
+          <a:lnRef idx="2">
+            <a:schemeClr val="accent1">
+              <a:shade val="50000"/>
+            </a:schemeClr>
+          </a:lnRef>
+          <a:fillRef idx="1">
+            <a:schemeClr val="accent1"/>
+          </a:fillRef>
+          <a:effectRef idx="0">
+            <a:schemeClr val="accent1"/>
+          </a:effectRef>
+          <a:fontRef idx="minor">
+            <a:schemeClr val="lt1"/>
+          </a:fontRef>
+        </p:style>
+        <p:txBody>
+          <a:bodyPr rtlCol="0" anchor="ctr"/>
+          <a:lstStyle/>
+          <a:p>
+            <a:pPr algn="ctr"/>
+            <a:r>
+              <a:rPr lang="en-US" dirty="0" smtClean="0"/>
+              <a:t>Paris</a:t>
+            </a:r>
+            <a:endParaRPr lang="en-US" dirty="0"/>
+          </a:p>
+        </p:txBody>
+      </p:sp>
+      <p:sp>
+        <p:nvSpPr>
+          <p:cNvPr id="7" name="Rounded Rectangle 6"/>
+          <p:cNvSpPr/>
+          <p:nvPr/>
+        </p:nvSpPr>
+        <p:spPr>
+          <a:xfrm>
+            <a:off x="8434040" y="3300763"/>
+            <a:ext cx="1516566" cy="379142"/>
+          </a:xfrm>
+          <a:prstGeom prst="roundRect">
+            <a:avLst/>
+          </a:prstGeom>
+          <a:ln w="28575"/>
+        </p:spPr>
+        <p:style>
+          <a:lnRef idx="2">
+            <a:schemeClr val="accent1">
+              <a:shade val="50000"/>
+            </a:schemeClr>
+          </a:lnRef>
+          <a:fillRef idx="1">
+            <a:schemeClr val="accent1"/>
+          </a:fillRef>
+          <a:effectRef idx="0">
+            <a:schemeClr val="accent1"/>
+          </a:effectRef>
+          <a:fontRef idx="minor">
+            <a:schemeClr val="lt1"/>
+          </a:fontRef>
+        </p:style>
+        <p:txBody>
+          <a:bodyPr rtlCol="0" anchor="ctr"/>
+          <a:lstStyle/>
+          <a:p>
+            <a:pPr algn="ctr"/>
+            <a:r>
+              <a:rPr lang="en-US" dirty="0" smtClean="0"/>
+              <a:t>Atlanta</a:t>
+            </a:r>
+            <a:endParaRPr lang="en-US" dirty="0"/>
+          </a:p>
+        </p:txBody>
+      </p:sp>
+      <p:sp>
+        <p:nvSpPr>
+          <p:cNvPr id="8" name="Rounded Rectangle 7"/>
+          <p:cNvSpPr/>
+          <p:nvPr/>
+        </p:nvSpPr>
+        <p:spPr>
+          <a:xfrm>
+            <a:off x="3174382" y="4075850"/>
+            <a:ext cx="750850" cy="373489"/>
+          </a:xfrm>
+          <a:prstGeom prst="roundRect">
+            <a:avLst/>
+          </a:prstGeom>
+          <a:ln w="28575"/>
+        </p:spPr>
+        <p:style>
+          <a:lnRef idx="2">
+            <a:schemeClr val="accent2">
+              <a:shade val="50000"/>
+            </a:schemeClr>
+          </a:lnRef>
+          <a:fillRef idx="1">
+            <a:schemeClr val="accent2"/>
+          </a:fillRef>
+          <a:effectRef idx="0">
+            <a:schemeClr val="accent2"/>
+          </a:effectRef>
+          <a:fontRef idx="minor">
+            <a:schemeClr val="lt1"/>
+          </a:fontRef>
+        </p:style>
+        <p:txBody>
+          <a:bodyPr rtlCol="0" anchor="ctr"/>
+          <a:lstStyle/>
+          <a:p>
+            <a:pPr algn="ctr"/>
+            <a:r>
+              <a:rPr lang="en-US" dirty="0" smtClean="0"/>
+              <a:t>C1</a:t>
+            </a:r>
+            <a:endParaRPr lang="en-US" dirty="0"/>
+          </a:p>
+        </p:txBody>
+      </p:sp>
+      <p:sp>
+        <p:nvSpPr>
+          <p:cNvPr id="9" name="Rounded Rectangle 8"/>
+          <p:cNvSpPr/>
+          <p:nvPr/>
+        </p:nvSpPr>
+        <p:spPr>
+          <a:xfrm>
+            <a:off x="4125956" y="4075849"/>
+            <a:ext cx="750850" cy="373489"/>
+          </a:xfrm>
+          <a:prstGeom prst="roundRect">
+            <a:avLst/>
+          </a:prstGeom>
+          <a:ln w="28575"/>
+        </p:spPr>
+        <p:style>
+          <a:lnRef idx="2">
+            <a:schemeClr val="accent2">
+              <a:shade val="50000"/>
+            </a:schemeClr>
+          </a:lnRef>
+          <a:fillRef idx="1">
+            <a:schemeClr val="accent2"/>
+          </a:fillRef>
+          <a:effectRef idx="0">
+            <a:schemeClr val="accent2"/>
+          </a:effectRef>
+          <a:fontRef idx="minor">
+            <a:schemeClr val="lt1"/>
+          </a:fontRef>
+        </p:style>
+        <p:txBody>
+          <a:bodyPr rtlCol="0" anchor="ctr"/>
+          <a:lstStyle/>
+          <a:p>
+            <a:pPr algn="ctr"/>
+            <a:r>
+              <a:rPr lang="en-US" dirty="0" smtClean="0"/>
+              <a:t>C2</a:t>
+            </a:r>
+            <a:endParaRPr lang="en-US" dirty="0"/>
+          </a:p>
+        </p:txBody>
+      </p:sp>
+      <p:sp>
+        <p:nvSpPr>
+          <p:cNvPr id="10" name="Rounded Rectangle 9"/>
+          <p:cNvSpPr/>
+          <p:nvPr/>
+        </p:nvSpPr>
+        <p:spPr>
+          <a:xfrm>
+            <a:off x="5099829" y="4075849"/>
+            <a:ext cx="750850" cy="373489"/>
+          </a:xfrm>
+          <a:prstGeom prst="roundRect">
+            <a:avLst/>
+          </a:prstGeom>
+          <a:ln w="28575"/>
+        </p:spPr>
+        <p:style>
+          <a:lnRef idx="2">
+            <a:schemeClr val="accent2">
+              <a:shade val="50000"/>
+            </a:schemeClr>
+          </a:lnRef>
+          <a:fillRef idx="1">
+            <a:schemeClr val="accent2"/>
+          </a:fillRef>
+          <a:effectRef idx="0">
+            <a:schemeClr val="accent2"/>
+          </a:effectRef>
+          <a:fontRef idx="minor">
+            <a:schemeClr val="lt1"/>
+          </a:fontRef>
+        </p:style>
+        <p:txBody>
+          <a:bodyPr rtlCol="0" anchor="ctr"/>
+          <a:lstStyle/>
+          <a:p>
+            <a:pPr algn="ctr"/>
+            <a:r>
+              <a:rPr lang="en-US" dirty="0" smtClean="0"/>
+              <a:t>C3</a:t>
+            </a:r>
+            <a:endParaRPr lang="en-US" dirty="0"/>
+          </a:p>
+        </p:txBody>
+      </p:sp>
+      <p:sp>
+        <p:nvSpPr>
+          <p:cNvPr id="11" name="Rounded Rectangle 10"/>
+          <p:cNvSpPr/>
+          <p:nvPr/>
+        </p:nvSpPr>
+        <p:spPr>
+          <a:xfrm>
+            <a:off x="6084855" y="4075848"/>
+            <a:ext cx="750850" cy="373489"/>
+          </a:xfrm>
+          <a:prstGeom prst="roundRect">
+            <a:avLst/>
+          </a:prstGeom>
+          <a:ln w="28575"/>
+        </p:spPr>
+        <p:style>
+          <a:lnRef idx="2">
+            <a:schemeClr val="accent2">
+              <a:shade val="50000"/>
+            </a:schemeClr>
+          </a:lnRef>
+          <a:fillRef idx="1">
+            <a:schemeClr val="accent2"/>
+          </a:fillRef>
+          <a:effectRef idx="0">
+            <a:schemeClr val="accent2"/>
+          </a:effectRef>
+          <a:fontRef idx="minor">
+            <a:schemeClr val="lt1"/>
+          </a:fontRef>
+        </p:style>
+        <p:txBody>
+          <a:bodyPr rtlCol="0" anchor="ctr"/>
+          <a:lstStyle/>
+          <a:p>
+            <a:pPr algn="ctr"/>
+            <a:r>
+              <a:rPr lang="en-US" dirty="0" smtClean="0"/>
+              <a:t>C4</a:t>
+            </a:r>
+            <a:endParaRPr lang="en-US" dirty="0"/>
+          </a:p>
+        </p:txBody>
+      </p:sp>
+      <p:sp>
+        <p:nvSpPr>
+          <p:cNvPr id="12" name="TextBox 11"/>
+          <p:cNvSpPr txBox="1"/>
+          <p:nvPr/>
+        </p:nvSpPr>
+        <p:spPr>
+          <a:xfrm>
+            <a:off x="7449014" y="4130265"/>
+            <a:ext cx="343364" cy="369332"/>
+          </a:xfrm>
+          <a:prstGeom prst="rect">
+            <a:avLst/>
+          </a:prstGeom>
+          <a:noFill/>
+        </p:spPr>
+        <p:txBody>
+          <a:bodyPr wrap="none" rtlCol="0">
+            <a:spAutoFit/>
+          </a:bodyPr>
+          <a:lstStyle/>
+          <a:p>
+            <a:r>
+              <a:rPr lang="en-US" dirty="0" smtClean="0"/>
+              <a:t>…</a:t>
+            </a:r>
+            <a:endParaRPr lang="en-US" dirty="0"/>
+          </a:p>
+        </p:txBody>
+      </p:sp>
+      <p:sp>
+        <p:nvSpPr>
+          <p:cNvPr id="13" name="TextBox 12"/>
+          <p:cNvSpPr txBox="1"/>
+          <p:nvPr/>
+        </p:nvSpPr>
+        <p:spPr>
+          <a:xfrm>
+            <a:off x="9198362" y="4133089"/>
+            <a:ext cx="343364" cy="369332"/>
+          </a:xfrm>
+          <a:prstGeom prst="rect">
+            <a:avLst/>
+          </a:prstGeom>
+          <a:noFill/>
+        </p:spPr>
+        <p:txBody>
+          <a:bodyPr wrap="none" rtlCol="0">
+            <a:spAutoFit/>
+          </a:bodyPr>
+          <a:lstStyle/>
+          <a:p>
+            <a:r>
+              <a:rPr lang="en-US" dirty="0" smtClean="0"/>
+              <a:t>…</a:t>
+            </a:r>
+            <a:endParaRPr lang="en-US" dirty="0"/>
+          </a:p>
+        </p:txBody>
+      </p:sp>
+      <p:cxnSp>
+        <p:nvCxnSpPr>
+          <p:cNvPr id="15" name="Straight Arrow Connector 14"/>
+          <p:cNvCxnSpPr>
+            <a:stCxn id="5" idx="2"/>
+            <a:endCxn id="8" idx="0"/>
+          </p:cNvCxnSpPr>
+          <p:nvPr/>
+        </p:nvCxnSpPr>
+        <p:spPr>
+          <a:xfrm flipH="1">
+            <a:off x="3549807" y="3679905"/>
+            <a:ext cx="1546300" cy="395945"/>
+          </a:xfrm>
+          <a:prstGeom prst="straightConnector1">
+            <a:avLst/>
+          </a:prstGeom>
+          <a:ln w="28575">
+            <a:tailEnd type="triangle"/>
+          </a:ln>
+        </p:spPr>
+        <p:style>
+          <a:lnRef idx="1">
+            <a:schemeClr val="accent1"/>
+          </a:lnRef>
+          <a:fillRef idx="0">
+            <a:schemeClr val="accent1"/>
+          </a:fillRef>
+          <a:effectRef idx="0">
+            <a:schemeClr val="accent1"/>
+          </a:effectRef>
+          <a:fontRef idx="minor">
+            <a:schemeClr val="tx1"/>
+          </a:fontRef>
+        </p:style>
+      </p:cxnSp>
+      <p:cxnSp>
+        <p:nvCxnSpPr>
+          <p:cNvPr id="16" name="Straight Arrow Connector 15"/>
+          <p:cNvCxnSpPr>
+            <a:stCxn id="5" idx="2"/>
+            <a:endCxn id="9" idx="0"/>
+          </p:cNvCxnSpPr>
+          <p:nvPr/>
+        </p:nvCxnSpPr>
+        <p:spPr>
+          <a:xfrm flipH="1">
+            <a:off x="4501381" y="3679905"/>
+            <a:ext cx="594726" cy="395944"/>
+          </a:xfrm>
+          <a:prstGeom prst="straightConnector1">
+            <a:avLst/>
+          </a:prstGeom>
+          <a:ln w="28575">
+            <a:tailEnd type="triangle"/>
+          </a:ln>
+        </p:spPr>
+        <p:style>
+          <a:lnRef idx="1">
+            <a:schemeClr val="accent1"/>
+          </a:lnRef>
+          <a:fillRef idx="0">
+            <a:schemeClr val="accent1"/>
+          </a:fillRef>
+          <a:effectRef idx="0">
+            <a:schemeClr val="accent1"/>
+          </a:effectRef>
+          <a:fontRef idx="minor">
+            <a:schemeClr val="tx1"/>
+          </a:fontRef>
+        </p:style>
+      </p:cxnSp>
+      <p:cxnSp>
+        <p:nvCxnSpPr>
+          <p:cNvPr id="19" name="Straight Arrow Connector 18"/>
+          <p:cNvCxnSpPr>
+            <a:stCxn id="5" idx="2"/>
+            <a:endCxn id="10" idx="0"/>
+          </p:cNvCxnSpPr>
+          <p:nvPr/>
+        </p:nvCxnSpPr>
+        <p:spPr>
+          <a:xfrm>
+            <a:off x="5096107" y="3679905"/>
+            <a:ext cx="379147" cy="395944"/>
+          </a:xfrm>
+          <a:prstGeom prst="straightConnector1">
+            <a:avLst/>
+          </a:prstGeom>
+          <a:ln w="28575">
+            <a:tailEnd type="triangle"/>
+          </a:ln>
+        </p:spPr>
+        <p:style>
+          <a:lnRef idx="1">
+            <a:schemeClr val="accent1"/>
+          </a:lnRef>
+          <a:fillRef idx="0">
+            <a:schemeClr val="accent1"/>
+          </a:fillRef>
+          <a:effectRef idx="0">
+            <a:schemeClr val="accent1"/>
+          </a:effectRef>
+          <a:fontRef idx="minor">
+            <a:schemeClr val="tx1"/>
+          </a:fontRef>
+        </p:style>
+      </p:cxnSp>
+      <p:cxnSp>
+        <p:nvCxnSpPr>
+          <p:cNvPr id="22" name="Straight Arrow Connector 21"/>
+          <p:cNvCxnSpPr>
+            <a:stCxn id="5" idx="2"/>
+            <a:endCxn id="11" idx="0"/>
+          </p:cNvCxnSpPr>
+          <p:nvPr/>
+        </p:nvCxnSpPr>
+        <p:spPr>
+          <a:xfrm>
+            <a:off x="5096107" y="3679905"/>
+            <a:ext cx="1364173" cy="395943"/>
+          </a:xfrm>
+          <a:prstGeom prst="straightConnector1">
+            <a:avLst/>
+          </a:prstGeom>
+          <a:ln w="28575">
+            <a:tailEnd type="triangle"/>
+          </a:ln>
+        </p:spPr>
+        <p:style>
+          <a:lnRef idx="1">
+            <a:schemeClr val="accent1"/>
+          </a:lnRef>
+          <a:fillRef idx="0">
+            <a:schemeClr val="accent1"/>
+          </a:fillRef>
+          <a:effectRef idx="0">
+            <a:schemeClr val="accent1"/>
+          </a:effectRef>
+          <a:fontRef idx="minor">
+            <a:schemeClr val="tx1"/>
+          </a:fontRef>
+        </p:style>
+      </p:cxnSp>
+      <p:sp>
+        <p:nvSpPr>
+          <p:cNvPr id="25" name="Rounded Rectangle 24"/>
+          <p:cNvSpPr/>
+          <p:nvPr/>
+        </p:nvSpPr>
+        <p:spPr>
+          <a:xfrm>
+            <a:off x="799171" y="3289688"/>
+            <a:ext cx="1516566" cy="379142"/>
+          </a:xfrm>
+          <a:prstGeom prst="roundRect">
+            <a:avLst/>
+          </a:prstGeom>
+        </p:spPr>
+        <p:style>
+          <a:lnRef idx="2">
+            <a:schemeClr val="dk1">
+              <a:shade val="50000"/>
+            </a:schemeClr>
+          </a:lnRef>
+          <a:fillRef idx="1">
+            <a:schemeClr val="dk1"/>
+          </a:fillRef>
+          <a:effectRef idx="0">
+            <a:schemeClr val="dk1"/>
+          </a:effectRef>
+          <a:fontRef idx="minor">
+            <a:schemeClr val="lt1"/>
+          </a:fontRef>
+        </p:style>
+        <p:txBody>
+          <a:bodyPr rtlCol="0" anchor="ctr"/>
+          <a:lstStyle/>
+          <a:p>
+            <a:pPr algn="ctr"/>
+            <a:r>
+              <a:rPr lang="en-US" dirty="0" smtClean="0"/>
+              <a:t>Country Level</a:t>
+            </a:r>
+            <a:endParaRPr lang="en-US" dirty="0"/>
+          </a:p>
+        </p:txBody>
+      </p:sp>
+      <p:sp>
+        <p:nvSpPr>
+          <p:cNvPr id="26" name="Rounded Rectangle 25"/>
+          <p:cNvSpPr/>
+          <p:nvPr/>
+        </p:nvSpPr>
+        <p:spPr>
+          <a:xfrm>
+            <a:off x="838200" y="4075848"/>
+            <a:ext cx="1516566" cy="379142"/>
+          </a:xfrm>
+          <a:prstGeom prst="roundRect">
+            <a:avLst/>
+          </a:prstGeom>
+        </p:spPr>
+        <p:style>
+          <a:lnRef idx="2">
+            <a:schemeClr val="dk1">
+              <a:shade val="50000"/>
+            </a:schemeClr>
+          </a:lnRef>
+          <a:fillRef idx="1">
+            <a:schemeClr val="dk1"/>
+          </a:fillRef>
+          <a:effectRef idx="0">
+            <a:schemeClr val="dk1"/>
+          </a:effectRef>
+          <a:fontRef idx="minor">
+            <a:schemeClr val="lt1"/>
+          </a:fontRef>
+        </p:style>
+        <p:txBody>
+          <a:bodyPr rtlCol="0" anchor="ctr"/>
+          <a:lstStyle/>
+          <a:p>
+            <a:pPr algn="ctr"/>
+            <a:r>
+              <a:rPr lang="en-US" dirty="0" smtClean="0"/>
+              <a:t>Clinic Level</a:t>
+            </a:r>
+            <a:endParaRPr lang="en-US" dirty="0"/>
+          </a:p>
+        </p:txBody>
+      </p:sp>
+      <p:sp>
+        <p:nvSpPr>
+          <p:cNvPr id="27" name="Rounded Rectangle 26"/>
+          <p:cNvSpPr/>
+          <p:nvPr/>
+        </p:nvSpPr>
+        <p:spPr>
+          <a:xfrm>
+            <a:off x="838200" y="4862008"/>
+            <a:ext cx="1516566" cy="379142"/>
+          </a:xfrm>
+          <a:prstGeom prst="roundRect">
+            <a:avLst/>
+          </a:prstGeom>
+        </p:spPr>
+        <p:style>
+          <a:lnRef idx="2">
+            <a:schemeClr val="dk1">
+              <a:shade val="50000"/>
+            </a:schemeClr>
+          </a:lnRef>
+          <a:fillRef idx="1">
+            <a:schemeClr val="dk1"/>
+          </a:fillRef>
+          <a:effectRef idx="0">
+            <a:schemeClr val="dk1"/>
+          </a:effectRef>
+          <a:fontRef idx="minor">
+            <a:schemeClr val="lt1"/>
+          </a:fontRef>
+        </p:style>
+        <p:txBody>
+          <a:bodyPr rtlCol="0" anchor="ctr"/>
+          <a:lstStyle/>
+          <a:p>
+            <a:pPr algn="ctr"/>
+            <a:r>
+              <a:rPr lang="en-US" dirty="0" smtClean="0"/>
+              <a:t>Person Level</a:t>
+            </a:r>
+            <a:endParaRPr lang="en-US" dirty="0"/>
+          </a:p>
+        </p:txBody>
+      </p:sp>
+      <p:sp>
+        <p:nvSpPr>
+          <p:cNvPr id="28" name="Rounded Rectangle 27"/>
+          <p:cNvSpPr/>
+          <p:nvPr/>
+        </p:nvSpPr>
+        <p:spPr>
+          <a:xfrm>
+            <a:off x="3174382" y="4864834"/>
+            <a:ext cx="750850" cy="373489"/>
+          </a:xfrm>
+          <a:prstGeom prst="roundRect">
+            <a:avLst/>
+          </a:prstGeom>
+          <a:ln w="28575"/>
+        </p:spPr>
+        <p:style>
+          <a:lnRef idx="2">
+            <a:schemeClr val="accent3">
+              <a:shade val="50000"/>
+            </a:schemeClr>
+          </a:lnRef>
+          <a:fillRef idx="1">
+            <a:schemeClr val="accent3"/>
+          </a:fillRef>
+          <a:effectRef idx="0">
+            <a:schemeClr val="accent3"/>
+          </a:effectRef>
+          <a:fontRef idx="minor">
+            <a:schemeClr val="lt1"/>
+          </a:fontRef>
+        </p:style>
+        <p:txBody>
+          <a:bodyPr rtlCol="0" anchor="ctr"/>
+          <a:lstStyle/>
+          <a:p>
+            <a:pPr algn="ctr"/>
+            <a:r>
+              <a:rPr lang="en-US" dirty="0"/>
+              <a:t>P</a:t>
+            </a:r>
+            <a:r>
+              <a:rPr lang="en-US" dirty="0" smtClean="0"/>
+              <a:t>1</a:t>
+            </a:r>
+            <a:endParaRPr lang="en-US" dirty="0"/>
+          </a:p>
+        </p:txBody>
+      </p:sp>
+      <p:sp>
+        <p:nvSpPr>
+          <p:cNvPr id="29" name="Rounded Rectangle 28"/>
+          <p:cNvSpPr/>
+          <p:nvPr/>
+        </p:nvSpPr>
+        <p:spPr>
+          <a:xfrm>
+            <a:off x="4125956" y="4864833"/>
+            <a:ext cx="750850" cy="373489"/>
+          </a:xfrm>
+          <a:prstGeom prst="roundRect">
+            <a:avLst/>
+          </a:prstGeom>
+          <a:ln w="28575"/>
+        </p:spPr>
+        <p:style>
+          <a:lnRef idx="2">
+            <a:schemeClr val="accent3">
+              <a:shade val="50000"/>
+            </a:schemeClr>
+          </a:lnRef>
+          <a:fillRef idx="1">
+            <a:schemeClr val="accent3"/>
+          </a:fillRef>
+          <a:effectRef idx="0">
+            <a:schemeClr val="accent3"/>
+          </a:effectRef>
+          <a:fontRef idx="minor">
+            <a:schemeClr val="lt1"/>
+          </a:fontRef>
+        </p:style>
+        <p:txBody>
+          <a:bodyPr rtlCol="0" anchor="ctr"/>
+          <a:lstStyle/>
+          <a:p>
+            <a:pPr algn="ctr"/>
+            <a:r>
+              <a:rPr lang="en-US" dirty="0"/>
+              <a:t>P</a:t>
+            </a:r>
+            <a:r>
+              <a:rPr lang="en-US" dirty="0" smtClean="0"/>
+              <a:t>2</a:t>
+            </a:r>
+            <a:endParaRPr lang="en-US" dirty="0"/>
+          </a:p>
+        </p:txBody>
+      </p:sp>
+      <p:sp>
+        <p:nvSpPr>
+          <p:cNvPr id="30" name="Rounded Rectangle 29"/>
+          <p:cNvSpPr/>
+          <p:nvPr/>
+        </p:nvSpPr>
+        <p:spPr>
+          <a:xfrm>
+            <a:off x="5099829" y="4864833"/>
+            <a:ext cx="750850" cy="373489"/>
+          </a:xfrm>
+          <a:prstGeom prst="roundRect">
+            <a:avLst/>
+          </a:prstGeom>
+          <a:ln w="28575"/>
+        </p:spPr>
+        <p:style>
+          <a:lnRef idx="2">
+            <a:schemeClr val="accent3">
+              <a:shade val="50000"/>
+            </a:schemeClr>
+          </a:lnRef>
+          <a:fillRef idx="1">
+            <a:schemeClr val="accent3"/>
+          </a:fillRef>
+          <a:effectRef idx="0">
+            <a:schemeClr val="accent3"/>
+          </a:effectRef>
+          <a:fontRef idx="minor">
+            <a:schemeClr val="lt1"/>
+          </a:fontRef>
+        </p:style>
+        <p:txBody>
+          <a:bodyPr rtlCol="0" anchor="ctr"/>
+          <a:lstStyle/>
+          <a:p>
+            <a:pPr algn="ctr"/>
+            <a:r>
+              <a:rPr lang="en-US" dirty="0" smtClean="0"/>
+              <a:t>P3</a:t>
+            </a:r>
+            <a:endParaRPr lang="en-US" dirty="0"/>
+          </a:p>
+        </p:txBody>
+      </p:sp>
+      <p:sp>
+        <p:nvSpPr>
+          <p:cNvPr id="31" name="Rounded Rectangle 30"/>
+          <p:cNvSpPr/>
+          <p:nvPr/>
+        </p:nvSpPr>
+        <p:spPr>
+          <a:xfrm>
+            <a:off x="6084855" y="4864832"/>
+            <a:ext cx="750850" cy="373489"/>
+          </a:xfrm>
+          <a:prstGeom prst="roundRect">
+            <a:avLst/>
+          </a:prstGeom>
+          <a:ln w="28575"/>
+        </p:spPr>
+        <p:style>
+          <a:lnRef idx="2">
+            <a:schemeClr val="accent3">
+              <a:shade val="50000"/>
+            </a:schemeClr>
+          </a:lnRef>
+          <a:fillRef idx="1">
+            <a:schemeClr val="accent3"/>
+          </a:fillRef>
+          <a:effectRef idx="0">
+            <a:schemeClr val="accent3"/>
+          </a:effectRef>
+          <a:fontRef idx="minor">
+            <a:schemeClr val="lt1"/>
+          </a:fontRef>
+        </p:style>
+        <p:txBody>
+          <a:bodyPr rtlCol="0" anchor="ctr"/>
+          <a:lstStyle/>
+          <a:p>
+            <a:pPr algn="ctr"/>
+            <a:r>
+              <a:rPr lang="en-US" dirty="0"/>
+              <a:t>P</a:t>
+            </a:r>
+            <a:r>
+              <a:rPr lang="en-US" dirty="0" smtClean="0"/>
+              <a:t>4</a:t>
+            </a:r>
+            <a:endParaRPr lang="en-US" dirty="0"/>
+          </a:p>
+        </p:txBody>
+      </p:sp>
+      <p:sp>
+        <p:nvSpPr>
+          <p:cNvPr id="32" name="TextBox 31"/>
+          <p:cNvSpPr txBox="1"/>
+          <p:nvPr/>
+        </p:nvSpPr>
+        <p:spPr>
+          <a:xfrm>
+            <a:off x="7449014" y="4866165"/>
+            <a:ext cx="343364" cy="369332"/>
+          </a:xfrm>
+          <a:prstGeom prst="rect">
+            <a:avLst/>
+          </a:prstGeom>
+          <a:noFill/>
+        </p:spPr>
+        <p:txBody>
+          <a:bodyPr wrap="none" rtlCol="0">
+            <a:spAutoFit/>
+          </a:bodyPr>
+          <a:lstStyle/>
+          <a:p>
+            <a:r>
+              <a:rPr lang="en-US" dirty="0" smtClean="0"/>
+              <a:t>…</a:t>
+            </a:r>
+            <a:endParaRPr lang="en-US" dirty="0"/>
+          </a:p>
+        </p:txBody>
+      </p:sp>
+      <p:sp>
+        <p:nvSpPr>
+          <p:cNvPr id="33" name="TextBox 32"/>
+          <p:cNvSpPr txBox="1"/>
+          <p:nvPr/>
+        </p:nvSpPr>
+        <p:spPr>
+          <a:xfrm>
+            <a:off x="9198362" y="4868989"/>
+            <a:ext cx="343364" cy="369332"/>
+          </a:xfrm>
+          <a:prstGeom prst="rect">
+            <a:avLst/>
+          </a:prstGeom>
+          <a:noFill/>
+        </p:spPr>
+        <p:txBody>
+          <a:bodyPr wrap="none" rtlCol="0">
+            <a:spAutoFit/>
+          </a:bodyPr>
+          <a:lstStyle/>
+          <a:p>
+            <a:r>
+              <a:rPr lang="en-US" dirty="0" smtClean="0"/>
+              <a:t>…</a:t>
+            </a:r>
+            <a:endParaRPr lang="en-US" dirty="0"/>
+          </a:p>
+        </p:txBody>
+      </p:sp>
+      <p:cxnSp>
+        <p:nvCxnSpPr>
+          <p:cNvPr id="34" name="Straight Arrow Connector 33"/>
+          <p:cNvCxnSpPr>
+            <a:stCxn id="8" idx="2"/>
+            <a:endCxn id="28" idx="0"/>
+          </p:cNvCxnSpPr>
+          <p:nvPr/>
+        </p:nvCxnSpPr>
+        <p:spPr>
+          <a:xfrm>
+            <a:off x="3549807" y="4449339"/>
+            <a:ext cx="0" cy="415495"/>
+          </a:xfrm>
+          <a:prstGeom prst="straightConnector1">
+            <a:avLst/>
+          </a:prstGeom>
+          <a:ln w="28575">
+            <a:solidFill>
+              <a:schemeClr val="accent2"/>
+            </a:solidFill>
+            <a:tailEnd type="triangle"/>
+          </a:ln>
+        </p:spPr>
+        <p:style>
+          <a:lnRef idx="1">
+            <a:schemeClr val="accent1"/>
+          </a:lnRef>
+          <a:fillRef idx="0">
+            <a:schemeClr val="accent1"/>
+          </a:fillRef>
+          <a:effectRef idx="0">
+            <a:schemeClr val="accent1"/>
+          </a:effectRef>
+          <a:fontRef idx="minor">
+            <a:schemeClr val="tx1"/>
+          </a:fontRef>
+        </p:style>
+      </p:cxnSp>
+      <p:cxnSp>
+        <p:nvCxnSpPr>
+          <p:cNvPr id="37" name="Straight Arrow Connector 36"/>
+          <p:cNvCxnSpPr>
+            <a:stCxn id="8" idx="2"/>
+            <a:endCxn id="29" idx="0"/>
+          </p:cNvCxnSpPr>
+          <p:nvPr/>
+        </p:nvCxnSpPr>
+        <p:spPr>
+          <a:xfrm>
+            <a:off x="3549807" y="4449339"/>
+            <a:ext cx="951574" cy="415494"/>
+          </a:xfrm>
+          <a:prstGeom prst="straightConnector1">
+            <a:avLst/>
+          </a:prstGeom>
+          <a:ln w="28575">
+            <a:solidFill>
+              <a:schemeClr val="accent2"/>
+            </a:solidFill>
+            <a:tailEnd type="triangle"/>
+          </a:ln>
+        </p:spPr>
+        <p:style>
+          <a:lnRef idx="1">
+            <a:schemeClr val="accent1"/>
+          </a:lnRef>
+          <a:fillRef idx="0">
+            <a:schemeClr val="accent1"/>
+          </a:fillRef>
+          <a:effectRef idx="0">
+            <a:schemeClr val="accent1"/>
+          </a:effectRef>
+          <a:fontRef idx="minor">
+            <a:schemeClr val="tx1"/>
+          </a:fontRef>
+        </p:style>
+      </p:cxnSp>
+      <p:cxnSp>
+        <p:nvCxnSpPr>
+          <p:cNvPr id="40" name="Straight Arrow Connector 39"/>
+          <p:cNvCxnSpPr>
+            <a:stCxn id="8" idx="2"/>
+            <a:endCxn id="30" idx="0"/>
+          </p:cNvCxnSpPr>
+          <p:nvPr/>
+        </p:nvCxnSpPr>
+        <p:spPr>
+          <a:xfrm>
+            <a:off x="3549807" y="4449339"/>
+            <a:ext cx="1925447" cy="415494"/>
+          </a:xfrm>
+          <a:prstGeom prst="straightConnector1">
+            <a:avLst/>
+          </a:prstGeom>
+          <a:ln w="28575">
+            <a:solidFill>
+              <a:schemeClr val="accent2"/>
+            </a:solidFill>
+            <a:tailEnd type="triangle"/>
+          </a:ln>
+        </p:spPr>
+        <p:style>
+          <a:lnRef idx="1">
+            <a:schemeClr val="accent1"/>
+          </a:lnRef>
+          <a:fillRef idx="0">
+            <a:schemeClr val="accent1"/>
+          </a:fillRef>
+          <a:effectRef idx="0">
+            <a:schemeClr val="accent1"/>
+          </a:effectRef>
+          <a:fontRef idx="minor">
+            <a:schemeClr val="tx1"/>
+          </a:fontRef>
+        </p:style>
+      </p:cxnSp>
+      <p:cxnSp>
+        <p:nvCxnSpPr>
+          <p:cNvPr id="43" name="Straight Arrow Connector 42"/>
+          <p:cNvCxnSpPr>
+            <a:stCxn id="8" idx="2"/>
+            <a:endCxn id="31" idx="0"/>
+          </p:cNvCxnSpPr>
+          <p:nvPr/>
+        </p:nvCxnSpPr>
+        <p:spPr>
+          <a:xfrm>
+            <a:off x="3549807" y="4449339"/>
+            <a:ext cx="2910473" cy="415493"/>
+          </a:xfrm>
+          <a:prstGeom prst="straightConnector1">
+            <a:avLst/>
+          </a:prstGeom>
+          <a:ln w="28575">
+            <a:solidFill>
+              <a:schemeClr val="accent2"/>
+            </a:solidFill>
+            <a:tailEnd type="triangle"/>
+          </a:ln>
+        </p:spPr>
+        <p:style>
+          <a:lnRef idx="1">
+            <a:schemeClr val="accent1"/>
+          </a:lnRef>
+          <a:fillRef idx="0">
+            <a:schemeClr val="accent1"/>
+          </a:fillRef>
+          <a:effectRef idx="0">
+            <a:schemeClr val="accent1"/>
+          </a:effectRef>
+          <a:fontRef idx="minor">
+            <a:schemeClr val="tx1"/>
+          </a:fontRef>
+        </p:style>
+      </p:cxnSp>
+      <p:sp>
+        <p:nvSpPr>
+          <p:cNvPr id="46" name="Rounded Rectangle 45"/>
+          <p:cNvSpPr/>
+          <p:nvPr/>
+        </p:nvSpPr>
+        <p:spPr>
+          <a:xfrm>
+            <a:off x="838200" y="5645344"/>
+            <a:ext cx="1516566" cy="379142"/>
+          </a:xfrm>
+          <a:prstGeom prst="roundRect">
+            <a:avLst/>
+          </a:prstGeom>
+        </p:spPr>
+        <p:style>
+          <a:lnRef idx="2">
+            <a:schemeClr val="dk1">
+              <a:shade val="50000"/>
+            </a:schemeClr>
+          </a:lnRef>
+          <a:fillRef idx="1">
+            <a:schemeClr val="dk1"/>
+          </a:fillRef>
+          <a:effectRef idx="0">
+            <a:schemeClr val="dk1"/>
+          </a:effectRef>
+          <a:fontRef idx="minor">
+            <a:schemeClr val="lt1"/>
+          </a:fontRef>
+        </p:style>
+        <p:txBody>
+          <a:bodyPr rtlCol="0" anchor="ctr"/>
+          <a:lstStyle/>
+          <a:p>
+            <a:pPr algn="ctr"/>
+            <a:r>
+              <a:rPr lang="en-US" dirty="0" smtClean="0"/>
+              <a:t>Time Level</a:t>
+            </a:r>
+            <a:endParaRPr lang="en-US" dirty="0"/>
+          </a:p>
+        </p:txBody>
+      </p:sp>
+      <p:sp>
+        <p:nvSpPr>
+          <p:cNvPr id="47" name="Rounded Rectangle 46"/>
+          <p:cNvSpPr/>
+          <p:nvPr/>
+        </p:nvSpPr>
+        <p:spPr>
+          <a:xfrm>
+            <a:off x="3174382" y="5648170"/>
+            <a:ext cx="750850" cy="373489"/>
+          </a:xfrm>
+          <a:prstGeom prst="roundRect">
+            <a:avLst/>
+          </a:prstGeom>
+          <a:ln w="28575"/>
+        </p:spPr>
+        <p:style>
+          <a:lnRef idx="2">
+            <a:schemeClr val="accent6">
+              <a:shade val="50000"/>
+            </a:schemeClr>
+          </a:lnRef>
+          <a:fillRef idx="1">
+            <a:schemeClr val="accent6"/>
+          </a:fillRef>
+          <a:effectRef idx="0">
+            <a:schemeClr val="accent6"/>
+          </a:effectRef>
+          <a:fontRef idx="minor">
+            <a:schemeClr val="lt1"/>
+          </a:fontRef>
+        </p:style>
+        <p:txBody>
+          <a:bodyPr rtlCol="0" anchor="ctr"/>
+          <a:lstStyle/>
+          <a:p>
+            <a:pPr algn="ctr"/>
+            <a:r>
+              <a:rPr lang="en-US" dirty="0" smtClean="0"/>
+              <a:t>T1</a:t>
+            </a:r>
+            <a:endParaRPr lang="en-US" dirty="0"/>
+          </a:p>
+        </p:txBody>
+      </p:sp>
+      <p:sp>
+        <p:nvSpPr>
+          <p:cNvPr id="48" name="Rounded Rectangle 47"/>
+          <p:cNvSpPr/>
+          <p:nvPr/>
+        </p:nvSpPr>
+        <p:spPr>
+          <a:xfrm>
+            <a:off x="4125956" y="5648169"/>
+            <a:ext cx="750850" cy="373489"/>
+          </a:xfrm>
+          <a:prstGeom prst="roundRect">
+            <a:avLst/>
+          </a:prstGeom>
+          <a:ln w="28575"/>
+        </p:spPr>
+        <p:style>
+          <a:lnRef idx="2">
+            <a:schemeClr val="accent6">
+              <a:shade val="50000"/>
+            </a:schemeClr>
+          </a:lnRef>
+          <a:fillRef idx="1">
+            <a:schemeClr val="accent6"/>
+          </a:fillRef>
+          <a:effectRef idx="0">
+            <a:schemeClr val="accent6"/>
+          </a:effectRef>
+          <a:fontRef idx="minor">
+            <a:schemeClr val="lt1"/>
+          </a:fontRef>
+        </p:style>
+        <p:txBody>
+          <a:bodyPr rtlCol="0" anchor="ctr"/>
+          <a:lstStyle/>
+          <a:p>
+            <a:pPr algn="ctr"/>
+            <a:r>
+              <a:rPr lang="en-US" dirty="0" smtClean="0"/>
+              <a:t>T2</a:t>
+            </a:r>
+            <a:endParaRPr lang="en-US" dirty="0"/>
+          </a:p>
+        </p:txBody>
+      </p:sp>
+      <p:sp>
+        <p:nvSpPr>
+          <p:cNvPr id="49" name="Rounded Rectangle 48"/>
+          <p:cNvSpPr/>
+          <p:nvPr/>
+        </p:nvSpPr>
+        <p:spPr>
+          <a:xfrm>
+            <a:off x="5099829" y="5648169"/>
+            <a:ext cx="750850" cy="373489"/>
+          </a:xfrm>
+          <a:prstGeom prst="roundRect">
+            <a:avLst/>
+          </a:prstGeom>
+          <a:ln w="28575"/>
+        </p:spPr>
+        <p:style>
+          <a:lnRef idx="2">
+            <a:schemeClr val="accent6">
+              <a:shade val="50000"/>
+            </a:schemeClr>
+          </a:lnRef>
+          <a:fillRef idx="1">
+            <a:schemeClr val="accent6"/>
+          </a:fillRef>
+          <a:effectRef idx="0">
+            <a:schemeClr val="accent6"/>
+          </a:effectRef>
+          <a:fontRef idx="minor">
+            <a:schemeClr val="lt1"/>
+          </a:fontRef>
+        </p:style>
+        <p:txBody>
+          <a:bodyPr rtlCol="0" anchor="ctr"/>
+          <a:lstStyle/>
+          <a:p>
+            <a:pPr algn="ctr"/>
+            <a:r>
+              <a:rPr lang="en-US" dirty="0"/>
+              <a:t>T</a:t>
+            </a:r>
+            <a:r>
+              <a:rPr lang="en-US" dirty="0" smtClean="0"/>
+              <a:t>3</a:t>
+            </a:r>
+            <a:endParaRPr lang="en-US" dirty="0"/>
+          </a:p>
+        </p:txBody>
+      </p:sp>
+      <p:sp>
+        <p:nvSpPr>
+          <p:cNvPr id="50" name="Rounded Rectangle 49"/>
+          <p:cNvSpPr/>
+          <p:nvPr/>
+        </p:nvSpPr>
+        <p:spPr>
+          <a:xfrm>
+            <a:off x="6084855" y="5648168"/>
+            <a:ext cx="750850" cy="373489"/>
+          </a:xfrm>
+          <a:prstGeom prst="roundRect">
+            <a:avLst/>
+          </a:prstGeom>
+          <a:ln w="28575"/>
+        </p:spPr>
+        <p:style>
+          <a:lnRef idx="2">
+            <a:schemeClr val="accent6">
+              <a:shade val="50000"/>
+            </a:schemeClr>
+          </a:lnRef>
+          <a:fillRef idx="1">
+            <a:schemeClr val="accent6"/>
+          </a:fillRef>
+          <a:effectRef idx="0">
+            <a:schemeClr val="accent6"/>
+          </a:effectRef>
+          <a:fontRef idx="minor">
+            <a:schemeClr val="lt1"/>
+          </a:fontRef>
+        </p:style>
+        <p:txBody>
+          <a:bodyPr rtlCol="0" anchor="ctr"/>
+          <a:lstStyle/>
+          <a:p>
+            <a:pPr algn="ctr"/>
+            <a:r>
+              <a:rPr lang="en-US" dirty="0" smtClean="0"/>
+              <a:t>T4</a:t>
+            </a:r>
+            <a:endParaRPr lang="en-US" dirty="0"/>
+          </a:p>
+        </p:txBody>
+      </p:sp>
+      <p:cxnSp>
+        <p:nvCxnSpPr>
+          <p:cNvPr id="51" name="Straight Arrow Connector 50"/>
+          <p:cNvCxnSpPr>
+            <a:stCxn id="28" idx="2"/>
+            <a:endCxn id="47" idx="0"/>
+          </p:cNvCxnSpPr>
+          <p:nvPr/>
+        </p:nvCxnSpPr>
+        <p:spPr>
+          <a:xfrm>
+            <a:off x="3549807" y="5238323"/>
+            <a:ext cx="0" cy="409847"/>
+          </a:xfrm>
+          <a:prstGeom prst="straightConnector1">
+            <a:avLst/>
+          </a:prstGeom>
+          <a:ln w="28575">
+            <a:solidFill>
+              <a:schemeClr val="accent3"/>
+            </a:solidFill>
+            <a:tailEnd type="triangle"/>
+          </a:ln>
+        </p:spPr>
+        <p:style>
+          <a:lnRef idx="1">
+            <a:schemeClr val="accent1"/>
+          </a:lnRef>
+          <a:fillRef idx="0">
+            <a:schemeClr val="accent1"/>
+          </a:fillRef>
+          <a:effectRef idx="0">
+            <a:schemeClr val="accent1"/>
+          </a:effectRef>
+          <a:fontRef idx="minor">
+            <a:schemeClr val="tx1"/>
+          </a:fontRef>
+        </p:style>
+      </p:cxnSp>
+      <p:cxnSp>
+        <p:nvCxnSpPr>
+          <p:cNvPr id="55" name="Straight Arrow Connector 54"/>
+          <p:cNvCxnSpPr>
+            <a:stCxn id="28" idx="2"/>
+            <a:endCxn id="48" idx="0"/>
+          </p:cNvCxnSpPr>
+          <p:nvPr/>
+        </p:nvCxnSpPr>
+        <p:spPr>
+          <a:xfrm>
+            <a:off x="3549807" y="5238323"/>
+            <a:ext cx="951574" cy="409846"/>
+          </a:xfrm>
+          <a:prstGeom prst="straightConnector1">
+            <a:avLst/>
+          </a:prstGeom>
+          <a:ln w="28575">
+            <a:solidFill>
+              <a:schemeClr val="accent3"/>
+            </a:solidFill>
+            <a:tailEnd type="triangle"/>
+          </a:ln>
+        </p:spPr>
+        <p:style>
+          <a:lnRef idx="1">
+            <a:schemeClr val="accent1"/>
+          </a:lnRef>
+          <a:fillRef idx="0">
+            <a:schemeClr val="accent1"/>
+          </a:fillRef>
+          <a:effectRef idx="0">
+            <a:schemeClr val="accent1"/>
+          </a:effectRef>
+          <a:fontRef idx="minor">
+            <a:schemeClr val="tx1"/>
+          </a:fontRef>
+        </p:style>
+      </p:cxnSp>
+      <p:cxnSp>
+        <p:nvCxnSpPr>
+          <p:cNvPr id="58" name="Straight Arrow Connector 57"/>
+          <p:cNvCxnSpPr>
+            <a:stCxn id="28" idx="2"/>
+            <a:endCxn id="49" idx="0"/>
+          </p:cNvCxnSpPr>
+          <p:nvPr/>
+        </p:nvCxnSpPr>
+        <p:spPr>
+          <a:xfrm>
+            <a:off x="3549807" y="5238323"/>
+            <a:ext cx="1925447" cy="409846"/>
+          </a:xfrm>
+          <a:prstGeom prst="straightConnector1">
+            <a:avLst/>
+          </a:prstGeom>
+          <a:ln w="28575">
+            <a:solidFill>
+              <a:schemeClr val="accent3"/>
+            </a:solidFill>
+            <a:tailEnd type="triangle"/>
+          </a:ln>
+        </p:spPr>
+        <p:style>
+          <a:lnRef idx="1">
+            <a:schemeClr val="accent1"/>
+          </a:lnRef>
+          <a:fillRef idx="0">
+            <a:schemeClr val="accent1"/>
+          </a:fillRef>
+          <a:effectRef idx="0">
+            <a:schemeClr val="accent1"/>
+          </a:effectRef>
+          <a:fontRef idx="minor">
+            <a:schemeClr val="tx1"/>
+          </a:fontRef>
+        </p:style>
+      </p:cxnSp>
+      <p:cxnSp>
+        <p:nvCxnSpPr>
+          <p:cNvPr id="61" name="Straight Arrow Connector 60"/>
+          <p:cNvCxnSpPr>
+            <a:stCxn id="28" idx="2"/>
+            <a:endCxn id="50" idx="0"/>
+          </p:cNvCxnSpPr>
+          <p:nvPr/>
+        </p:nvCxnSpPr>
+        <p:spPr>
+          <a:xfrm>
+            <a:off x="3549807" y="5238323"/>
+            <a:ext cx="2910473" cy="409845"/>
+          </a:xfrm>
+          <a:prstGeom prst="straightConnector1">
+            <a:avLst/>
+          </a:prstGeom>
+          <a:ln w="28575">
+            <a:solidFill>
+              <a:schemeClr val="accent3"/>
+            </a:solidFill>
+            <a:tailEnd type="triangle"/>
+          </a:ln>
+        </p:spPr>
+        <p:style>
+          <a:lnRef idx="1">
+            <a:schemeClr val="accent1"/>
+          </a:lnRef>
+          <a:fillRef idx="0">
+            <a:schemeClr val="accent1"/>
+          </a:fillRef>
+          <a:effectRef idx="0">
+            <a:schemeClr val="accent1"/>
+          </a:effectRef>
+          <a:fontRef idx="minor">
+            <a:schemeClr val="tx1"/>
+          </a:fontRef>
+        </p:style>
+      </p:cxnSp>
+    </p:spTree>
+    <p:extLst>
+      <p:ext uri="{BB962C8B-B14F-4D97-AF65-F5344CB8AC3E}">
+        <p14:creationId xmlns:p14="http://schemas.microsoft.com/office/powerpoint/2010/main" val="1241579533"/>
+      </p:ext>
+    </p:extLst>
+  </p:cSld>
+  <p:clrMapOvr>
+    <a:masterClrMapping/>
+  </p:clrMapOvr>
+</p:sld>
+</file>
+
+<file path=ppt/slides/slide39.xml><?xml version="1.0" encoding="utf-8"?>
+<p:sld xmlns:a="http://schemas.openxmlformats.org/drawingml/2006/main" xmlns:r="http://schemas.openxmlformats.org/officeDocument/2006/relationships" xmlns:p="http://schemas.openxmlformats.org/presentationml/2006/main">
+  <p:cSld>
+    <p:spTree>
+      <p:nvGrpSpPr>
+        <p:cNvPr id="1" name=""/>
+        <p:cNvGrpSpPr/>
+        <p:nvPr/>
+      </p:nvGrpSpPr>
+      <p:grpSpPr>
+        <a:xfrm>
+          <a:off x="0" y="0"/>
+          <a:ext cx="0" cy="0"/>
+          <a:chOff x="0" y="0"/>
+          <a:chExt cx="0" cy="0"/>
+        </a:xfrm>
+      </p:grpSpPr>
+      <p:sp>
+        <p:nvSpPr>
+          <p:cNvPr id="2" name="Title 1"/>
+          <p:cNvSpPr>
+            <a:spLocks noGrp="1"/>
+          </p:cNvSpPr>
+          <p:nvPr>
+            <p:ph type="title"/>
+          </p:nvPr>
+        </p:nvSpPr>
+        <p:spPr/>
+        <p:txBody>
+          <a:bodyPr/>
+          <a:lstStyle/>
+          <a:p>
+            <a:r>
+              <a:rPr lang="en-US" dirty="0"/>
+              <a:t>9</a:t>
+            </a:r>
+            <a:r>
+              <a:rPr lang="en-US" dirty="0" smtClean="0"/>
+              <a:t>. What are Fixed-Effects and Random-Effects?</a:t>
+            </a:r>
+            <a:endParaRPr lang="en-US" dirty="0"/>
+          </a:p>
+        </p:txBody>
+      </p:sp>
+      <p:sp>
+        <p:nvSpPr>
+          <p:cNvPr id="4" name="Slide Number Placeholder 3"/>
+          <p:cNvSpPr>
+            <a:spLocks noGrp="1"/>
+          </p:cNvSpPr>
+          <p:nvPr>
+            <p:ph type="sldNum" sz="quarter" idx="12"/>
+          </p:nvPr>
+        </p:nvSpPr>
+        <p:spPr/>
+        <p:txBody>
+          <a:bodyPr/>
+          <a:lstStyle/>
+          <a:p>
+            <a:fld id="{62D33721-DFD7-43E1-85F9-9FD0AD2C3B28}" type="slidenum">
+              <a:rPr lang="en-US" smtClean="0"/>
+              <a:t>39</a:t>
+            </a:fld>
+            <a:endParaRPr lang="en-US"/>
+          </a:p>
+        </p:txBody>
+      </p:sp>
+      <mc:AlternateContent xmlns:mc="http://schemas.openxmlformats.org/markup-compatibility/2006" xmlns:a14="http://schemas.microsoft.com/office/drawing/2010/main">
+        <mc:Choice Requires="a14">
+          <p:sp>
+            <p:nvSpPr>
+              <p:cNvPr id="6" name="Rectangle 5"/>
+              <p:cNvSpPr/>
+              <p:nvPr/>
+            </p:nvSpPr>
+            <p:spPr>
+              <a:xfrm>
+                <a:off x="3333664" y="2369408"/>
+                <a:ext cx="6159378" cy="491417"/>
+              </a:xfrm>
+              <a:prstGeom prst="rect">
+                <a:avLst/>
+              </a:prstGeom>
+            </p:spPr>
+            <p:txBody>
+              <a:bodyPr wrap="none">
+                <a:spAutoFit/>
+              </a:bodyPr>
+              <a:lstStyle/>
+              <a:p>
+                <a:pPr/>
+                <a14:m>
+                  <m:oMathPara xmlns:m="http://schemas.openxmlformats.org/officeDocument/2006/math">
+                    <m:oMathParaPr>
+                      <m:jc m:val="centerGroup"/>
+                    </m:oMathParaPr>
+                    <m:oMath xmlns:m="http://schemas.openxmlformats.org/officeDocument/2006/math">
+                      <m:sSub>
+                        <m:sSubPr>
+                          <m:ctrlPr>
+                            <a:rPr lang="en-US" sz="2400" i="1">
+                              <a:latin typeface="Cambria Math" panose="02040503050406030204" pitchFamily="18" charset="0"/>
+                            </a:rPr>
+                          </m:ctrlPr>
+                        </m:sSubPr>
+                        <m:e>
+                          <m:r>
+                            <a:rPr lang="en-US" sz="2400" i="1">
+                              <a:latin typeface="Cambria Math" panose="02040503050406030204" pitchFamily="18" charset="0"/>
+                            </a:rPr>
+                            <m:t>𝑦</m:t>
+                          </m:r>
+                        </m:e>
+                        <m:sub>
+                          <m:r>
+                            <a:rPr lang="en-US" sz="2400" i="1">
+                              <a:latin typeface="Cambria Math" panose="02040503050406030204" pitchFamily="18" charset="0"/>
+                            </a:rPr>
+                            <m:t>𝑖𝑗</m:t>
+                          </m:r>
+                        </m:sub>
+                      </m:sSub>
+                      <m:r>
+                        <a:rPr lang="en-US" sz="2400" i="0">
+                          <a:latin typeface="Cambria Math" panose="02040503050406030204" pitchFamily="18" charset="0"/>
+                        </a:rPr>
+                        <m:t>=</m:t>
+                      </m:r>
+                      <m:sSub>
+                        <m:sSubPr>
+                          <m:ctrlPr>
+                            <a:rPr lang="en-US" sz="2400" i="1">
+                              <a:latin typeface="Cambria Math" panose="02040503050406030204" pitchFamily="18" charset="0"/>
+                            </a:rPr>
+                          </m:ctrlPr>
+                        </m:sSubPr>
+                        <m:e>
+                          <m:r>
+                            <a:rPr lang="en-US" sz="2400" i="1">
+                              <a:latin typeface="Cambria Math" panose="02040503050406030204" pitchFamily="18" charset="0"/>
+                            </a:rPr>
+                            <m:t>𝐵</m:t>
+                          </m:r>
+                        </m:e>
+                        <m:sub>
+                          <m:r>
+                            <a:rPr lang="en-US" sz="2400" i="0">
+                              <a:latin typeface="Cambria Math" panose="02040503050406030204" pitchFamily="18" charset="0"/>
+                            </a:rPr>
+                            <m:t>0</m:t>
+                          </m:r>
+                        </m:sub>
+                      </m:sSub>
+                      <m:r>
+                        <a:rPr lang="en-US" sz="2400" i="0">
+                          <a:latin typeface="Cambria Math" panose="02040503050406030204" pitchFamily="18" charset="0"/>
+                        </a:rPr>
+                        <m:t>+</m:t>
+                      </m:r>
+                      <m:sSub>
+                        <m:sSubPr>
+                          <m:ctrlPr>
+                            <a:rPr lang="en-US" sz="2400" i="1">
+                              <a:latin typeface="Cambria Math" panose="02040503050406030204" pitchFamily="18" charset="0"/>
+                            </a:rPr>
+                          </m:ctrlPr>
+                        </m:sSubPr>
+                        <m:e>
+                          <m:r>
+                            <a:rPr lang="en-US" sz="2400" i="1">
+                              <a:latin typeface="Cambria Math" panose="02040503050406030204" pitchFamily="18" charset="0"/>
+                            </a:rPr>
+                            <m:t>𝑈</m:t>
+                          </m:r>
+                        </m:e>
+                        <m:sub>
+                          <m:r>
+                            <a:rPr lang="en-US" sz="2400" i="0">
+                              <a:latin typeface="Cambria Math" panose="02040503050406030204" pitchFamily="18" charset="0"/>
+                            </a:rPr>
+                            <m:t>0</m:t>
+                          </m:r>
+                          <m:r>
+                            <a:rPr lang="en-US" sz="2400" i="1">
+                              <a:latin typeface="Cambria Math" panose="02040503050406030204" pitchFamily="18" charset="0"/>
+                            </a:rPr>
+                            <m:t>𝑗</m:t>
+                          </m:r>
+                        </m:sub>
+                      </m:sSub>
+                      <m:r>
+                        <a:rPr lang="en-US" sz="2400" i="0">
+                          <a:latin typeface="Cambria Math" panose="02040503050406030204" pitchFamily="18" charset="0"/>
+                        </a:rPr>
+                        <m:t>+(</m:t>
+                      </m:r>
+                      <m:sSub>
+                        <m:sSubPr>
+                          <m:ctrlPr>
+                            <a:rPr lang="en-US" sz="2400" i="1">
+                              <a:latin typeface="Cambria Math" panose="02040503050406030204" pitchFamily="18" charset="0"/>
+                            </a:rPr>
+                          </m:ctrlPr>
+                        </m:sSubPr>
+                        <m:e>
+                          <m:r>
+                            <a:rPr lang="en-US" sz="2400" i="1">
+                              <a:latin typeface="Cambria Math" panose="02040503050406030204" pitchFamily="18" charset="0"/>
+                            </a:rPr>
+                            <m:t>𝐵</m:t>
+                          </m:r>
+                        </m:e>
+                        <m:sub>
+                          <m:r>
+                            <a:rPr lang="en-US" sz="2400" i="0">
+                              <a:latin typeface="Cambria Math" panose="02040503050406030204" pitchFamily="18" charset="0"/>
+                            </a:rPr>
+                            <m:t>1</m:t>
+                          </m:r>
+                        </m:sub>
+                      </m:sSub>
+                      <m:r>
+                        <a:rPr lang="en-US" sz="2400" i="0">
+                          <a:latin typeface="Cambria Math" panose="02040503050406030204" pitchFamily="18" charset="0"/>
+                        </a:rPr>
+                        <m:t>+</m:t>
+                      </m:r>
+                      <m:sSub>
+                        <m:sSubPr>
+                          <m:ctrlPr>
+                            <a:rPr lang="en-US" sz="2400" i="1">
+                              <a:latin typeface="Cambria Math" panose="02040503050406030204" pitchFamily="18" charset="0"/>
+                            </a:rPr>
+                          </m:ctrlPr>
+                        </m:sSubPr>
+                        <m:e>
+                          <m:r>
+                            <a:rPr lang="en-US" sz="2400" i="1">
+                              <a:latin typeface="Cambria Math" panose="02040503050406030204" pitchFamily="18" charset="0"/>
+                            </a:rPr>
+                            <m:t>𝑈</m:t>
+                          </m:r>
+                        </m:e>
+                        <m:sub>
+                          <m:r>
+                            <a:rPr lang="en-US" sz="2400" i="0">
+                              <a:latin typeface="Cambria Math" panose="02040503050406030204" pitchFamily="18" charset="0"/>
+                            </a:rPr>
+                            <m:t>1</m:t>
+                          </m:r>
+                          <m:r>
+                            <a:rPr lang="en-US" sz="2400" i="1">
+                              <a:latin typeface="Cambria Math" panose="02040503050406030204" pitchFamily="18" charset="0"/>
+                            </a:rPr>
+                            <m:t>𝑗</m:t>
+                          </m:r>
+                        </m:sub>
+                      </m:sSub>
+                      <m:r>
+                        <a:rPr lang="en-US" sz="2400" i="0">
+                          <a:latin typeface="Cambria Math" panose="02040503050406030204" pitchFamily="18" charset="0"/>
+                        </a:rPr>
+                        <m:t>)∗(</m:t>
+                      </m:r>
+                      <m:r>
+                        <a:rPr lang="en-US" sz="2400" i="1">
+                          <a:latin typeface="Cambria Math" panose="02040503050406030204" pitchFamily="18" charset="0"/>
+                        </a:rPr>
+                        <m:t>𝑇𝐼𝑀</m:t>
+                      </m:r>
+                      <m:sSub>
+                        <m:sSubPr>
+                          <m:ctrlPr>
+                            <a:rPr lang="en-US" sz="2400" i="1">
+                              <a:latin typeface="Cambria Math" panose="02040503050406030204" pitchFamily="18" charset="0"/>
+                            </a:rPr>
+                          </m:ctrlPr>
+                        </m:sSubPr>
+                        <m:e>
+                          <m:r>
+                            <a:rPr lang="en-US" sz="2400" i="1">
+                              <a:latin typeface="Cambria Math" panose="02040503050406030204" pitchFamily="18" charset="0"/>
+                            </a:rPr>
+                            <m:t>𝐸</m:t>
+                          </m:r>
+                        </m:e>
+                        <m:sub>
+                          <m:r>
+                            <a:rPr lang="en-US" sz="2400" i="1">
+                              <a:latin typeface="Cambria Math" panose="02040503050406030204" pitchFamily="18" charset="0"/>
+                            </a:rPr>
+                            <m:t>𝑖𝑗</m:t>
+                          </m:r>
+                        </m:sub>
+                      </m:sSub>
+                      <m:r>
+                        <a:rPr lang="en-US" sz="2400" i="0">
+                          <a:latin typeface="Cambria Math" panose="02040503050406030204" pitchFamily="18" charset="0"/>
+                        </a:rPr>
+                        <m:t>)+</m:t>
+                      </m:r>
+                      <m:sSub>
+                        <m:sSubPr>
+                          <m:ctrlPr>
+                            <a:rPr lang="en-US" sz="2400" i="1">
+                              <a:latin typeface="Cambria Math" panose="02040503050406030204" pitchFamily="18" charset="0"/>
+                            </a:rPr>
+                          </m:ctrlPr>
+                        </m:sSubPr>
+                        <m:e>
+                          <m:r>
+                            <a:rPr lang="en-US" sz="2400" i="1" smtClean="0">
+                              <a:latin typeface="Cambria Math" panose="02040503050406030204" pitchFamily="18" charset="0"/>
+                              <a:ea typeface="Cambria Math" panose="02040503050406030204" pitchFamily="18" charset="0"/>
+                            </a:rPr>
+                            <m:t>𝜖</m:t>
+                          </m:r>
+                        </m:e>
+                        <m:sub>
+                          <m:r>
+                            <a:rPr lang="en-US" sz="2400" i="1">
+                              <a:latin typeface="Cambria Math" panose="02040503050406030204" pitchFamily="18" charset="0"/>
+                            </a:rPr>
+                            <m:t>𝑖𝑗</m:t>
+                          </m:r>
+                        </m:sub>
+                      </m:sSub>
+                    </m:oMath>
+                  </m:oMathPara>
+                </a14:m>
+                <a:endParaRPr lang="en-US" sz="2400" dirty="0"/>
+              </a:p>
+            </p:txBody>
+          </p:sp>
+        </mc:Choice>
+        <mc:Fallback xmlns="">
+          <p:sp>
+            <p:nvSpPr>
+              <p:cNvPr id="6" name="Rectangle 5"/>
+              <p:cNvSpPr>
+                <a:spLocks noRot="1" noChangeAspect="1" noMove="1" noResize="1" noEditPoints="1" noAdjustHandles="1" noChangeArrowheads="1" noChangeShapeType="1" noTextEdit="1"/>
+              </p:cNvSpPr>
+              <p:nvPr/>
+            </p:nvSpPr>
+            <p:spPr>
+              <a:xfrm>
+                <a:off x="3333664" y="2369408"/>
+                <a:ext cx="6159378" cy="491417"/>
+              </a:xfrm>
+              <a:prstGeom prst="rect">
+                <a:avLst/>
+              </a:prstGeom>
+              <a:blipFill>
+                <a:blip r:embed="rId2"/>
+                <a:stretch>
+                  <a:fillRect b="-12500"/>
+                </a:stretch>
+              </a:blipFill>
+            </p:spPr>
+            <p:txBody>
+              <a:bodyPr/>
+              <a:lstStyle/>
+              <a:p>
+                <a:r>
+                  <a:rPr lang="en-US">
+                    <a:noFill/>
+                  </a:rPr>
+                  <a:t> </a:t>
+                </a:r>
+              </a:p>
+            </p:txBody>
+          </p:sp>
+        </mc:Fallback>
+      </mc:AlternateContent>
+      <mc:AlternateContent xmlns:mc="http://schemas.openxmlformats.org/markup-compatibility/2006" xmlns:a14="http://schemas.microsoft.com/office/drawing/2010/main">
+        <mc:Choice Requires="a14">
+          <p:sp>
+            <p:nvSpPr>
+              <p:cNvPr id="7" name="TextBox 6"/>
+              <p:cNvSpPr txBox="1"/>
+              <p:nvPr/>
+            </p:nvSpPr>
+            <p:spPr>
+              <a:xfrm>
+                <a:off x="838200" y="3077738"/>
+                <a:ext cx="10515599" cy="3568477"/>
+              </a:xfrm>
+              <a:prstGeom prst="rect">
+                <a:avLst/>
+              </a:prstGeom>
+              <a:noFill/>
+            </p:spPr>
+            <p:txBody>
+              <a:bodyPr wrap="square" rtlCol="0">
+                <a:spAutoFit/>
+              </a:bodyPr>
+              <a:lstStyle/>
+              <a:p>
+                <a:r>
+                  <a:rPr lang="en-US" sz="2400" dirty="0" smtClean="0"/>
+                  <a:t>Thus, we </a:t>
+                </a:r>
+                <a:r>
+                  <a:rPr lang="en-US" sz="2400" dirty="0"/>
+                  <a:t>have the following terms in our </a:t>
+                </a:r>
+                <a:r>
+                  <a:rPr lang="en-US" sz="2400" i="1" dirty="0" smtClean="0"/>
+                  <a:t>DATA</a:t>
+                </a:r>
+                <a:r>
+                  <a:rPr lang="en-US" sz="2400" dirty="0" smtClean="0"/>
+                  <a:t> (</a:t>
+                </a:r>
+                <a:r>
+                  <a:rPr lang="en-US" sz="2400" dirty="0" err="1" smtClean="0"/>
+                  <a:t>y</a:t>
+                </a:r>
+                <a:r>
+                  <a:rPr lang="en-US" sz="2400" baseline="-25000" dirty="0" err="1" smtClean="0"/>
+                  <a:t>ij</a:t>
+                </a:r>
+                <a:r>
+                  <a:rPr lang="en-US" sz="2400" dirty="0" err="1" smtClean="0"/>
+                  <a:t>’s</a:t>
+                </a:r>
+                <a:r>
+                  <a:rPr lang="en-US" sz="2400" dirty="0" smtClean="0"/>
+                  <a:t>):</a:t>
+                </a:r>
+                <a:endParaRPr lang="en-US" sz="2400" dirty="0"/>
+              </a:p>
+              <a:p>
+                <a:pPr marL="285750" lvl="0" indent="-285750">
+                  <a:buFont typeface="Arial" panose="020B0604020202020204" pitchFamily="34" charset="0"/>
+                  <a:buChar char="•"/>
+                </a:pPr>
+                <a:r>
+                  <a:rPr lang="en-US" sz="2000" dirty="0"/>
+                  <a:t>The </a:t>
+                </a:r>
+                <a:r>
+                  <a:rPr lang="en-US" sz="2000" i="1" dirty="0"/>
+                  <a:t>MODEL</a:t>
+                </a:r>
+                <a:r>
+                  <a:rPr lang="en-US" sz="2000" dirty="0"/>
+                  <a:t> includes fixed effects and random effects.</a:t>
+                </a:r>
+              </a:p>
+              <a:p>
+                <a:pPr marL="285750" lvl="0" indent="-285750">
+                  <a:buFont typeface="Arial" panose="020B0604020202020204" pitchFamily="34" charset="0"/>
+                  <a:buChar char="•"/>
+                </a:pPr>
+                <a:r>
+                  <a:rPr lang="en-US" sz="2000" b="1" i="1" dirty="0"/>
+                  <a:t>Fixed-Effects</a:t>
+                </a:r>
+                <a:r>
+                  <a:rPr lang="en-US" sz="2000" dirty="0"/>
+                  <a:t> are the group-level </a:t>
+                </a:r>
+                <a14:m>
+                  <m:oMath xmlns:m="http://schemas.openxmlformats.org/officeDocument/2006/math">
+                    <m:r>
+                      <a:rPr lang="en-US" sz="2000" i="1">
+                        <a:latin typeface="Cambria Math" panose="02040503050406030204" pitchFamily="18" charset="0"/>
+                      </a:rPr>
+                      <m:t>𝐵</m:t>
+                    </m:r>
+                  </m:oMath>
+                </a14:m>
+                <a:r>
+                  <a:rPr lang="en-US" sz="2000" dirty="0"/>
+                  <a:t>'s, these effects parallel the traditional main-effects and interactions that you have probably encountered in other statistical analyses.</a:t>
+                </a:r>
+              </a:p>
+              <a:p>
+                <a:pPr marL="285750" lvl="0" indent="-285750">
+                  <a:buFont typeface="Arial" panose="020B0604020202020204" pitchFamily="34" charset="0"/>
+                  <a:buChar char="•"/>
+                </a:pPr>
+                <a:r>
+                  <a:rPr lang="en-US" sz="2000" b="1" i="1" dirty="0"/>
+                  <a:t>Random-Effects</a:t>
+                </a:r>
+                <a:r>
+                  <a:rPr lang="en-US" sz="2000" dirty="0"/>
+                  <a:t> are the participant-level </a:t>
+                </a:r>
+                <a14:m>
+                  <m:oMath xmlns:m="http://schemas.openxmlformats.org/officeDocument/2006/math">
+                    <m:sSub>
+                      <m:sSubPr>
+                        <m:ctrlPr>
+                          <a:rPr lang="en-US" sz="2000" i="1">
+                            <a:latin typeface="Cambria Math" panose="02040503050406030204" pitchFamily="18" charset="0"/>
+                          </a:rPr>
+                        </m:ctrlPr>
+                      </m:sSubPr>
+                      <m:e>
+                        <m:r>
+                          <a:rPr lang="en-US" sz="2000" i="1">
+                            <a:latin typeface="Cambria Math" panose="02040503050406030204" pitchFamily="18" charset="0"/>
+                          </a:rPr>
+                          <m:t>𝑈</m:t>
+                        </m:r>
+                      </m:e>
+                      <m:sub>
+                        <m:r>
+                          <a:rPr lang="en-US" sz="2000" i="1">
+                            <a:latin typeface="Cambria Math" panose="02040503050406030204" pitchFamily="18" charset="0"/>
+                          </a:rPr>
+                          <m:t>𝑗</m:t>
+                        </m:r>
+                      </m:sub>
+                    </m:sSub>
+                  </m:oMath>
+                </a14:m>
+                <a:r>
+                  <a:rPr lang="en-US" sz="2000" dirty="0"/>
+                  <a:t>'s that remove statistical dependency from our data. (This is bit of a simplification, but you can think of not including the appropriate random-effects like running a between-subjects ANOVA when you should be running a repeated-measures ANOVA.)</a:t>
+                </a:r>
+              </a:p>
+              <a:p>
+                <a:pPr marL="285750" lvl="0" indent="-285750">
+                  <a:buFont typeface="Arial" panose="020B0604020202020204" pitchFamily="34" charset="0"/>
+                  <a:buChar char="•"/>
+                </a:pPr>
+                <a:r>
+                  <a:rPr lang="en-US" sz="2000" dirty="0"/>
+                  <a:t>The </a:t>
+                </a:r>
+                <a:r>
+                  <a:rPr lang="en-US" sz="2000" i="1" dirty="0"/>
+                  <a:t>ERRORS</a:t>
+                </a:r>
+                <a:r>
+                  <a:rPr lang="en-US" sz="2000" dirty="0"/>
+                  <a:t>, or more specifically </a:t>
+                </a:r>
+                <a:r>
+                  <a:rPr lang="en-US" sz="2000" i="1" dirty="0"/>
+                  <a:t>Random </a:t>
+                </a:r>
+                <a:r>
+                  <a:rPr lang="en-US" sz="2000" i="1" dirty="0" smtClean="0"/>
+                  <a:t>Errors (</a:t>
+                </a:r>
+                <a:r>
+                  <a:rPr lang="el-GR" sz="2000" i="1" dirty="0" smtClean="0"/>
+                  <a:t>ϵ</a:t>
+                </a:r>
+                <a:r>
+                  <a:rPr lang="en-US" sz="2000" i="1" baseline="-25000" dirty="0" err="1" smtClean="0"/>
+                  <a:t>ij</a:t>
+                </a:r>
+                <a:r>
+                  <a:rPr lang="en-US" sz="2000" i="1" dirty="0" err="1" smtClean="0"/>
+                  <a:t>’s</a:t>
+                </a:r>
+                <a:r>
+                  <a:rPr lang="en-US" sz="2000" i="1" dirty="0" smtClean="0"/>
+                  <a:t>)</a:t>
+                </a:r>
+                <a:r>
+                  <a:rPr lang="en-US" sz="2000" dirty="0" smtClean="0"/>
+                  <a:t>, </a:t>
+                </a:r>
+                <a:r>
+                  <a:rPr lang="en-US" sz="2000" dirty="0"/>
+                  <a:t>are the difference between our </a:t>
+                </a:r>
+                <a:r>
+                  <a:rPr lang="en-US" sz="2000" i="1" dirty="0"/>
+                  <a:t>MODEL</a:t>
+                </a:r>
+                <a:r>
+                  <a:rPr lang="en-US" sz="2000" dirty="0"/>
+                  <a:t>'s predictions and the actual </a:t>
+                </a:r>
+                <a:r>
+                  <a:rPr lang="en-US" sz="2000" i="1" dirty="0"/>
+                  <a:t>DATA</a:t>
+                </a:r>
+                <a:r>
+                  <a:rPr lang="en-US" sz="2000" dirty="0"/>
+                  <a:t>.</a:t>
+                </a:r>
+              </a:p>
+              <a:p>
+                <a:endParaRPr lang="en-US" sz="2000" dirty="0"/>
+              </a:p>
+            </p:txBody>
+          </p:sp>
+        </mc:Choice>
+        <mc:Fallback xmlns="">
+          <p:sp>
+            <p:nvSpPr>
+              <p:cNvPr id="7" name="TextBox 6"/>
+              <p:cNvSpPr txBox="1">
+                <a:spLocks noRot="1" noChangeAspect="1" noMove="1" noResize="1" noEditPoints="1" noAdjustHandles="1" noChangeArrowheads="1" noChangeShapeType="1" noTextEdit="1"/>
+              </p:cNvSpPr>
+              <p:nvPr/>
+            </p:nvSpPr>
+            <p:spPr>
+              <a:xfrm>
+                <a:off x="838200" y="3077738"/>
+                <a:ext cx="10515599" cy="3568477"/>
+              </a:xfrm>
+              <a:prstGeom prst="rect">
+                <a:avLst/>
+              </a:prstGeom>
+              <a:blipFill>
+                <a:blip r:embed="rId3"/>
+                <a:stretch>
+                  <a:fillRect l="-928" t="-1368"/>
+                </a:stretch>
+              </a:blipFill>
+            </p:spPr>
+            <p:txBody>
+              <a:bodyPr/>
+              <a:lstStyle/>
+              <a:p>
+                <a:r>
+                  <a:rPr lang="en-US">
+                    <a:noFill/>
+                  </a:rPr>
+                  <a:t> </a:t>
+                </a:r>
+              </a:p>
+            </p:txBody>
+          </p:sp>
+        </mc:Fallback>
+      </mc:AlternateContent>
+      <p:sp>
+        <p:nvSpPr>
+          <p:cNvPr id="8" name="TextBox 7"/>
+          <p:cNvSpPr txBox="1"/>
+          <p:nvPr/>
+        </p:nvSpPr>
+        <p:spPr>
+          <a:xfrm>
+            <a:off x="838200" y="1538411"/>
+            <a:ext cx="7809405" cy="830997"/>
+          </a:xfrm>
+          <a:prstGeom prst="rect">
+            <a:avLst/>
+          </a:prstGeom>
+          <a:noFill/>
+        </p:spPr>
+        <p:txBody>
+          <a:bodyPr wrap="square" rtlCol="0">
+            <a:spAutoFit/>
+          </a:bodyPr>
+          <a:lstStyle/>
+          <a:p>
+            <a:r>
+              <a:rPr lang="en-US" sz="2400" dirty="0" smtClean="0"/>
+              <a:t>Remember the general concept of DATA = MODEL + Error.</a:t>
+            </a:r>
+          </a:p>
+          <a:p>
+            <a:r>
+              <a:rPr lang="en-US" sz="2400" dirty="0" smtClean="0"/>
+              <a:t>This can be more elaborately written as:</a:t>
+            </a:r>
+            <a:endParaRPr lang="en-US" sz="2400" dirty="0"/>
+          </a:p>
+        </p:txBody>
+      </p:sp>
+    </p:spTree>
+    <p:extLst>
+      <p:ext uri="{BB962C8B-B14F-4D97-AF65-F5344CB8AC3E}">
+        <p14:creationId xmlns:p14="http://schemas.microsoft.com/office/powerpoint/2010/main" val="2528664542"/>
+      </p:ext>
+    </p:extLst>
+  </p:cSld>
+  <p:clrMapOvr>
+    <a:masterClrMapping/>
+  </p:clrMapOvr>
+</p:sld>
+</file>
+
+<file path=ppt/slides/slide4.xml><?xml version="1.0" encoding="utf-8"?>
+<p:sld xmlns:a="http://schemas.openxmlformats.org/drawingml/2006/main" xmlns:r="http://schemas.openxmlformats.org/officeDocument/2006/relationships" xmlns:p="http://schemas.openxmlformats.org/presentationml/2006/main">
+  <p:cSld>
+    <p:spTree>
+      <p:nvGrpSpPr>
+        <p:cNvPr id="1" name=""/>
+        <p:cNvGrpSpPr/>
+        <p:nvPr/>
+      </p:nvGrpSpPr>
+      <p:grpSpPr>
+        <a:xfrm>
+          <a:off x="0" y="0"/>
+          <a:ext cx="0" cy="0"/>
+          <a:chOff x="0" y="0"/>
+          <a:chExt cx="0" cy="0"/>
+        </a:xfrm>
+      </p:grpSpPr>
+      <p:sp>
+        <p:nvSpPr>
+          <p:cNvPr id="2" name="Title 1"/>
+          <p:cNvSpPr>
+            <a:spLocks noGrp="1"/>
+          </p:cNvSpPr>
+          <p:nvPr>
+            <p:ph type="title"/>
+          </p:nvPr>
+        </p:nvSpPr>
+        <p:spPr/>
+        <p:txBody>
+          <a:bodyPr>
+            <a:normAutofit/>
+          </a:bodyPr>
+          <a:lstStyle/>
+          <a:p>
+            <a:r>
+              <a:rPr lang="en-US" sz="6600" dirty="0" smtClean="0"/>
+              <a:t>Data Visualization.</a:t>
+            </a:r>
+            <a:endParaRPr lang="en-US" sz="6600" dirty="0"/>
+          </a:p>
+        </p:txBody>
+      </p:sp>
+      <p:sp>
+        <p:nvSpPr>
+          <p:cNvPr id="3" name="Slide Number Placeholder 2"/>
+          <p:cNvSpPr>
+            <a:spLocks noGrp="1"/>
+          </p:cNvSpPr>
+          <p:nvPr>
+            <p:ph type="sldNum" sz="quarter" idx="12"/>
+          </p:nvPr>
+        </p:nvSpPr>
+        <p:spPr/>
+        <p:txBody>
+          <a:bodyPr/>
+          <a:lstStyle/>
+          <a:p>
+            <a:fld id="{62D33721-DFD7-43E1-85F9-9FD0AD2C3B28}" type="slidenum">
+              <a:rPr lang="en-US" smtClean="0"/>
+              <a:t>4</a:t>
+            </a:fld>
+            <a:endParaRPr lang="en-US"/>
+          </a:p>
+        </p:txBody>
+      </p:sp>
+    </p:spTree>
+    <p:extLst>
+      <p:ext uri="{BB962C8B-B14F-4D97-AF65-F5344CB8AC3E}">
+        <p14:creationId xmlns:p14="http://schemas.microsoft.com/office/powerpoint/2010/main" val="2371756391"/>
+      </p:ext>
+    </p:extLst>
+  </p:cSld>
+  <p:clrMapOvr>
+    <a:masterClrMapping/>
+  </p:clrMapOvr>
+  <p:timing>
+    <p:tnLst>
+      <p:par>
+        <p:cTn id="1" dur="indefinite" restart="never" nodeType="tmRoot"/>
+      </p:par>
+    </p:tnLst>
+  </p:timing>
+</p:sld>
+</file>
+
+<file path=ppt/slides/slide40.xml><?xml version="1.0" encoding="utf-8"?>
+<p:sld xmlns:a="http://schemas.openxmlformats.org/drawingml/2006/main" xmlns:r="http://schemas.openxmlformats.org/officeDocument/2006/relationships" xmlns:p="http://schemas.openxmlformats.org/presentationml/2006/main">
+  <p:cSld>
+    <p:spTree>
+      <p:nvGrpSpPr>
+        <p:cNvPr id="1" name=""/>
+        <p:cNvGrpSpPr/>
+        <p:nvPr/>
+      </p:nvGrpSpPr>
+      <p:grpSpPr>
+        <a:xfrm>
+          <a:off x="0" y="0"/>
+          <a:ext cx="0" cy="0"/>
+          <a:chOff x="0" y="0"/>
+          <a:chExt cx="0" cy="0"/>
+        </a:xfrm>
+      </p:grpSpPr>
+      <p:sp>
+        <p:nvSpPr>
+          <p:cNvPr id="2" name="Title 1"/>
+          <p:cNvSpPr>
+            <a:spLocks noGrp="1"/>
+          </p:cNvSpPr>
+          <p:nvPr>
+            <p:ph type="title"/>
+          </p:nvPr>
+        </p:nvSpPr>
+        <p:spPr/>
+        <p:txBody>
+          <a:bodyPr/>
+          <a:lstStyle/>
+          <a:p>
+            <a:r>
+              <a:rPr lang="en-US" dirty="0" smtClean="0"/>
+              <a:t>10. Assumptions</a:t>
+            </a:r>
+            <a:endParaRPr lang="en-US" dirty="0"/>
+          </a:p>
+        </p:txBody>
+      </p:sp>
+      <p:sp>
+        <p:nvSpPr>
+          <p:cNvPr id="3" name="Content Placeholder 2"/>
+          <p:cNvSpPr>
+            <a:spLocks noGrp="1"/>
+          </p:cNvSpPr>
+          <p:nvPr>
+            <p:ph idx="1"/>
+          </p:nvPr>
+        </p:nvSpPr>
+        <p:spPr/>
+        <p:txBody>
+          <a:bodyPr>
+            <a:normAutofit fontScale="92500" lnSpcReduction="20000"/>
+          </a:bodyPr>
+          <a:lstStyle/>
+          <a:p>
+            <a:r>
+              <a:rPr lang="en-US" dirty="0" smtClean="0"/>
+              <a:t>Normality</a:t>
+            </a:r>
+          </a:p>
+          <a:p>
+            <a:pPr lvl="1"/>
+            <a:r>
+              <a:rPr lang="en-US" dirty="0" smtClean="0"/>
+              <a:t>Does transforming the DV change the model?</a:t>
+            </a:r>
+          </a:p>
+          <a:p>
+            <a:pPr lvl="1"/>
+            <a:r>
+              <a:rPr lang="en-US" dirty="0" smtClean="0"/>
+              <a:t>Make it clear to readers that you tested transformed and raw DVs.</a:t>
+            </a:r>
+          </a:p>
+          <a:p>
+            <a:r>
+              <a:rPr lang="en-US" dirty="0" smtClean="0"/>
+              <a:t>Homoscedasticity</a:t>
+            </a:r>
+          </a:p>
+          <a:p>
+            <a:r>
+              <a:rPr lang="en-US" dirty="0" smtClean="0"/>
+              <a:t>Scale Invariance</a:t>
+            </a:r>
+          </a:p>
+          <a:p>
+            <a:pPr lvl="1"/>
+            <a:r>
+              <a:rPr lang="en-US" dirty="0" smtClean="0"/>
+              <a:t>Is there bias in the models predictions?</a:t>
+            </a:r>
+          </a:p>
+          <a:p>
+            <a:pPr lvl="1"/>
+            <a:r>
+              <a:rPr lang="en-US" dirty="0" smtClean="0"/>
+              <a:t>Explore methods for looking at measurement variance over time.</a:t>
+            </a:r>
+          </a:p>
+          <a:p>
+            <a:r>
+              <a:rPr lang="en-US" dirty="0" smtClean="0"/>
+              <a:t>Influential data points/sources</a:t>
+            </a:r>
+          </a:p>
+          <a:p>
+            <a:pPr lvl="1"/>
+            <a:r>
+              <a:rPr lang="en-US" dirty="0" smtClean="0"/>
+              <a:t>There are tools for checking Cook’s Distances and VIFs in MLMs.</a:t>
+            </a:r>
+          </a:p>
+          <a:p>
+            <a:pPr lvl="1"/>
+            <a:r>
+              <a:rPr lang="en-US" dirty="0" smtClean="0"/>
+              <a:t>Influential data don’t always show up in univariate plots/analyses.</a:t>
+            </a:r>
+          </a:p>
+          <a:p>
+            <a:pPr lvl="2"/>
+            <a:r>
+              <a:rPr lang="en-US" dirty="0" smtClean="0"/>
+              <a:t>See philosophical discussions about outliers and removing influential data points. </a:t>
+            </a:r>
+          </a:p>
+          <a:p>
+            <a:pPr lvl="2"/>
+            <a:r>
+              <a:rPr lang="en-US" dirty="0" smtClean="0"/>
+              <a:t>Run the model both ways and be transparent about what you did in your write-up.</a:t>
+            </a:r>
+          </a:p>
+          <a:p>
+            <a:r>
+              <a:rPr lang="en-US" dirty="0" smtClean="0"/>
+              <a:t>Floor/Ceiling Effects</a:t>
+            </a:r>
+            <a:endParaRPr lang="en-US" dirty="0"/>
+          </a:p>
+        </p:txBody>
+      </p:sp>
+      <p:sp>
+        <p:nvSpPr>
+          <p:cNvPr id="4" name="Slide Number Placeholder 3"/>
+          <p:cNvSpPr>
+            <a:spLocks noGrp="1"/>
+          </p:cNvSpPr>
+          <p:nvPr>
+            <p:ph type="sldNum" sz="quarter" idx="12"/>
+          </p:nvPr>
+        </p:nvSpPr>
+        <p:spPr/>
+        <p:txBody>
+          <a:bodyPr/>
+          <a:lstStyle/>
+          <a:p>
+            <a:fld id="{62D33721-DFD7-43E1-85F9-9FD0AD2C3B28}" type="slidenum">
+              <a:rPr lang="en-US" smtClean="0"/>
+              <a:t>40</a:t>
+            </a:fld>
+            <a:endParaRPr lang="en-US"/>
+          </a:p>
+        </p:txBody>
+      </p:sp>
+    </p:spTree>
+    <p:extLst>
+      <p:ext uri="{BB962C8B-B14F-4D97-AF65-F5344CB8AC3E}">
+        <p14:creationId xmlns:p14="http://schemas.microsoft.com/office/powerpoint/2010/main" val="2775351996"/>
+      </p:ext>
+    </p:extLst>
+  </p:cSld>
+  <p:clrMapOvr>
+    <a:masterClrMapping/>
+  </p:clrMapOvr>
+</p:sld>
+</file>
+
+<file path=ppt/slides/slide41.xml><?xml version="1.0" encoding="utf-8"?>
+<p:sld xmlns:a="http://schemas.openxmlformats.org/drawingml/2006/main" xmlns:r="http://schemas.openxmlformats.org/officeDocument/2006/relationships" xmlns:p="http://schemas.openxmlformats.org/presentationml/2006/main">
+  <p:cSld>
+    <p:spTree>
+      <p:nvGrpSpPr>
+        <p:cNvPr id="1" name=""/>
+        <p:cNvGrpSpPr/>
+        <p:nvPr/>
+      </p:nvGrpSpPr>
+      <p:grpSpPr>
+        <a:xfrm>
+          <a:off x="0" y="0"/>
+          <a:ext cx="0" cy="0"/>
+          <a:chOff x="0" y="0"/>
+          <a:chExt cx="0" cy="0"/>
+        </a:xfrm>
+      </p:grpSpPr>
+      <p:sp>
+        <p:nvSpPr>
+          <p:cNvPr id="2" name="Title 1"/>
+          <p:cNvSpPr>
+            <a:spLocks noGrp="1"/>
+          </p:cNvSpPr>
+          <p:nvPr>
+            <p:ph type="title"/>
+          </p:nvPr>
+        </p:nvSpPr>
+        <p:spPr>
+          <a:xfrm>
+            <a:off x="428708" y="365125"/>
+            <a:ext cx="11302377" cy="1325563"/>
+          </a:xfrm>
+        </p:spPr>
+        <p:txBody>
+          <a:bodyPr/>
+          <a:lstStyle/>
+          <a:p>
+            <a:pPr algn="ctr"/>
+            <a:r>
+              <a:rPr lang="en-US" dirty="0" smtClean="0"/>
+              <a:t>11. How can I actually run my multi-level models?</a:t>
+            </a:r>
+            <a:endParaRPr lang="en-US" dirty="0"/>
+          </a:p>
+        </p:txBody>
+      </p:sp>
+      <p:sp>
+        <p:nvSpPr>
+          <p:cNvPr id="3" name="Content Placeholder 2"/>
+          <p:cNvSpPr>
+            <a:spLocks noGrp="1"/>
+          </p:cNvSpPr>
+          <p:nvPr>
+            <p:ph idx="1"/>
+          </p:nvPr>
+        </p:nvSpPr>
+        <p:spPr>
+          <a:xfrm>
+            <a:off x="838200" y="1502245"/>
+            <a:ext cx="10515600" cy="806063"/>
+          </a:xfrm>
+        </p:spPr>
+        <p:txBody>
+          <a:bodyPr>
+            <a:normAutofit fontScale="77500" lnSpcReduction="20000"/>
+          </a:bodyPr>
+          <a:lstStyle/>
+          <a:p>
+            <a:r>
+              <a:rPr lang="en-US" dirty="0" smtClean="0"/>
+              <a:t>There are numerous texts to help and software packages to do it. They are all slightly different, but users need the same basic understanding of fixed-effects and random-effects to make sure models run correctly. </a:t>
+            </a:r>
+            <a:endParaRPr lang="en-US" dirty="0"/>
+          </a:p>
+        </p:txBody>
+      </p:sp>
+      <p:sp>
+        <p:nvSpPr>
+          <p:cNvPr id="4" name="Slide Number Placeholder 3"/>
+          <p:cNvSpPr>
+            <a:spLocks noGrp="1"/>
+          </p:cNvSpPr>
+          <p:nvPr>
+            <p:ph type="sldNum" sz="quarter" idx="12"/>
+          </p:nvPr>
+        </p:nvSpPr>
+        <p:spPr/>
+        <p:txBody>
+          <a:bodyPr/>
+          <a:lstStyle/>
+          <a:p>
+            <a:fld id="{62D33721-DFD7-43E1-85F9-9FD0AD2C3B28}" type="slidenum">
+              <a:rPr lang="en-US" smtClean="0"/>
+              <a:t>41</a:t>
+            </a:fld>
+            <a:endParaRPr lang="en-US"/>
+          </a:p>
+        </p:txBody>
+      </p:sp>
+      <p:pic>
+        <p:nvPicPr>
+          <p:cNvPr id="5" name="Picture 4" descr="http://ecx.images-amazon.com/images/I/51CtQmIeTQL.jpg"/>
+          <p:cNvPicPr>
+            <a:picLocks noChangeAspect="1" noChangeArrowheads="1"/>
+          </p:cNvPicPr>
+          <p:nvPr/>
+        </p:nvPicPr>
+        <p:blipFill>
+          <a:blip r:embed="rId2">
+            <a:extLst>
+              <a:ext uri="{28A0092B-C50C-407E-A947-70E740481C1C}">
+                <a14:useLocalDpi xmlns:a14="http://schemas.microsoft.com/office/drawing/2010/main" val="0"/>
+              </a:ext>
+            </a:extLst>
+          </a:blip>
+          <a:srcRect/>
+          <a:stretch>
+            <a:fillRect/>
+          </a:stretch>
+        </p:blipFill>
+        <p:spPr bwMode="auto">
+          <a:xfrm>
+            <a:off x="428708" y="2519363"/>
+            <a:ext cx="2743200" cy="3657600"/>
+          </a:xfrm>
+          <a:prstGeom prst="rect">
+            <a:avLst/>
+          </a:prstGeom>
+          <a:noFill/>
+          <a:extLst>
+            <a:ext uri="{909E8E84-426E-40DD-AFC4-6F175D3DCCD1}">
+              <a14:hiddenFill xmlns:a14="http://schemas.microsoft.com/office/drawing/2010/main">
+                <a:solidFill>
+                  <a:srgbClr val="FFFFFF"/>
+                </a:solidFill>
+              </a14:hiddenFill>
+            </a:ext>
+          </a:extLst>
+        </p:spPr>
+      </p:pic>
+      <p:pic>
+        <p:nvPicPr>
+          <p:cNvPr id="6" name="Picture 6" descr="http://ecx.images-amazon.com/images/I/814UviSFLYL.jpg"/>
+          <p:cNvPicPr>
+            <a:picLocks noChangeAspect="1" noChangeArrowheads="1"/>
+          </p:cNvPicPr>
+          <p:nvPr/>
+        </p:nvPicPr>
+        <p:blipFill>
+          <a:blip r:embed="rId3" cstate="print">
+            <a:extLst>
+              <a:ext uri="{28A0092B-C50C-407E-A947-70E740481C1C}">
+                <a14:useLocalDpi xmlns:a14="http://schemas.microsoft.com/office/drawing/2010/main" val="0"/>
+              </a:ext>
+            </a:extLst>
+          </a:blip>
+          <a:srcRect/>
+          <a:stretch>
+            <a:fillRect/>
+          </a:stretch>
+        </p:blipFill>
+        <p:spPr bwMode="auto">
+          <a:xfrm>
+            <a:off x="3761277" y="2519363"/>
+            <a:ext cx="2474507" cy="3657600"/>
+          </a:xfrm>
+          <a:prstGeom prst="rect">
+            <a:avLst/>
+          </a:prstGeom>
+          <a:noFill/>
+          <a:extLst>
+            <a:ext uri="{909E8E84-426E-40DD-AFC4-6F175D3DCCD1}">
+              <a14:hiddenFill xmlns:a14="http://schemas.microsoft.com/office/drawing/2010/main">
+                <a:solidFill>
+                  <a:srgbClr val="FFFFFF"/>
+                </a:solidFill>
+              </a14:hiddenFill>
+            </a:ext>
+          </a:extLst>
+        </p:spPr>
+      </p:pic>
+      <p:sp>
+        <p:nvSpPr>
+          <p:cNvPr id="7" name="TextBox 6"/>
+          <p:cNvSpPr txBox="1"/>
+          <p:nvPr/>
+        </p:nvSpPr>
+        <p:spPr>
+          <a:xfrm>
+            <a:off x="428708" y="6176963"/>
+            <a:ext cx="6075766" cy="369332"/>
+          </a:xfrm>
+          <a:prstGeom prst="rect">
+            <a:avLst/>
+          </a:prstGeom>
+          <a:noFill/>
+        </p:spPr>
+        <p:txBody>
+          <a:bodyPr wrap="none" rtlCol="0">
+            <a:spAutoFit/>
+          </a:bodyPr>
+          <a:lstStyle/>
+          <a:p>
+            <a:r>
+              <a:rPr lang="en-US" dirty="0" smtClean="0"/>
+              <a:t>Most of what I will say has been said better in these resources!</a:t>
+            </a:r>
+            <a:endParaRPr lang="en-US" dirty="0"/>
+          </a:p>
+        </p:txBody>
+      </p:sp>
+      <p:grpSp>
+        <p:nvGrpSpPr>
+          <p:cNvPr id="12" name="Group 11"/>
+          <p:cNvGrpSpPr/>
+          <p:nvPr/>
+        </p:nvGrpSpPr>
+        <p:grpSpPr>
+          <a:xfrm>
+            <a:off x="9406592" y="2531329"/>
+            <a:ext cx="2286000" cy="2857043"/>
+            <a:chOff x="8440097" y="3703822"/>
+            <a:chExt cx="2433660" cy="2857043"/>
+          </a:xfrm>
+        </p:grpSpPr>
+        <p:pic>
+          <p:nvPicPr>
+            <p:cNvPr id="13" name="Picture 10" descr="http://www.uni-giessen.de/cms/fbz/svc/hrz/svc/software/lizenzen/spss/SPSS_IBM_logo.png"/>
+            <p:cNvPicPr>
+              <a:picLocks noChangeAspect="1" noChangeArrowheads="1"/>
+            </p:cNvPicPr>
+            <p:nvPr/>
+          </p:nvPicPr>
+          <p:blipFill>
+            <a:blip r:embed="rId4">
+              <a:extLst>
+                <a:ext uri="{28A0092B-C50C-407E-A947-70E740481C1C}">
+                  <a14:useLocalDpi xmlns:a14="http://schemas.microsoft.com/office/drawing/2010/main" val="0"/>
+                </a:ext>
+              </a:extLst>
+            </a:blip>
+            <a:srcRect/>
+            <a:stretch>
+              <a:fillRect/>
+            </a:stretch>
+          </p:blipFill>
+          <p:spPr bwMode="auto">
+            <a:xfrm>
+              <a:off x="8440098" y="4073154"/>
+              <a:ext cx="2433659" cy="1093669"/>
+            </a:xfrm>
+            <a:prstGeom prst="rect">
+              <a:avLst/>
+            </a:prstGeom>
+            <a:noFill/>
+            <a:extLst>
+              <a:ext uri="{909E8E84-426E-40DD-AFC4-6F175D3DCCD1}">
+                <a14:hiddenFill xmlns:a14="http://schemas.microsoft.com/office/drawing/2010/main">
+                  <a:solidFill>
+                    <a:srgbClr val="FFFFFF"/>
+                  </a:solidFill>
+                </a14:hiddenFill>
+              </a:ext>
+            </a:extLst>
+          </p:spPr>
+        </p:pic>
+        <p:pic>
+          <p:nvPicPr>
+            <p:cNvPr id="14" name="Picture 14" descr="http://uwm.edu/software/wp-content/uploads/sites/76/2014/04/sas-logo.jpg"/>
+            <p:cNvPicPr>
+              <a:picLocks noChangeAspect="1" noChangeArrowheads="1"/>
+            </p:cNvPicPr>
+            <p:nvPr/>
+          </p:nvPicPr>
+          <p:blipFill rotWithShape="1">
+            <a:blip r:embed="rId5">
+              <a:extLst>
+                <a:ext uri="{28A0092B-C50C-407E-A947-70E740481C1C}">
+                  <a14:useLocalDpi xmlns:a14="http://schemas.microsoft.com/office/drawing/2010/main" val="0"/>
+                </a:ext>
+              </a:extLst>
+            </a:blip>
+            <a:srcRect l="15810" t="8892" r="16580" b="14163"/>
+            <a:stretch/>
+          </p:blipFill>
+          <p:spPr bwMode="auto">
+            <a:xfrm>
+              <a:off x="8440098" y="5327243"/>
+              <a:ext cx="2157190" cy="1233622"/>
+            </a:xfrm>
+            <a:prstGeom prst="rect">
+              <a:avLst/>
+            </a:prstGeom>
+            <a:noFill/>
+            <a:extLst>
+              <a:ext uri="{909E8E84-426E-40DD-AFC4-6F175D3DCCD1}">
+                <a14:hiddenFill xmlns:a14="http://schemas.microsoft.com/office/drawing/2010/main">
+                  <a:solidFill>
+                    <a:srgbClr val="FFFFFF"/>
+                  </a:solidFill>
+                </a14:hiddenFill>
+              </a:ext>
+            </a:extLst>
+          </p:spPr>
+        </p:pic>
+        <p:sp>
+          <p:nvSpPr>
+            <p:cNvPr id="15" name="TextBox 14"/>
+            <p:cNvSpPr txBox="1"/>
+            <p:nvPr/>
+          </p:nvSpPr>
+          <p:spPr>
+            <a:xfrm>
+              <a:off x="8440097" y="3703822"/>
+              <a:ext cx="2199448" cy="369332"/>
+            </a:xfrm>
+            <a:prstGeom prst="rect">
+              <a:avLst/>
+            </a:prstGeom>
+            <a:noFill/>
+          </p:spPr>
+          <p:txBody>
+            <a:bodyPr wrap="none" rtlCol="0">
+              <a:spAutoFit/>
+            </a:bodyPr>
+            <a:lstStyle/>
+            <a:p>
+              <a:r>
+                <a:rPr lang="en-US" b="1" i="1" u="sng" dirty="0" smtClean="0"/>
+                <a:t>But you can also use:</a:t>
+              </a:r>
+              <a:endParaRPr lang="en-US" b="1" i="1" u="sng" dirty="0"/>
+            </a:p>
+          </p:txBody>
+        </p:sp>
+      </p:grpSp>
+      <p:pic>
+        <p:nvPicPr>
+          <p:cNvPr id="16" name="Picture 15"/>
+          <p:cNvPicPr>
+            <a:picLocks noChangeAspect="1"/>
+          </p:cNvPicPr>
+          <p:nvPr/>
+        </p:nvPicPr>
+        <p:blipFill>
+          <a:blip r:embed="rId6"/>
+          <a:stretch>
+            <a:fillRect/>
+          </a:stretch>
+        </p:blipFill>
+        <p:spPr>
+          <a:xfrm>
+            <a:off x="6437564" y="2525290"/>
+            <a:ext cx="2743200" cy="1910741"/>
+          </a:xfrm>
+          <a:prstGeom prst="rect">
+            <a:avLst/>
+          </a:prstGeom>
+        </p:spPr>
+      </p:pic>
+      <p:pic>
+        <p:nvPicPr>
+          <p:cNvPr id="1026" name="Picture 2" descr="http://www.ssicentral.com/hlm/HLM7CD.jpg"/>
+          <p:cNvPicPr>
+            <a:picLocks noChangeAspect="1" noChangeArrowheads="1"/>
+          </p:cNvPicPr>
+          <p:nvPr/>
+        </p:nvPicPr>
+        <p:blipFill rotWithShape="1">
+          <a:blip r:embed="rId7" cstate="print">
+            <a:extLst>
+              <a:ext uri="{28A0092B-C50C-407E-A947-70E740481C1C}">
+                <a14:useLocalDpi xmlns:a14="http://schemas.microsoft.com/office/drawing/2010/main" val="0"/>
+              </a:ext>
+            </a:extLst>
+          </a:blip>
+          <a:srcRect t="7371" b="35712"/>
+          <a:stretch/>
+        </p:blipFill>
+        <p:spPr bwMode="auto">
+          <a:xfrm>
+            <a:off x="9406592" y="5455991"/>
+            <a:ext cx="2286000" cy="1173563"/>
+          </a:xfrm>
+          <a:prstGeom prst="rect">
+            <a:avLst/>
+          </a:prstGeom>
+          <a:noFill/>
+          <a:extLst>
+            <a:ext uri="{909E8E84-426E-40DD-AFC4-6F175D3DCCD1}">
+              <a14:hiddenFill xmlns:a14="http://schemas.microsoft.com/office/drawing/2010/main">
+                <a:solidFill>
+                  <a:srgbClr val="FFFFFF"/>
+                </a:solidFill>
+              </a14:hiddenFill>
+            </a:ext>
+          </a:extLst>
+        </p:spPr>
+      </p:pic>
+    </p:spTree>
+    <p:extLst>
+      <p:ext uri="{BB962C8B-B14F-4D97-AF65-F5344CB8AC3E}">
+        <p14:creationId xmlns:p14="http://schemas.microsoft.com/office/powerpoint/2010/main" val="2482439970"/>
+      </p:ext>
+    </p:extLst>
+  </p:cSld>
+  <p:clrMapOvr>
+    <a:masterClrMapping/>
+  </p:clrMapOvr>
+</p:sld>
+</file>
+
+<file path=ppt/slides/slide42.xml><?xml version="1.0" encoding="utf-8"?>
+<p:sld xmlns:a="http://schemas.openxmlformats.org/drawingml/2006/main" xmlns:r="http://schemas.openxmlformats.org/officeDocument/2006/relationships" xmlns:p="http://schemas.openxmlformats.org/presentationml/2006/main">
+  <p:cSld>
+    <p:spTree>
+      <p:nvGrpSpPr>
+        <p:cNvPr id="1" name=""/>
+        <p:cNvGrpSpPr/>
+        <p:nvPr/>
+      </p:nvGrpSpPr>
+      <p:grpSpPr>
+        <a:xfrm>
+          <a:off x="0" y="0"/>
+          <a:ext cx="0" cy="0"/>
+          <a:chOff x="0" y="0"/>
+          <a:chExt cx="0" cy="0"/>
+        </a:xfrm>
+      </p:grpSpPr>
+      <p:sp>
+        <p:nvSpPr>
+          <p:cNvPr id="2" name="Title 1"/>
+          <p:cNvSpPr>
+            <a:spLocks noGrp="1"/>
+          </p:cNvSpPr>
+          <p:nvPr>
+            <p:ph type="title"/>
+          </p:nvPr>
+        </p:nvSpPr>
+        <p:spPr/>
+        <p:txBody>
+          <a:bodyPr/>
+          <a:lstStyle/>
+          <a:p>
+            <a:r>
+              <a:rPr lang="en-US" dirty="0" smtClean="0"/>
+              <a:t>12. Be up front about your limitations.</a:t>
+            </a:r>
+            <a:endParaRPr lang="en-US" dirty="0"/>
+          </a:p>
+        </p:txBody>
+      </p:sp>
+      <p:sp>
+        <p:nvSpPr>
+          <p:cNvPr id="3" name="Content Placeholder 2"/>
+          <p:cNvSpPr>
+            <a:spLocks noGrp="1"/>
+          </p:cNvSpPr>
+          <p:nvPr>
+            <p:ph idx="1"/>
+          </p:nvPr>
+        </p:nvSpPr>
+        <p:spPr/>
+        <p:txBody>
+          <a:bodyPr>
+            <a:normAutofit lnSpcReduction="10000"/>
+          </a:bodyPr>
+          <a:lstStyle/>
+          <a:p>
+            <a:r>
+              <a:rPr lang="en-US" dirty="0" smtClean="0"/>
+              <a:t>Exploratory modelling.</a:t>
+            </a:r>
+          </a:p>
+          <a:p>
+            <a:pPr lvl="1"/>
+            <a:r>
+              <a:rPr lang="en-US" dirty="0" smtClean="0"/>
+              <a:t>You will test a lot of things you probably didn’t plan on testing, but be transparent in the reporting of your analyses.</a:t>
+            </a:r>
+          </a:p>
+          <a:p>
+            <a:pPr lvl="1"/>
+            <a:r>
+              <a:rPr lang="en-US" dirty="0" smtClean="0"/>
+              <a:t>The dataset that generates a model/prediction cannot also be used to confirm that model/prediction.</a:t>
+            </a:r>
+          </a:p>
+          <a:p>
+            <a:endParaRPr lang="en-US" dirty="0"/>
+          </a:p>
+          <a:p>
+            <a:r>
+              <a:rPr lang="en-US" dirty="0" smtClean="0"/>
+              <a:t>Are your results “robust” to the method of analysis?</a:t>
+            </a:r>
+          </a:p>
+          <a:p>
+            <a:pPr lvl="1"/>
+            <a:r>
+              <a:rPr lang="en-US" dirty="0" smtClean="0"/>
+              <a:t>A lot of issues about how you are modelling times, do you meet normality, or should exclude an influential data point can be addressed by running the model both ways.</a:t>
+            </a:r>
+          </a:p>
+          <a:p>
+            <a:pPr lvl="1"/>
+            <a:r>
+              <a:rPr lang="en-US" dirty="0" smtClean="0"/>
+              <a:t>Is the answer the same both time? Is a difference in the </a:t>
+            </a:r>
+            <a:r>
+              <a:rPr lang="en-US" smtClean="0"/>
+              <a:t>answer meaningful?</a:t>
+            </a:r>
+            <a:endParaRPr lang="en-US" dirty="0"/>
+          </a:p>
+        </p:txBody>
+      </p:sp>
+      <p:sp>
+        <p:nvSpPr>
+          <p:cNvPr id="4" name="Slide Number Placeholder 3"/>
+          <p:cNvSpPr>
+            <a:spLocks noGrp="1"/>
+          </p:cNvSpPr>
+          <p:nvPr>
+            <p:ph type="sldNum" sz="quarter" idx="12"/>
+          </p:nvPr>
+        </p:nvSpPr>
+        <p:spPr/>
+        <p:txBody>
+          <a:bodyPr/>
+          <a:lstStyle/>
+          <a:p>
+            <a:fld id="{62D33721-DFD7-43E1-85F9-9FD0AD2C3B28}" type="slidenum">
+              <a:rPr lang="en-US" smtClean="0"/>
+              <a:t>42</a:t>
+            </a:fld>
+            <a:endParaRPr lang="en-US"/>
+          </a:p>
+        </p:txBody>
+      </p:sp>
+    </p:spTree>
+    <p:extLst>
+      <p:ext uri="{BB962C8B-B14F-4D97-AF65-F5344CB8AC3E}">
+        <p14:creationId xmlns:p14="http://schemas.microsoft.com/office/powerpoint/2010/main" val="1568173239"/>
+      </p:ext>
+    </p:extLst>
+  </p:cSld>
+  <p:clrMapOvr>
+    <a:masterClrMapping/>
+  </p:clrMapOvr>
+</p:sld>
+</file>
+
+<file path=ppt/slides/slide43.xml><?xml version="1.0" encoding="utf-8"?>
 <p:sld xmlns:a="http://schemas.openxmlformats.org/drawingml/2006/main" xmlns:r="http://schemas.openxmlformats.org/officeDocument/2006/relationships" xmlns:p="http://schemas.openxmlformats.org/presentationml/2006/main">
   <p:cSld>
     <p:spTree>
@@ -17396,7 +24043,7 @@
           <a:p>
             <a:fld id="{62D33721-DFD7-43E1-85F9-9FD0AD2C3B28}" type="slidenum">
               <a:rPr lang="en-US" smtClean="0"/>
-              <a:t>29</a:t>
+              <a:t>43</a:t>
             </a:fld>
             <a:endParaRPr lang="en-US"/>
           </a:p>
@@ -17406,271 +24053,6 @@
     <p:extLst>
       <p:ext uri="{BB962C8B-B14F-4D97-AF65-F5344CB8AC3E}">
         <p14:creationId xmlns:p14="http://schemas.microsoft.com/office/powerpoint/2010/main" val="3369047882"/>
-      </p:ext>
-    </p:extLst>
-  </p:cSld>
-  <p:clrMapOvr>
-    <a:masterClrMapping/>
-  </p:clrMapOvr>
-  <p:timing>
-    <p:tnLst>
-      <p:par>
-        <p:cTn id="1" dur="indefinite" restart="never" nodeType="tmRoot"/>
-      </p:par>
-    </p:tnLst>
-  </p:timing>
-</p:sld>
-</file>
-
-<file path=ppt/slides/slide3.xml><?xml version="1.0" encoding="utf-8"?>
-<p:sld xmlns:a="http://schemas.openxmlformats.org/drawingml/2006/main" xmlns:r="http://schemas.openxmlformats.org/officeDocument/2006/relationships" xmlns:p="http://schemas.openxmlformats.org/presentationml/2006/main">
-  <p:cSld>
-    <p:spTree>
-      <p:nvGrpSpPr>
-        <p:cNvPr id="1" name=""/>
-        <p:cNvGrpSpPr/>
-        <p:nvPr/>
-      </p:nvGrpSpPr>
-      <p:grpSpPr>
-        <a:xfrm>
-          <a:off x="0" y="0"/>
-          <a:ext cx="0" cy="0"/>
-          <a:chOff x="0" y="0"/>
-          <a:chExt cx="0" cy="0"/>
-        </a:xfrm>
-      </p:grpSpPr>
-      <p:sp>
-        <p:nvSpPr>
-          <p:cNvPr id="2" name="Title 1"/>
-          <p:cNvSpPr>
-            <a:spLocks noGrp="1"/>
-          </p:cNvSpPr>
-          <p:nvPr>
-            <p:ph type="title"/>
-          </p:nvPr>
-        </p:nvSpPr>
-        <p:spPr/>
-        <p:txBody>
-          <a:bodyPr/>
-          <a:lstStyle/>
-          <a:p>
-            <a:r>
-              <a:rPr lang="en-US" dirty="0" smtClean="0"/>
-              <a:t>Roadmap.</a:t>
-            </a:r>
-            <a:endParaRPr lang="en-US" dirty="0"/>
-          </a:p>
-        </p:txBody>
-      </p:sp>
-      <p:sp>
-        <p:nvSpPr>
-          <p:cNvPr id="3" name="Content Placeholder 2"/>
-          <p:cNvSpPr>
-            <a:spLocks noGrp="1"/>
-          </p:cNvSpPr>
-          <p:nvPr>
-            <p:ph idx="1"/>
-          </p:nvPr>
-        </p:nvSpPr>
-        <p:spPr/>
-        <p:txBody>
-          <a:bodyPr>
-            <a:normAutofit fontScale="92500" lnSpcReduction="20000"/>
-          </a:bodyPr>
-          <a:lstStyle/>
-          <a:p>
-            <a:r>
-              <a:rPr lang="en-US" dirty="0" smtClean="0"/>
-              <a:t>Opening R and Troubleshooting.</a:t>
-            </a:r>
-          </a:p>
-          <a:p>
-            <a:r>
-              <a:rPr lang="en-US" dirty="0" smtClean="0"/>
-              <a:t>Data Visualization.</a:t>
-            </a:r>
-          </a:p>
-          <a:p>
-            <a:pPr lvl="1"/>
-            <a:r>
-              <a:rPr lang="en-US" b="1" i="1" dirty="0" smtClean="0"/>
-              <a:t>Break and questions.</a:t>
-            </a:r>
-          </a:p>
-          <a:p>
-            <a:r>
-              <a:rPr lang="en-US" dirty="0" smtClean="0"/>
-              <a:t>Model Building</a:t>
-            </a:r>
-          </a:p>
-          <a:p>
-            <a:pPr lvl="1"/>
-            <a:r>
-              <a:rPr lang="en-US" dirty="0" smtClean="0"/>
-              <a:t>Fixed-Effects, Random-Effects, and Random-Error.</a:t>
-            </a:r>
-          </a:p>
-          <a:p>
-            <a:r>
-              <a:rPr lang="en-US" dirty="0" smtClean="0"/>
-              <a:t>Model Comparison.</a:t>
-            </a:r>
-          </a:p>
-          <a:p>
-            <a:pPr lvl="1"/>
-            <a:r>
-              <a:rPr lang="en-US" dirty="0" smtClean="0"/>
-              <a:t>Fit statistics: AIC, BIC, and the log-likelihood test.</a:t>
-            </a:r>
-          </a:p>
-          <a:p>
-            <a:pPr lvl="1"/>
-            <a:r>
-              <a:rPr lang="en-US" b="1" i="1" dirty="0" smtClean="0"/>
-              <a:t>Break and questions.</a:t>
-            </a:r>
-          </a:p>
-          <a:p>
-            <a:r>
-              <a:rPr lang="en-US" dirty="0" smtClean="0"/>
-              <a:t>Tips, tricks, and asking the right questions. </a:t>
-            </a:r>
-          </a:p>
-          <a:p>
-            <a:pPr lvl="1"/>
-            <a:r>
-              <a:rPr lang="en-US" dirty="0" smtClean="0"/>
-              <a:t>Phrasing your hypotheses, understanding common terms.</a:t>
-            </a:r>
-          </a:p>
-          <a:p>
-            <a:pPr lvl="1"/>
-            <a:r>
-              <a:rPr lang="en-US" dirty="0" smtClean="0"/>
-              <a:t>Preparing to meet with a statistical consultant.</a:t>
-            </a:r>
-          </a:p>
-          <a:p>
-            <a:r>
-              <a:rPr lang="en-US" dirty="0" smtClean="0"/>
-              <a:t>Conclusions and questions. </a:t>
-            </a:r>
-            <a:endParaRPr lang="en-US" dirty="0"/>
-          </a:p>
-        </p:txBody>
-      </p:sp>
-      <p:sp>
-        <p:nvSpPr>
-          <p:cNvPr id="4" name="Slide Number Placeholder 3"/>
-          <p:cNvSpPr>
-            <a:spLocks noGrp="1"/>
-          </p:cNvSpPr>
-          <p:nvPr>
-            <p:ph type="sldNum" sz="quarter" idx="12"/>
-          </p:nvPr>
-        </p:nvSpPr>
-        <p:spPr/>
-        <p:txBody>
-          <a:bodyPr/>
-          <a:lstStyle/>
-          <a:p>
-            <a:fld id="{62D33721-DFD7-43E1-85F9-9FD0AD2C3B28}" type="slidenum">
-              <a:rPr lang="en-US" smtClean="0"/>
-              <a:t>3</a:t>
-            </a:fld>
-            <a:endParaRPr lang="en-US"/>
-          </a:p>
-        </p:txBody>
-      </p:sp>
-    </p:spTree>
-    <p:extLst>
-      <p:ext uri="{BB962C8B-B14F-4D97-AF65-F5344CB8AC3E}">
-        <p14:creationId xmlns:p14="http://schemas.microsoft.com/office/powerpoint/2010/main" val="2129626501"/>
-      </p:ext>
-    </p:extLst>
-  </p:cSld>
-  <p:clrMapOvr>
-    <a:masterClrMapping/>
-  </p:clrMapOvr>
-  <p:timing>
-    <p:tnLst>
-      <p:par>
-        <p:cTn id="1" dur="indefinite" restart="never" nodeType="tmRoot"/>
-      </p:par>
-    </p:tnLst>
-  </p:timing>
-</p:sld>
-</file>
-
-<file path=ppt/slides/slide4.xml><?xml version="1.0" encoding="utf-8"?>
-<p:sld xmlns:a="http://schemas.openxmlformats.org/drawingml/2006/main" xmlns:r="http://schemas.openxmlformats.org/officeDocument/2006/relationships" xmlns:p="http://schemas.openxmlformats.org/presentationml/2006/main">
-  <p:cSld>
-    <p:spTree>
-      <p:nvGrpSpPr>
-        <p:cNvPr id="1" name=""/>
-        <p:cNvGrpSpPr/>
-        <p:nvPr/>
-      </p:nvGrpSpPr>
-      <p:grpSpPr>
-        <a:xfrm>
-          <a:off x="0" y="0"/>
-          <a:ext cx="0" cy="0"/>
-          <a:chOff x="0" y="0"/>
-          <a:chExt cx="0" cy="0"/>
-        </a:xfrm>
-      </p:grpSpPr>
-      <p:sp>
-        <p:nvSpPr>
-          <p:cNvPr id="2" name="Title 1"/>
-          <p:cNvSpPr>
-            <a:spLocks noGrp="1"/>
-          </p:cNvSpPr>
-          <p:nvPr>
-            <p:ph type="title"/>
-          </p:nvPr>
-        </p:nvSpPr>
-        <p:spPr/>
-        <p:txBody>
-          <a:bodyPr>
-            <a:normAutofit/>
-          </a:bodyPr>
-          <a:lstStyle/>
-          <a:p>
-            <a:r>
-              <a:rPr lang="en-US" sz="6600" dirty="0" smtClean="0"/>
-              <a:t>Data Visualization.</a:t>
-            </a:r>
-            <a:endParaRPr lang="en-US" sz="6600" dirty="0"/>
-          </a:p>
-        </p:txBody>
-      </p:sp>
-      <p:sp>
-        <p:nvSpPr>
-          <p:cNvPr id="3" name="Slide Number Placeholder 2"/>
-          <p:cNvSpPr>
-            <a:spLocks noGrp="1"/>
-          </p:cNvSpPr>
-          <p:nvPr>
-            <p:ph type="sldNum" sz="quarter" idx="12"/>
-          </p:nvPr>
-        </p:nvSpPr>
-        <p:spPr/>
-        <p:txBody>
-          <a:bodyPr/>
-          <a:lstStyle/>
-          <a:p>
-            <a:fld id="{62D33721-DFD7-43E1-85F9-9FD0AD2C3B28}" type="slidenum">
-              <a:rPr lang="en-US" smtClean="0"/>
-              <a:t>4</a:t>
-            </a:fld>
-            <a:endParaRPr lang="en-US"/>
-          </a:p>
-        </p:txBody>
-      </p:sp>
-    </p:spTree>
-    <p:extLst>
-      <p:ext uri="{BB962C8B-B14F-4D97-AF65-F5344CB8AC3E}">
-        <p14:creationId xmlns:p14="http://schemas.microsoft.com/office/powerpoint/2010/main" val="2371756391"/>
       </p:ext>
     </p:extLst>
   </p:cSld>

--- a/lohse ACRM 2017 workshop.pptx
+++ b/lohse ACRM 2017 workshop.pptx
@@ -239,7 +239,7 @@
           <a:p>
             <a:fld id="{884C76E6-7EF3-400B-BE3B-453705C25BC3}" type="datetimeFigureOut">
               <a:rPr lang="en-US" smtClean="0"/>
-              <a:t>10/24/2017</a:t>
+              <a:t>6/26/2018</a:t>
             </a:fld>
             <a:endParaRPr lang="en-US"/>
           </a:p>
@@ -638,7 +638,7 @@
           <a:p>
             <a:fld id="{4A466088-243E-44D6-A408-1775B5BA8DD6}" type="datetime1">
               <a:rPr lang="en-US" smtClean="0"/>
-              <a:t>10/24/2017</a:t>
+              <a:t>6/26/2018</a:t>
             </a:fld>
             <a:endParaRPr lang="en-US"/>
           </a:p>
@@ -808,7 +808,7 @@
           <a:p>
             <a:fld id="{DA0AA6BE-50D6-4BA0-AD77-277B2FCBD3AE}" type="datetime1">
               <a:rPr lang="en-US" smtClean="0"/>
-              <a:t>10/24/2017</a:t>
+              <a:t>6/26/2018</a:t>
             </a:fld>
             <a:endParaRPr lang="en-US"/>
           </a:p>
@@ -988,7 +988,7 @@
           <a:p>
             <a:fld id="{2F53AEE6-7037-44AB-84C6-92157B5622B7}" type="datetime1">
               <a:rPr lang="en-US" smtClean="0"/>
-              <a:t>10/24/2017</a:t>
+              <a:t>6/26/2018</a:t>
             </a:fld>
             <a:endParaRPr lang="en-US"/>
           </a:p>
@@ -1158,7 +1158,7 @@
           <a:p>
             <a:fld id="{C12F8C26-0747-4C32-B8F2-78CDB4AF9A68}" type="datetime1">
               <a:rPr lang="en-US" smtClean="0"/>
-              <a:t>10/24/2017</a:t>
+              <a:t>6/26/2018</a:t>
             </a:fld>
             <a:endParaRPr lang="en-US"/>
           </a:p>
@@ -1411,7 +1411,7 @@
           <a:p>
             <a:fld id="{4BC38E00-18B7-4F88-8122-C6E5CE5D966F}" type="datetime1">
               <a:rPr lang="en-US" smtClean="0"/>
-              <a:t>10/24/2017</a:t>
+              <a:t>6/26/2018</a:t>
             </a:fld>
             <a:endParaRPr lang="en-US"/>
           </a:p>
@@ -1643,7 +1643,7 @@
           <a:p>
             <a:fld id="{A5E101D0-F977-4BAD-9E53-681A58BE0FC6}" type="datetime1">
               <a:rPr lang="en-US" smtClean="0"/>
-              <a:t>10/24/2017</a:t>
+              <a:t>6/26/2018</a:t>
             </a:fld>
             <a:endParaRPr lang="en-US"/>
           </a:p>
@@ -2010,7 +2010,7 @@
           <a:p>
             <a:fld id="{25FC29B6-2F2F-44FC-A417-BAE191C1072F}" type="datetime1">
               <a:rPr lang="en-US" smtClean="0"/>
-              <a:t>10/24/2017</a:t>
+              <a:t>6/26/2018</a:t>
             </a:fld>
             <a:endParaRPr lang="en-US"/>
           </a:p>
@@ -2128,7 +2128,7 @@
           <a:p>
             <a:fld id="{A2EEFC4B-AA0C-4282-9B71-4BFFED71C00D}" type="datetime1">
               <a:rPr lang="en-US" smtClean="0"/>
-              <a:t>10/24/2017</a:t>
+              <a:t>6/26/2018</a:t>
             </a:fld>
             <a:endParaRPr lang="en-US"/>
           </a:p>
@@ -2223,7 +2223,7 @@
           <a:p>
             <a:fld id="{F55316B0-5752-4BA0-8DB9-51B1D3027AE5}" type="datetime1">
               <a:rPr lang="en-US" smtClean="0"/>
-              <a:t>10/24/2017</a:t>
+              <a:t>6/26/2018</a:t>
             </a:fld>
             <a:endParaRPr lang="en-US"/>
           </a:p>
@@ -2500,7 +2500,7 @@
           <a:p>
             <a:fld id="{ACE72FBB-8519-4FAA-BD37-EA5EB0253600}" type="datetime1">
               <a:rPr lang="en-US" smtClean="0"/>
-              <a:t>10/24/2017</a:t>
+              <a:t>6/26/2018</a:t>
             </a:fld>
             <a:endParaRPr lang="en-US"/>
           </a:p>
@@ -2753,7 +2753,7 @@
           <a:p>
             <a:fld id="{48FB54DE-4695-452B-AA3A-606BA6BD93FB}" type="datetime1">
               <a:rPr lang="en-US" smtClean="0"/>
-              <a:t>10/24/2017</a:t>
+              <a:t>6/26/2018</a:t>
             </a:fld>
             <a:endParaRPr lang="en-US"/>
           </a:p>
@@ -2966,7 +2966,7 @@
           <a:p>
             <a:fld id="{77D4EBB2-E6B3-4741-8C58-9501D65C1B0D}" type="datetime1">
               <a:rPr lang="en-US" smtClean="0"/>
-              <a:t>10/24/2017</a:t>
+              <a:t>6/26/2018</a:t>
             </a:fld>
             <a:endParaRPr lang="en-US"/>
           </a:p>
